--- a/Poster.pptx
+++ b/Poster.pptx
@@ -107,6 +107,11 @@
       </a:defRPr>
     </a:lvl9pPr>
   </p:defaultTextStyle>
+  <p:extLst>
+    <p:ext uri="{EFAFB233-063F-42B5-8137-9DF3F51BA10A}">
+      <p15:sldGuideLst xmlns:p15="http://schemas.microsoft.com/office/powerpoint/2012/main"/>
+    </p:ext>
+  </p:extLst>
 </p:presentation>
 </file>
 
@@ -3511,19 +3516,6 @@
               </a:rPr>
               <a:t>Data sharing between participants in a secure manner</a:t>
             </a:r>
-            <a:endParaRPr lang="he-IL" sz="4400" b="1" cap="none" spc="0" dirty="0">
-              <a:ln w="0"/>
-              <a:solidFill>
-                <a:schemeClr val="tx1"/>
-              </a:solidFill>
-              <a:effectLst>
-                <a:outerShdw blurRad="38100" dist="19050" dir="2700000" algn="tl" rotWithShape="0">
-                  <a:schemeClr val="dk1">
-                    <a:alpha val="40000"/>
-                  </a:schemeClr>
-                </a:outerShdw>
-              </a:effectLst>
-            </a:endParaRPr>
           </a:p>
           <a:p>
             <a:pPr algn="ctr" rtl="1"/>
@@ -4062,7 +4054,7 @@
         </p:nvSpPr>
         <p:spPr>
           <a:xfrm>
-            <a:off x="291889" y="9973735"/>
+            <a:off x="1882234" y="10406869"/>
             <a:ext cx="16395194" cy="1446550"/>
           </a:xfrm>
           <a:prstGeom prst="rect">
@@ -4108,6 +4100,786 @@
           </a:p>
         </p:txBody>
       </p:sp>
+      <p:grpSp>
+        <p:nvGrpSpPr>
+          <p:cNvPr id="9" name="Group 8"/>
+          <p:cNvGrpSpPr/>
+          <p:nvPr/>
+        </p:nvGrpSpPr>
+        <p:grpSpPr>
+          <a:xfrm>
+            <a:off x="1225709" y="13524301"/>
+            <a:ext cx="17708244" cy="6001643"/>
+            <a:chOff x="1070822" y="13524301"/>
+            <a:chExt cx="17708244" cy="6001643"/>
+          </a:xfrm>
+        </p:grpSpPr>
+        <p:sp>
+          <p:nvSpPr>
+            <p:cNvPr id="3" name="TextBox 2"/>
+            <p:cNvSpPr txBox="1"/>
+            <p:nvPr/>
+          </p:nvSpPr>
+          <p:spPr>
+            <a:xfrm>
+              <a:off x="1070822" y="13524301"/>
+              <a:ext cx="9392187" cy="6001643"/>
+            </a:xfrm>
+            <a:prstGeom prst="rect">
+              <a:avLst/>
+            </a:prstGeom>
+            <a:noFill/>
+          </p:spPr>
+          <p:txBody>
+            <a:bodyPr wrap="none" rtlCol="1">
+              <a:spAutoFit/>
+            </a:bodyPr>
+            <a:lstStyle/>
+            <a:p>
+              <a:r>
+                <a:rPr lang="en-US" sz="2000" b="1" dirty="0">
+                  <a:ln w="0"/>
+                  <a:effectLst>
+                    <a:outerShdw blurRad="38100" dist="19050" dir="2700000" algn="tl" rotWithShape="0">
+                      <a:schemeClr val="dk1">
+                        <a:alpha val="40000"/>
+                      </a:schemeClr>
+                    </a:outerShdw>
+                  </a:effectLst>
+                </a:rPr>
+                <a:t>Encryption</a:t>
+              </a:r>
+            </a:p>
+            <a:p>
+              <a:pPr marL="914400" lvl="1" indent="-457200">
+                <a:buAutoNum type="arabicPeriod"/>
+              </a:pPr>
+              <a:r>
+                <a:rPr lang="en-US" dirty="0">
+                  <a:ln w="0"/>
+                  <a:effectLst>
+                    <a:outerShdw blurRad="38100" dist="19050" dir="2700000" algn="tl" rotWithShape="0">
+                      <a:schemeClr val="dk1">
+                        <a:alpha val="40000"/>
+                      </a:schemeClr>
+                    </a:outerShdw>
+                  </a:effectLst>
+                </a:rPr>
+                <a:t>Assuming </a:t>
+              </a:r>
+              <a:r>
+                <a:rPr lang="en-US" b="1" dirty="0">
+                  <a:ln w="0"/>
+                  <a:effectLst>
+                    <a:outerShdw blurRad="38100" dist="19050" dir="2700000" algn="tl" rotWithShape="0">
+                      <a:schemeClr val="dk1">
+                        <a:alpha val="40000"/>
+                      </a:schemeClr>
+                    </a:outerShdw>
+                  </a:effectLst>
+                </a:rPr>
+                <a:t>N</a:t>
+              </a:r>
+              <a:r>
+                <a:rPr lang="en-US" dirty="0">
+                  <a:ln w="0"/>
+                  <a:effectLst>
+                    <a:outerShdw blurRad="38100" dist="19050" dir="2700000" algn="tl" rotWithShape="0">
+                      <a:schemeClr val="dk1">
+                        <a:alpha val="40000"/>
+                      </a:schemeClr>
+                    </a:outerShdw>
+                  </a:effectLst>
+                </a:rPr>
+                <a:t> participants, threshold </a:t>
+              </a:r>
+              <a:r>
+                <a:rPr lang="en-US" b="1" dirty="0">
+                  <a:ln w="0"/>
+                  <a:effectLst>
+                    <a:outerShdw blurRad="38100" dist="19050" dir="2700000" algn="tl" rotWithShape="0">
+                      <a:schemeClr val="dk1">
+                        <a:alpha val="40000"/>
+                      </a:schemeClr>
+                    </a:outerShdw>
+                  </a:effectLst>
+                </a:rPr>
+                <a:t>K</a:t>
+              </a:r>
+              <a:r>
+                <a:rPr lang="en-US" dirty="0">
+                  <a:ln w="0"/>
+                  <a:effectLst>
+                    <a:outerShdw blurRad="38100" dist="19050" dir="2700000" algn="tl" rotWithShape="0">
+                      <a:schemeClr val="dk1">
+                        <a:alpha val="40000"/>
+                      </a:schemeClr>
+                    </a:outerShdw>
+                  </a:effectLst>
+                </a:rPr>
+                <a:t> while 2 &lt;= </a:t>
+              </a:r>
+              <a:r>
+                <a:rPr lang="en-US" b="1" dirty="0">
+                  <a:ln w="0"/>
+                  <a:effectLst>
+                    <a:outerShdw blurRad="38100" dist="19050" dir="2700000" algn="tl" rotWithShape="0">
+                      <a:schemeClr val="dk1">
+                        <a:alpha val="40000"/>
+                      </a:schemeClr>
+                    </a:outerShdw>
+                  </a:effectLst>
+                </a:rPr>
+                <a:t>K</a:t>
+              </a:r>
+              <a:r>
+                <a:rPr lang="en-US" dirty="0">
+                  <a:ln w="0"/>
+                  <a:effectLst>
+                    <a:outerShdw blurRad="38100" dist="19050" dir="2700000" algn="tl" rotWithShape="0">
+                      <a:schemeClr val="dk1">
+                        <a:alpha val="40000"/>
+                      </a:schemeClr>
+                    </a:outerShdw>
+                  </a:effectLst>
+                </a:rPr>
+                <a:t> &lt;= N</a:t>
+              </a:r>
+              <a:endParaRPr lang="en-US" b="1" dirty="0">
+                <a:ln w="0"/>
+                <a:effectLst>
+                  <a:outerShdw blurRad="38100" dist="19050" dir="2700000" algn="tl" rotWithShape="0">
+                    <a:schemeClr val="dk1">
+                      <a:alpha val="40000"/>
+                    </a:schemeClr>
+                  </a:outerShdw>
+                </a:effectLst>
+              </a:endParaRPr>
+            </a:p>
+            <a:p>
+              <a:pPr marL="914400" lvl="1" indent="-457200">
+                <a:buAutoNum type="arabicPeriod"/>
+              </a:pPr>
+              <a:r>
+                <a:rPr lang="en-US" dirty="0">
+                  <a:ln w="0"/>
+                  <a:effectLst>
+                    <a:outerShdw blurRad="38100" dist="19050" dir="2700000" algn="tl" rotWithShape="0">
+                      <a:schemeClr val="dk1">
+                        <a:alpha val="40000"/>
+                      </a:schemeClr>
+                    </a:outerShdw>
+                  </a:effectLst>
+                </a:rPr>
+                <a:t>Generating new symmetric key (</a:t>
+              </a:r>
+              <a:r>
+                <a:rPr lang="en-US" i="1" dirty="0">
+                  <a:ln w="0"/>
+                  <a:effectLst>
+                    <a:outerShdw blurRad="38100" dist="19050" dir="2700000" algn="tl" rotWithShape="0">
+                      <a:schemeClr val="dk1">
+                        <a:alpha val="40000"/>
+                      </a:schemeClr>
+                    </a:outerShdw>
+                  </a:effectLst>
+                </a:rPr>
+                <a:t>AES</a:t>
+              </a:r>
+              <a:r>
+                <a:rPr lang="en-US" dirty="0">
+                  <a:ln w="0"/>
+                  <a:effectLst>
+                    <a:outerShdw blurRad="38100" dist="19050" dir="2700000" algn="tl" rotWithShape="0">
+                      <a:schemeClr val="dk1">
+                        <a:alpha val="40000"/>
+                      </a:schemeClr>
+                    </a:outerShdw>
+                  </a:effectLst>
+                </a:rPr>
+                <a:t>) and encrypting the input data</a:t>
+              </a:r>
+            </a:p>
+            <a:p>
+              <a:pPr marL="914400" lvl="1" indent="-457200">
+                <a:buAutoNum type="arabicPeriod"/>
+              </a:pPr>
+              <a:r>
+                <a:rPr lang="en-US" dirty="0">
+                  <a:ln w="0"/>
+                  <a:effectLst>
+                    <a:outerShdw blurRad="38100" dist="19050" dir="2700000" algn="tl" rotWithShape="0">
+                      <a:schemeClr val="dk1">
+                        <a:alpha val="40000"/>
+                      </a:schemeClr>
+                    </a:outerShdw>
+                  </a:effectLst>
+                </a:rPr>
+                <a:t>Splitting the encrypted data into </a:t>
+              </a:r>
+              <a:r>
+                <a:rPr lang="en-US" b="1" dirty="0">
+                  <a:ln w="0"/>
+                  <a:effectLst>
+                    <a:outerShdw blurRad="38100" dist="19050" dir="2700000" algn="tl" rotWithShape="0">
+                      <a:schemeClr val="dk1">
+                        <a:alpha val="40000"/>
+                      </a:schemeClr>
+                    </a:outerShdw>
+                  </a:effectLst>
+                </a:rPr>
+                <a:t>N</a:t>
+              </a:r>
+              <a:r>
+                <a:rPr lang="en-US" dirty="0">
+                  <a:ln w="0"/>
+                  <a:effectLst>
+                    <a:outerShdw blurRad="38100" dist="19050" dir="2700000" algn="tl" rotWithShape="0">
+                      <a:schemeClr val="dk1">
+                        <a:alpha val="40000"/>
+                      </a:schemeClr>
+                    </a:outerShdw>
+                  </a:effectLst>
+                </a:rPr>
+                <a:t> shares (</a:t>
+              </a:r>
+              <a:r>
+                <a:rPr lang="en-US" i="1" dirty="0">
+                  <a:ln w="0"/>
+                  <a:effectLst>
+                    <a:outerShdw blurRad="38100" dist="19050" dir="2700000" algn="tl" rotWithShape="0">
+                      <a:schemeClr val="dk1">
+                        <a:alpha val="40000"/>
+                      </a:schemeClr>
+                    </a:outerShdw>
+                  </a:effectLst>
+                </a:rPr>
+                <a:t>SSS</a:t>
+              </a:r>
+              <a:r>
+                <a:rPr lang="en-US" dirty="0">
+                  <a:ln w="0"/>
+                  <a:effectLst>
+                    <a:outerShdw blurRad="38100" dist="19050" dir="2700000" algn="tl" rotWithShape="0">
+                      <a:schemeClr val="dk1">
+                        <a:alpha val="40000"/>
+                      </a:schemeClr>
+                    </a:outerShdw>
+                  </a:effectLst>
+                </a:rPr>
+                <a:t>)</a:t>
+              </a:r>
+            </a:p>
+            <a:p>
+              <a:pPr marL="914400" lvl="1" indent="-457200">
+                <a:buAutoNum type="arabicPeriod"/>
+              </a:pPr>
+              <a:r>
+                <a:rPr lang="en-US" dirty="0">
+                  <a:ln w="0"/>
+                  <a:effectLst>
+                    <a:outerShdw blurRad="38100" dist="19050" dir="2700000" algn="tl" rotWithShape="0">
+                      <a:schemeClr val="dk1">
+                        <a:alpha val="40000"/>
+                      </a:schemeClr>
+                    </a:outerShdw>
+                  </a:effectLst>
+                </a:rPr>
+                <a:t>Querying the server for all participants public keys</a:t>
+              </a:r>
+            </a:p>
+            <a:p>
+              <a:pPr marL="914400" lvl="1" indent="-457200">
+                <a:buAutoNum type="arabicPeriod"/>
+              </a:pPr>
+              <a:r>
+                <a:rPr lang="en-US" dirty="0">
+                  <a:ln w="0"/>
+                  <a:effectLst>
+                    <a:outerShdw blurRad="38100" dist="19050" dir="2700000" algn="tl" rotWithShape="0">
+                      <a:schemeClr val="dk1">
+                        <a:alpha val="40000"/>
+                      </a:schemeClr>
+                    </a:outerShdw>
+                  </a:effectLst>
+                </a:rPr>
+                <a:t>Encrypting each share with a public key and assign it to a participant accordingly (</a:t>
+              </a:r>
+              <a:r>
+                <a:rPr lang="en-US" i="1" dirty="0">
+                  <a:ln w="0"/>
+                  <a:effectLst>
+                    <a:outerShdw blurRad="38100" dist="19050" dir="2700000" algn="tl" rotWithShape="0">
+                      <a:schemeClr val="dk1">
+                        <a:alpha val="40000"/>
+                      </a:schemeClr>
+                    </a:outerShdw>
+                  </a:effectLst>
+                </a:rPr>
+                <a:t>RSA</a:t>
+              </a:r>
+              <a:r>
+                <a:rPr lang="en-US" dirty="0">
+                  <a:ln w="0"/>
+                  <a:effectLst>
+                    <a:outerShdw blurRad="38100" dist="19050" dir="2700000" algn="tl" rotWithShape="0">
+                      <a:schemeClr val="dk1">
+                        <a:alpha val="40000"/>
+                      </a:schemeClr>
+                    </a:outerShdw>
+                  </a:effectLst>
+                </a:rPr>
+                <a:t>)</a:t>
+              </a:r>
+            </a:p>
+            <a:p>
+              <a:pPr marL="914400" lvl="1" indent="-457200">
+                <a:buAutoNum type="arabicPeriod"/>
+              </a:pPr>
+              <a:r>
+                <a:rPr lang="en-US" dirty="0">
+                  <a:ln w="0"/>
+                  <a:effectLst>
+                    <a:outerShdw blurRad="38100" dist="19050" dir="2700000" algn="tl" rotWithShape="0">
+                      <a:schemeClr val="dk1">
+                        <a:alpha val="40000"/>
+                      </a:schemeClr>
+                    </a:outerShdw>
+                  </a:effectLst>
+                </a:rPr>
+                <a:t>Requesting the server to create a new transaction</a:t>
+              </a:r>
+            </a:p>
+            <a:p>
+              <a:pPr marL="914400" lvl="1" indent="-457200">
+                <a:buAutoNum type="arabicPeriod"/>
+              </a:pPr>
+              <a:endParaRPr lang="en-US" dirty="0">
+                <a:ln w="0"/>
+                <a:effectLst>
+                  <a:outerShdw blurRad="38100" dist="19050" dir="2700000" algn="tl" rotWithShape="0">
+                    <a:schemeClr val="dk1">
+                      <a:alpha val="40000"/>
+                    </a:schemeClr>
+                  </a:outerShdw>
+                </a:effectLst>
+              </a:endParaRPr>
+            </a:p>
+            <a:p>
+              <a:r>
+                <a:rPr lang="en-US" sz="2000" b="1" dirty="0">
+                  <a:ln w="0"/>
+                  <a:effectLst>
+                    <a:outerShdw blurRad="38100" dist="19050" dir="2700000" algn="tl" rotWithShape="0">
+                      <a:schemeClr val="dk1">
+                        <a:alpha val="40000"/>
+                      </a:schemeClr>
+                    </a:outerShdw>
+                  </a:effectLst>
+                </a:rPr>
+                <a:t>Committing Share</a:t>
+              </a:r>
+              <a:r>
+                <a:rPr lang="en-US" sz="2000" dirty="0">
+                  <a:ln w="0"/>
+                  <a:effectLst>
+                    <a:outerShdw blurRad="38100" dist="19050" dir="2700000" algn="tl" rotWithShape="0">
+                      <a:schemeClr val="dk1">
+                        <a:alpha val="40000"/>
+                      </a:schemeClr>
+                    </a:outerShdw>
+                  </a:effectLst>
+                </a:rPr>
+                <a:t>:</a:t>
+              </a:r>
+            </a:p>
+            <a:p>
+              <a:pPr marL="914400" lvl="1" indent="-457200">
+                <a:buAutoNum type="arabicPeriod"/>
+              </a:pPr>
+              <a:r>
+                <a:rPr lang="en-US" dirty="0">
+                  <a:ln w="0"/>
+                  <a:effectLst>
+                    <a:outerShdw blurRad="38100" dist="19050" dir="2700000" algn="tl" rotWithShape="0">
+                      <a:schemeClr val="dk1">
+                        <a:alpha val="40000"/>
+                      </a:schemeClr>
+                    </a:outerShdw>
+                  </a:effectLst>
+                </a:rPr>
+                <a:t>Querying the server for own share</a:t>
+              </a:r>
+            </a:p>
+            <a:p>
+              <a:pPr marL="914400" lvl="1" indent="-457200">
+                <a:buAutoNum type="arabicPeriod"/>
+              </a:pPr>
+              <a:r>
+                <a:rPr lang="en-US" dirty="0">
+                  <a:ln w="0"/>
+                  <a:effectLst>
+                    <a:outerShdw blurRad="38100" dist="19050" dir="2700000" algn="tl" rotWithShape="0">
+                      <a:schemeClr val="dk1">
+                        <a:alpha val="40000"/>
+                      </a:schemeClr>
+                    </a:outerShdw>
+                  </a:effectLst>
+                </a:rPr>
+                <a:t>Decrypting the encrypted share using own private key (</a:t>
+              </a:r>
+              <a:r>
+                <a:rPr lang="en-US" i="1" dirty="0">
+                  <a:ln w="0"/>
+                  <a:effectLst>
+                    <a:outerShdw blurRad="38100" dist="19050" dir="2700000" algn="tl" rotWithShape="0">
+                      <a:schemeClr val="dk1">
+                        <a:alpha val="40000"/>
+                      </a:schemeClr>
+                    </a:outerShdw>
+                  </a:effectLst>
+                </a:rPr>
+                <a:t>RSA</a:t>
+              </a:r>
+              <a:r>
+                <a:rPr lang="en-US" dirty="0">
+                  <a:ln w="0"/>
+                  <a:effectLst>
+                    <a:outerShdw blurRad="38100" dist="19050" dir="2700000" algn="tl" rotWithShape="0">
+                      <a:schemeClr val="dk1">
+                        <a:alpha val="40000"/>
+                      </a:schemeClr>
+                    </a:outerShdw>
+                  </a:effectLst>
+                </a:rPr>
+                <a:t>)</a:t>
+              </a:r>
+            </a:p>
+            <a:p>
+              <a:pPr marL="914400" lvl="1" indent="-457200">
+                <a:buAutoNum type="arabicPeriod"/>
+              </a:pPr>
+              <a:r>
+                <a:rPr lang="en-US" dirty="0">
+                  <a:ln w="0"/>
+                  <a:effectLst>
+                    <a:outerShdw blurRad="38100" dist="19050" dir="2700000" algn="tl" rotWithShape="0">
+                      <a:schemeClr val="dk1">
+                        <a:alpha val="40000"/>
+                      </a:schemeClr>
+                    </a:outerShdw>
+                  </a:effectLst>
+                </a:rPr>
+                <a:t>Querying the server for requestee public key</a:t>
+              </a:r>
+            </a:p>
+            <a:p>
+              <a:pPr marL="914400" lvl="1" indent="-457200">
+                <a:buFontTx/>
+                <a:buAutoNum type="arabicPeriod"/>
+              </a:pPr>
+              <a:r>
+                <a:rPr lang="en-US" dirty="0">
+                  <a:ln w="0"/>
+                  <a:effectLst>
+                    <a:outerShdw blurRad="38100" dist="19050" dir="2700000" algn="tl" rotWithShape="0">
+                      <a:schemeClr val="dk1">
+                        <a:alpha val="40000"/>
+                      </a:schemeClr>
+                    </a:outerShdw>
+                  </a:effectLst>
+                </a:rPr>
+                <a:t>Encrypting own share with the given public key (</a:t>
+              </a:r>
+              <a:r>
+                <a:rPr lang="en-US" i="1" dirty="0">
+                  <a:ln w="0"/>
+                  <a:effectLst>
+                    <a:outerShdw blurRad="38100" dist="19050" dir="2700000" algn="tl" rotWithShape="0">
+                      <a:schemeClr val="dk1">
+                        <a:alpha val="40000"/>
+                      </a:schemeClr>
+                    </a:outerShdw>
+                  </a:effectLst>
+                </a:rPr>
+                <a:t>RSA</a:t>
+              </a:r>
+              <a:r>
+                <a:rPr lang="en-US" dirty="0">
+                  <a:ln w="0"/>
+                  <a:effectLst>
+                    <a:outerShdw blurRad="38100" dist="19050" dir="2700000" algn="tl" rotWithShape="0">
+                      <a:schemeClr val="dk1">
+                        <a:alpha val="40000"/>
+                      </a:schemeClr>
+                    </a:outerShdw>
+                  </a:effectLst>
+                </a:rPr>
+                <a:t>)</a:t>
+              </a:r>
+            </a:p>
+            <a:p>
+              <a:pPr marL="914400" lvl="1" indent="-457200">
+                <a:buAutoNum type="arabicPeriod"/>
+              </a:pPr>
+              <a:r>
+                <a:rPr lang="en-US" dirty="0">
+                  <a:ln w="0"/>
+                  <a:effectLst>
+                    <a:outerShdw blurRad="38100" dist="19050" dir="2700000" algn="tl" rotWithShape="0">
+                      <a:schemeClr val="dk1">
+                        <a:alpha val="40000"/>
+                      </a:schemeClr>
+                    </a:outerShdw>
+                  </a:effectLst>
+                </a:rPr>
+                <a:t>Committing the encrypted share back to the server, to be added for the requestee stash.</a:t>
+              </a:r>
+            </a:p>
+            <a:p>
+              <a:pPr marL="914400" lvl="1" indent="-457200">
+                <a:buAutoNum type="arabicPeriod"/>
+              </a:pPr>
+              <a:endParaRPr lang="en-US" dirty="0">
+                <a:ln w="0"/>
+                <a:effectLst>
+                  <a:outerShdw blurRad="38100" dist="19050" dir="2700000" algn="tl" rotWithShape="0">
+                    <a:schemeClr val="dk1">
+                      <a:alpha val="40000"/>
+                    </a:schemeClr>
+                  </a:outerShdw>
+                </a:effectLst>
+              </a:endParaRPr>
+            </a:p>
+            <a:p>
+              <a:r>
+                <a:rPr lang="en-US" sz="2000" dirty="0">
+                  <a:ln w="0"/>
+                  <a:effectLst>
+                    <a:outerShdw blurRad="38100" dist="19050" dir="2700000" algn="tl" rotWithShape="0">
+                      <a:schemeClr val="dk1">
+                        <a:alpha val="40000"/>
+                      </a:schemeClr>
+                    </a:outerShdw>
+                  </a:effectLst>
+                </a:rPr>
+                <a:t> </a:t>
+              </a:r>
+              <a:r>
+                <a:rPr lang="en-US" sz="2000" b="1" dirty="0">
+                  <a:ln w="0"/>
+                  <a:effectLst>
+                    <a:outerShdw blurRad="38100" dist="19050" dir="2700000" algn="tl" rotWithShape="0">
+                      <a:schemeClr val="dk1">
+                        <a:alpha val="40000"/>
+                      </a:schemeClr>
+                    </a:outerShdw>
+                  </a:effectLst>
+                </a:rPr>
+                <a:t>Decrypting</a:t>
+              </a:r>
+              <a:r>
+                <a:rPr lang="en-US" sz="2000" dirty="0">
+                  <a:ln w="0"/>
+                  <a:effectLst>
+                    <a:outerShdw blurRad="38100" dist="19050" dir="2700000" algn="tl" rotWithShape="0">
+                      <a:schemeClr val="dk1">
+                        <a:alpha val="40000"/>
+                      </a:schemeClr>
+                    </a:outerShdw>
+                  </a:effectLst>
+                </a:rPr>
+                <a:t>:</a:t>
+              </a:r>
+            </a:p>
+            <a:p>
+              <a:pPr marL="914400" lvl="1" indent="-457200">
+                <a:buAutoNum type="arabicPeriod"/>
+              </a:pPr>
+              <a:r>
+                <a:rPr lang="en-US" dirty="0">
+                  <a:ln w="0"/>
+                  <a:effectLst>
+                    <a:outerShdw blurRad="38100" dist="19050" dir="2700000" algn="tl" rotWithShape="0">
+                      <a:schemeClr val="dk1">
+                        <a:alpha val="40000"/>
+                      </a:schemeClr>
+                    </a:outerShdw>
+                  </a:effectLst>
+                </a:rPr>
+                <a:t>Querying the server for all shares in own stash</a:t>
+              </a:r>
+            </a:p>
+            <a:p>
+              <a:pPr marL="914400" lvl="1" indent="-457200">
+                <a:buAutoNum type="arabicPeriod"/>
+              </a:pPr>
+              <a:r>
+                <a:rPr lang="en-US" dirty="0">
+                  <a:ln w="0"/>
+                  <a:effectLst>
+                    <a:outerShdw blurRad="38100" dist="19050" dir="2700000" algn="tl" rotWithShape="0">
+                      <a:schemeClr val="dk1">
+                        <a:alpha val="40000"/>
+                      </a:schemeClr>
+                    </a:outerShdw>
+                  </a:effectLst>
+                </a:rPr>
+                <a:t>If number of shares &gt;= K:</a:t>
+              </a:r>
+            </a:p>
+            <a:p>
+              <a:pPr marL="1371600" lvl="2" indent="-457200">
+                <a:buAutoNum type="arabicPeriod"/>
+              </a:pPr>
+              <a:r>
+                <a:rPr lang="en-US" dirty="0">
+                  <a:ln w="0"/>
+                  <a:effectLst>
+                    <a:outerShdw blurRad="38100" dist="19050" dir="2700000" algn="tl" rotWithShape="0">
+                      <a:schemeClr val="dk1">
+                        <a:alpha val="40000"/>
+                      </a:schemeClr>
+                    </a:outerShdw>
+                  </a:effectLst>
+                </a:rPr>
+                <a:t>Decrypt all shares using the private key</a:t>
+              </a:r>
+            </a:p>
+            <a:p>
+              <a:pPr marL="1371600" lvl="2" indent="-457200">
+                <a:buAutoNum type="arabicPeriod"/>
+              </a:pPr>
+              <a:r>
+                <a:rPr lang="en-US" dirty="0">
+                  <a:ln w="0"/>
+                  <a:effectLst>
+                    <a:outerShdw blurRad="38100" dist="19050" dir="2700000" algn="tl" rotWithShape="0">
+                      <a:schemeClr val="dk1">
+                        <a:alpha val="40000"/>
+                      </a:schemeClr>
+                    </a:outerShdw>
+                  </a:effectLst>
+                </a:rPr>
+                <a:t>Join all shares to get the asymmetric key</a:t>
+              </a:r>
+            </a:p>
+            <a:p>
+              <a:pPr marL="1371600" lvl="2" indent="-457200">
+                <a:buAutoNum type="arabicPeriod"/>
+              </a:pPr>
+              <a:r>
+                <a:rPr lang="en-US" dirty="0">
+                  <a:ln w="0"/>
+                  <a:effectLst>
+                    <a:outerShdw blurRad="38100" dist="19050" dir="2700000" algn="tl" rotWithShape="0">
+                      <a:schemeClr val="dk1">
+                        <a:alpha val="40000"/>
+                      </a:schemeClr>
+                    </a:outerShdw>
+                  </a:effectLst>
+                </a:rPr>
+                <a:t>Decrypt the encrypted input data with the asymmetric key</a:t>
+              </a:r>
+            </a:p>
+          </p:txBody>
+        </p:sp>
+        <p:sp>
+          <p:nvSpPr>
+            <p:cNvPr id="6" name="TextBox 5"/>
+            <p:cNvSpPr txBox="1"/>
+            <p:nvPr/>
+          </p:nvSpPr>
+          <p:spPr>
+            <a:xfrm>
+              <a:off x="13125338" y="13527798"/>
+              <a:ext cx="5653728" cy="1846659"/>
+            </a:xfrm>
+            <a:prstGeom prst="rect">
+              <a:avLst/>
+            </a:prstGeom>
+            <a:noFill/>
+          </p:spPr>
+          <p:txBody>
+            <a:bodyPr wrap="square" rtlCol="1">
+              <a:spAutoFit/>
+            </a:bodyPr>
+            <a:lstStyle/>
+            <a:p>
+              <a:r>
+                <a:rPr lang="en-US" sz="1600" b="1" i="1" dirty="0"/>
+                <a:t>Terminology:</a:t>
+              </a:r>
+            </a:p>
+            <a:p>
+              <a:r>
+                <a:rPr lang="en-US" sz="1600" b="1" i="1" dirty="0"/>
+                <a:t>SSS: Shamir secret sharing</a:t>
+              </a:r>
+            </a:p>
+            <a:p>
+              <a:r>
+                <a:rPr lang="en-US" sz="1600" b="1" i="1" dirty="0"/>
+                <a:t>AES: Asymmetric block cipher algorithm</a:t>
+              </a:r>
+            </a:p>
+            <a:p>
+              <a:r>
+                <a:rPr lang="en-US" sz="1600" b="1" i="1" dirty="0"/>
+                <a:t>RSA: Public-Private symmetric cryptography algorithm</a:t>
+              </a:r>
+            </a:p>
+            <a:p>
+              <a:r>
+                <a:rPr lang="en-US" sz="1600" b="1" i="1" dirty="0"/>
+                <a:t>Threshold: Number of needed shares to reconstruct the SSS input</a:t>
+              </a:r>
+            </a:p>
+            <a:p>
+              <a:r>
+                <a:rPr lang="en-US" sz="1600" b="1" i="1" dirty="0"/>
+                <a:t>Share: SSS algorithm output</a:t>
+              </a:r>
+            </a:p>
+            <a:p>
+              <a:r>
+                <a:rPr lang="en-US" sz="1600" b="1" i="1" dirty="0"/>
+                <a:t>Stash: Stored users shares in</a:t>
+              </a:r>
+            </a:p>
+          </p:txBody>
+        </p:sp>
+      </p:grpSp>
+      <p:pic>
+        <p:nvPicPr>
+          <p:cNvPr id="8" name="Picture 7"/>
+          <p:cNvPicPr>
+            <a:picLocks noChangeAspect="1"/>
+          </p:cNvPicPr>
+          <p:nvPr/>
+        </p:nvPicPr>
+        <p:blipFill>
+          <a:blip r:embed="rId3">
+            <a:extLst>
+              <a:ext uri="{28A0092B-C50C-407E-A947-70E740481C1C}">
+                <a14:useLocalDpi xmlns:a14="http://schemas.microsoft.com/office/drawing/2010/main" val="0"/>
+              </a:ext>
+            </a:extLst>
+          </a:blip>
+          <a:stretch>
+            <a:fillRect/>
+          </a:stretch>
+        </p:blipFill>
+        <p:spPr>
+          <a:xfrm>
+            <a:off x="-1" y="20955820"/>
+            <a:ext cx="20159663" cy="8660579"/>
+          </a:xfrm>
+          <a:prstGeom prst="rect">
+            <a:avLst/>
+          </a:prstGeom>
+        </p:spPr>
+      </p:pic>
     </p:spTree>
     <p:extLst>
       <p:ext uri="{BB962C8B-B14F-4D97-AF65-F5344CB8AC3E}">

--- a/Poster.pptx
+++ b/Poster.pptx
@@ -3891,7 +3891,40 @@
                   </a:outerShdw>
                 </a:effectLst>
               </a:rPr>
-              <a:t>@ https://github.com/liranbg/BetweenUs</a:t>
+              <a:t>Code: @ </a:t>
+            </a:r>
+            <a:r>
+              <a:rPr lang="en-US" sz="2400" i="1" dirty="0">
+                <a:ln w="0"/>
+                <a:solidFill>
+                  <a:schemeClr val="tx1"/>
+                </a:solidFill>
+                <a:effectLst>
+                  <a:outerShdw blurRad="38100" dist="19050" dir="2700000" algn="tl" rotWithShape="0">
+                    <a:schemeClr val="dk1">
+                      <a:alpha val="40000"/>
+                    </a:schemeClr>
+                  </a:outerShdw>
+                </a:effectLst>
+                <a:hlinkClick r:id="rId3"/>
+              </a:rPr>
+              <a:t>https://github.com/liranbg/BetweenUs</a:t>
+            </a:r>
+            <a:r>
+              <a:rPr lang="en-US" sz="2400" i="1" dirty="0">
+                <a:ln w="0"/>
+                <a:solidFill>
+                  <a:schemeClr val="tx1"/>
+                </a:solidFill>
+                <a:effectLst>
+                  <a:outerShdw blurRad="38100" dist="19050" dir="2700000" algn="tl" rotWithShape="0">
+                    <a:schemeClr val="dk1">
+                      <a:alpha val="40000"/>
+                    </a:schemeClr>
+                  </a:outerShdw>
+                </a:effectLst>
+              </a:rPr>
+              <a:t> or</a:t>
             </a:r>
             <a:endParaRPr lang="en-US" sz="2400" b="0" i="1" cap="none" spc="0" dirty="0">
               <a:ln w="0"/>
@@ -4055,7 +4088,7 @@
         <p:spPr>
           <a:xfrm>
             <a:off x="1882234" y="10406869"/>
-            <a:ext cx="16395194" cy="1446550"/>
+            <a:ext cx="15472697" cy="1446550"/>
           </a:xfrm>
           <a:prstGeom prst="rect">
             <a:avLst/>
@@ -4068,21 +4101,24 @@
           </a:bodyPr>
           <a:lstStyle/>
           <a:p>
+            <a:pPr algn="ctr"/>
             <a:r>
               <a:rPr lang="en-US" sz="3200" b="1" dirty="0"/>
-              <a:t>This project focuses on the privacy and security issue with Cloud Computing</a:t>
-            </a:r>
-          </a:p>
-          <a:p>
+              <a:t>This project focuses on the privacy and security issues with Cloud Computing</a:t>
+            </a:r>
+          </a:p>
+          <a:p>
+            <a:pPr algn="ctr"/>
             <a:r>
               <a:rPr lang="en-US" sz="2800" b="1" i="1" dirty="0"/>
-              <a:t>Social services stores and retain the information passed by and through them in plain non-encrypted manner.</a:t>
-            </a:r>
-          </a:p>
-          <a:p>
+              <a:t>Social-sharing services store data in a plain and non-encrypted manner</a:t>
+            </a:r>
+          </a:p>
+          <a:p>
+            <a:pPr algn="ctr"/>
             <a:r>
               <a:rPr lang="en-US" sz="2800" b="1" i="1" dirty="0"/>
-              <a:t>Malicious administrator in the service can peek into the data, thus risking the user security and privacy.</a:t>
+              <a:t>Malicious admins within the organizations have the ability to look at any data, violating users’ privacy</a:t>
             </a:r>
             <a:endParaRPr lang="en-US" sz="7200" b="1" i="1" cap="none" spc="0" dirty="0">
               <a:ln w="0"/>
@@ -4793,7 +4829,7 @@
           <p:spPr>
             <a:xfrm>
               <a:off x="13125338" y="13527798"/>
-              <a:ext cx="5653728" cy="1846659"/>
+              <a:ext cx="5653728" cy="2062103"/>
             </a:xfrm>
             <a:prstGeom prst="rect">
               <a:avLst/>
@@ -4832,20 +4868,23 @@
             <a:p>
               <a:r>
                 <a:rPr lang="en-US" sz="1600" b="1" i="1" dirty="0"/>
-                <a:t>Threshold: Number of needed shares to reconstruct the SSS input</a:t>
-              </a:r>
-            </a:p>
-            <a:p>
-              <a:r>
-                <a:rPr lang="en-US" sz="1600" b="1" i="1" dirty="0"/>
                 <a:t>Share: SSS algorithm output</a:t>
               </a:r>
             </a:p>
             <a:p>
               <a:r>
                 <a:rPr lang="en-US" sz="1600" b="1" i="1" dirty="0"/>
-                <a:t>Stash: Stored users shares in</a:t>
+                <a:t>Stash: Data structure that holds current user shares</a:t>
               </a:r>
+            </a:p>
+            <a:p>
+              <a:r>
+                <a:rPr lang="en-US" sz="1600" b="1" i="1" dirty="0"/>
+                <a:t>Threshold: Number of needed shares to reconstruct the SSS input</a:t>
+              </a:r>
+            </a:p>
+            <a:p>
+              <a:endParaRPr lang="en-US" sz="1600" b="1" i="1" dirty="0"/>
             </a:p>
           </p:txBody>
         </p:sp>
@@ -4859,7 +4898,7 @@
           <p:nvPr/>
         </p:nvPicPr>
         <p:blipFill>
-          <a:blip r:embed="rId3">
+          <a:blip r:embed="rId4">
             <a:extLst>
               <a:ext uri="{28A0092B-C50C-407E-A947-70E740481C1C}">
                 <a14:useLocalDpi xmlns:a14="http://schemas.microsoft.com/office/drawing/2010/main" val="0"/>
@@ -4880,6 +4919,96 @@
           </a:prstGeom>
         </p:spPr>
       </p:pic>
+      <p:pic>
+        <p:nvPicPr>
+          <p:cNvPr id="2" name="Picture 1"/>
+          <p:cNvPicPr>
+            <a:picLocks noChangeAspect="1"/>
+          </p:cNvPicPr>
+          <p:nvPr/>
+        </p:nvPicPr>
+        <p:blipFill>
+          <a:blip r:embed="rId5">
+            <a:extLst>
+              <a:ext uri="{28A0092B-C50C-407E-A947-70E740481C1C}">
+                <a14:useLocalDpi xmlns:a14="http://schemas.microsoft.com/office/drawing/2010/main" val="0"/>
+              </a:ext>
+            </a:extLst>
+          </a:blip>
+          <a:stretch>
+            <a:fillRect/>
+          </a:stretch>
+        </p:blipFill>
+        <p:spPr>
+          <a:xfrm>
+            <a:off x="13346900" y="8291366"/>
+            <a:ext cx="1278314" cy="1278314"/>
+          </a:xfrm>
+          <a:prstGeom prst="rect">
+            <a:avLst/>
+          </a:prstGeom>
+        </p:spPr>
+      </p:pic>
+      <p:cxnSp>
+        <p:nvCxnSpPr>
+          <p:cNvPr id="7" name="Straight Connector 6"/>
+          <p:cNvCxnSpPr/>
+          <p:nvPr/>
+        </p:nvCxnSpPr>
+        <p:spPr>
+          <a:xfrm>
+            <a:off x="-1" y="9969730"/>
+            <a:ext cx="20159664" cy="0"/>
+          </a:xfrm>
+          <a:prstGeom prst="line">
+            <a:avLst/>
+          </a:prstGeom>
+        </p:spPr>
+        <p:style>
+          <a:lnRef idx="1">
+            <a:schemeClr val="accent1"/>
+          </a:lnRef>
+          <a:fillRef idx="0">
+            <a:schemeClr val="accent1"/>
+          </a:fillRef>
+          <a:effectRef idx="0">
+            <a:schemeClr val="accent1"/>
+          </a:effectRef>
+          <a:fontRef idx="minor">
+            <a:schemeClr val="tx1"/>
+          </a:fontRef>
+        </p:style>
+      </p:cxnSp>
+      <p:cxnSp>
+        <p:nvCxnSpPr>
+          <p:cNvPr id="14" name="Straight Connector 13"/>
+          <p:cNvCxnSpPr/>
+          <p:nvPr/>
+        </p:nvCxnSpPr>
+        <p:spPr>
+          <a:xfrm>
+            <a:off x="-1" y="20161480"/>
+            <a:ext cx="20159664" cy="0"/>
+          </a:xfrm>
+          <a:prstGeom prst="line">
+            <a:avLst/>
+          </a:prstGeom>
+        </p:spPr>
+        <p:style>
+          <a:lnRef idx="1">
+            <a:schemeClr val="accent1"/>
+          </a:lnRef>
+          <a:fillRef idx="0">
+            <a:schemeClr val="accent1"/>
+          </a:fillRef>
+          <a:effectRef idx="0">
+            <a:schemeClr val="accent1"/>
+          </a:effectRef>
+          <a:fontRef idx="minor">
+            <a:schemeClr val="tx1"/>
+          </a:fontRef>
+        </p:style>
+      </p:cxnSp>
     </p:spTree>
     <p:extLst>
       <p:ext uri="{BB962C8B-B14F-4D97-AF65-F5344CB8AC3E}">

--- a/Poster.pptx
+++ b/Poster.pptx
@@ -3357,50 +3357,6 @@
       </p:pic>
       <p:sp>
         <p:nvSpPr>
-          <p:cNvPr id="10" name="Rectangle 9"/>
-          <p:cNvSpPr/>
-          <p:nvPr/>
-        </p:nvSpPr>
-        <p:spPr>
-          <a:xfrm>
-            <a:off x="91377" y="439537"/>
-            <a:ext cx="5740426" cy="758897"/>
-          </a:xfrm>
-          <a:prstGeom prst="rect">
-            <a:avLst/>
-          </a:prstGeom>
-          <a:noFill/>
-        </p:spPr>
-        <p:txBody>
-          <a:bodyPr wrap="none" lIns="80998" tIns="40499" rIns="80998" bIns="40499">
-            <a:spAutoFit/>
-          </a:bodyPr>
-          <a:lstStyle/>
-          <a:p>
-            <a:pPr algn="ctr"/>
-            <a:r>
-              <a:rPr lang="he-IL" sz="4400" i="1" dirty="0">
-                <a:ln w="0"/>
-                <a:solidFill>
-                  <a:srgbClr val="F41D25"/>
-                </a:solidFill>
-                <a:latin typeface="Guttman-Aharoni" panose="02010701010101010101" pitchFamily="2" charset="-79"/>
-                <a:cs typeface="Guttman-Aharoni" panose="02010701010101010101" pitchFamily="2" charset="-79"/>
-              </a:rPr>
-              <a:t>המחלקה להנדסת תוכנה</a:t>
-            </a:r>
-            <a:endParaRPr lang="en-US" sz="4400" i="1" dirty="0">
-              <a:ln w="0"/>
-              <a:solidFill>
-                <a:srgbClr val="F41D25"/>
-              </a:solidFill>
-              <a:cs typeface="Guttman-Aharoni" panose="02010701010101010101" pitchFamily="2" charset="-79"/>
-            </a:endParaRPr>
-          </a:p>
-        </p:txBody>
-      </p:sp>
-      <p:sp>
-        <p:nvSpPr>
           <p:cNvPr id="11" name="Rectangle 10"/>
           <p:cNvSpPr/>
           <p:nvPr/>
@@ -4279,18 +4235,21 @@
                     </a:outerShdw>
                   </a:effectLst>
                 </a:rPr>
-                <a:t> &lt;= N</a:t>
+                <a:t> &lt;= </a:t>
               </a:r>
-              <a:endParaRPr lang="en-US" b="1" dirty="0">
-                <a:ln w="0"/>
-                <a:effectLst>
-                  <a:outerShdw blurRad="38100" dist="19050" dir="2700000" algn="tl" rotWithShape="0">
-                    <a:schemeClr val="dk1">
-                      <a:alpha val="40000"/>
-                    </a:schemeClr>
-                  </a:outerShdw>
-                </a:effectLst>
-              </a:endParaRPr>
+              <a:r>
+                <a:rPr lang="en-US" b="1" dirty="0">
+                  <a:ln w="0"/>
+                  <a:effectLst>
+                    <a:outerShdw blurRad="38100" dist="19050" dir="2700000" algn="tl" rotWithShape="0">
+                      <a:schemeClr val="dk1">
+                        <a:alpha val="40000"/>
+                      </a:schemeClr>
+                    </a:outerShdw>
+                  </a:effectLst>
+                </a:rPr>
+                <a:t>N</a:t>
+              </a:r>
             </a:p>
             <a:p>
               <a:pPr marL="914400" lvl="1" indent="-457200">
@@ -4761,7 +4720,33 @@
                     </a:outerShdw>
                   </a:effectLst>
                 </a:rPr>
-                <a:t>If number of shares &gt;= K:</a:t>
+                <a:t>If number of shares &gt;= </a:t>
+              </a:r>
+              <a:r>
+                <a:rPr lang="en-US" b="1" dirty="0">
+                  <a:ln w="0"/>
+                  <a:effectLst>
+                    <a:outerShdw blurRad="38100" dist="19050" dir="2700000" algn="tl" rotWithShape="0">
+                      <a:schemeClr val="dk1">
+                        <a:alpha val="40000"/>
+                      </a:schemeClr>
+                    </a:outerShdw>
+                  </a:effectLst>
+                </a:rPr>
+                <a:t>K</a:t>
+              </a:r>
+              <a:r>
+                <a:rPr lang="en-US" dirty="0">
+                  <a:ln w="0"/>
+                  <a:effectLst>
+                    <a:outerShdw blurRad="38100" dist="19050" dir="2700000" algn="tl" rotWithShape="0">
+                      <a:schemeClr val="dk1">
+                        <a:alpha val="40000"/>
+                      </a:schemeClr>
+                    </a:outerShdw>
+                  </a:effectLst>
+                </a:rPr>
+                <a:t>:</a:t>
               </a:r>
             </a:p>
             <a:p>
@@ -5009,6 +4994,36 @@
           </a:fontRef>
         </p:style>
       </p:cxnSp>
+      <p:pic>
+        <p:nvPicPr>
+          <p:cNvPr id="5" name="Picture 4"/>
+          <p:cNvPicPr>
+            <a:picLocks noChangeAspect="1"/>
+          </p:cNvPicPr>
+          <p:nvPr/>
+        </p:nvPicPr>
+        <p:blipFill>
+          <a:blip r:embed="rId6">
+            <a:extLst>
+              <a:ext uri="{28A0092B-C50C-407E-A947-70E740481C1C}">
+                <a14:useLocalDpi xmlns:a14="http://schemas.microsoft.com/office/drawing/2010/main" val="0"/>
+              </a:ext>
+            </a:extLst>
+          </a:blip>
+          <a:stretch>
+            <a:fillRect/>
+          </a:stretch>
+        </p:blipFill>
+        <p:spPr>
+          <a:xfrm>
+            <a:off x="-30848" y="443906"/>
+            <a:ext cx="6200169" cy="1176630"/>
+          </a:xfrm>
+          <a:prstGeom prst="rect">
+            <a:avLst/>
+          </a:prstGeom>
+        </p:spPr>
+      </p:pic>
     </p:spTree>
     <p:extLst>
       <p:ext uri="{BB962C8B-B14F-4D97-AF65-F5344CB8AC3E}">

--- a/Poster.pptx
+++ b/Poster.pptx
@@ -2,7 +2,7 @@
 <file path=ppt/presentation.xml><?xml version="1.0" encoding="utf-8"?>
 <p:presentation xmlns:a="http://schemas.openxmlformats.org/drawingml/2006/main" xmlns:r="http://schemas.openxmlformats.org/officeDocument/2006/relationships" xmlns:p="http://schemas.openxmlformats.org/presentationml/2006/main" saveSubsetFonts="1">
   <p:sldMasterIdLst>
-    <p:sldMasterId id="2147483684" r:id="rId1"/>
+    <p:sldMasterId id="2147483696" r:id="rId1"/>
   </p:sldMasterIdLst>
   <p:notesMasterIdLst>
     <p:notesMasterId r:id="rId3"/>
@@ -10,7 +10,7 @@
   <p:sldIdLst>
     <p:sldId id="256" r:id="rId2"/>
   </p:sldIdLst>
-  <p:sldSz cx="20159663" cy="30240288"/>
+  <p:sldSz cx="18000663" cy="25199975"/>
   <p:notesSz cx="6858000" cy="9144000"/>
   <p:defaultTextStyle>
     <a:defPPr>
@@ -215,8 +215,8 @@
         </p:nvSpPr>
         <p:spPr>
           <a:xfrm>
-            <a:off x="2400300" y="1143000"/>
-            <a:ext cx="2057400" cy="3086100"/>
+            <a:off x="2327275" y="1143000"/>
+            <a:ext cx="2203450" cy="3086100"/>
           </a:xfrm>
           <a:prstGeom prst="rect">
             <a:avLst/>
@@ -371,8 +371,8 @@
   </p:cSld>
   <p:clrMap bg1="lt1" tx1="dk1" bg2="lt2" tx2="dk2" accent1="accent1" accent2="accent2" accent3="accent3" accent4="accent4" accent5="accent5" accent6="accent6" hlink="hlink" folHlink="folHlink"/>
   <p:notesStyle>
-    <a:lvl1pPr marL="0" algn="l" defTabSz="1066739" rtl="0" eaLnBrk="1" latinLnBrk="0" hangingPunct="1">
-      <a:defRPr sz="1400" kern="1200">
+    <a:lvl1pPr marL="0" algn="l" defTabSz="914302" rtl="0" eaLnBrk="1" latinLnBrk="0" hangingPunct="1">
+      <a:defRPr sz="1200" kern="1200">
         <a:solidFill>
           <a:schemeClr val="tx1"/>
         </a:solidFill>
@@ -381,8 +381,8 @@
         <a:cs typeface="+mn-cs"/>
       </a:defRPr>
     </a:lvl1pPr>
-    <a:lvl2pPr marL="533370" algn="l" defTabSz="1066739" rtl="0" eaLnBrk="1" latinLnBrk="0" hangingPunct="1">
-      <a:defRPr sz="1400" kern="1200">
+    <a:lvl2pPr marL="457151" algn="l" defTabSz="914302" rtl="0" eaLnBrk="1" latinLnBrk="0" hangingPunct="1">
+      <a:defRPr sz="1200" kern="1200">
         <a:solidFill>
           <a:schemeClr val="tx1"/>
         </a:solidFill>
@@ -391,8 +391,8 @@
         <a:cs typeface="+mn-cs"/>
       </a:defRPr>
     </a:lvl2pPr>
-    <a:lvl3pPr marL="1066739" algn="l" defTabSz="1066739" rtl="0" eaLnBrk="1" latinLnBrk="0" hangingPunct="1">
-      <a:defRPr sz="1400" kern="1200">
+    <a:lvl3pPr marL="914302" algn="l" defTabSz="914302" rtl="0" eaLnBrk="1" latinLnBrk="0" hangingPunct="1">
+      <a:defRPr sz="1200" kern="1200">
         <a:solidFill>
           <a:schemeClr val="tx1"/>
         </a:solidFill>
@@ -401,8 +401,8 @@
         <a:cs typeface="+mn-cs"/>
       </a:defRPr>
     </a:lvl3pPr>
-    <a:lvl4pPr marL="1600109" algn="l" defTabSz="1066739" rtl="0" eaLnBrk="1" latinLnBrk="0" hangingPunct="1">
-      <a:defRPr sz="1400" kern="1200">
+    <a:lvl4pPr marL="1371453" algn="l" defTabSz="914302" rtl="0" eaLnBrk="1" latinLnBrk="0" hangingPunct="1">
+      <a:defRPr sz="1200" kern="1200">
         <a:solidFill>
           <a:schemeClr val="tx1"/>
         </a:solidFill>
@@ -411,8 +411,8 @@
         <a:cs typeface="+mn-cs"/>
       </a:defRPr>
     </a:lvl4pPr>
-    <a:lvl5pPr marL="2133478" algn="l" defTabSz="1066739" rtl="0" eaLnBrk="1" latinLnBrk="0" hangingPunct="1">
-      <a:defRPr sz="1400" kern="1200">
+    <a:lvl5pPr marL="1828604" algn="l" defTabSz="914302" rtl="0" eaLnBrk="1" latinLnBrk="0" hangingPunct="1">
+      <a:defRPr sz="1200" kern="1200">
         <a:solidFill>
           <a:schemeClr val="tx1"/>
         </a:solidFill>
@@ -421,8 +421,8 @@
         <a:cs typeface="+mn-cs"/>
       </a:defRPr>
     </a:lvl5pPr>
-    <a:lvl6pPr marL="2666848" algn="l" defTabSz="1066739" rtl="0" eaLnBrk="1" latinLnBrk="0" hangingPunct="1">
-      <a:defRPr sz="1400" kern="1200">
+    <a:lvl6pPr marL="2285755" algn="l" defTabSz="914302" rtl="0" eaLnBrk="1" latinLnBrk="0" hangingPunct="1">
+      <a:defRPr sz="1200" kern="1200">
         <a:solidFill>
           <a:schemeClr val="tx1"/>
         </a:solidFill>
@@ -431,8 +431,8 @@
         <a:cs typeface="+mn-cs"/>
       </a:defRPr>
     </a:lvl6pPr>
-    <a:lvl7pPr marL="3200217" algn="l" defTabSz="1066739" rtl="0" eaLnBrk="1" latinLnBrk="0" hangingPunct="1">
-      <a:defRPr sz="1400" kern="1200">
+    <a:lvl7pPr marL="2742906" algn="l" defTabSz="914302" rtl="0" eaLnBrk="1" latinLnBrk="0" hangingPunct="1">
+      <a:defRPr sz="1200" kern="1200">
         <a:solidFill>
           <a:schemeClr val="tx1"/>
         </a:solidFill>
@@ -441,8 +441,8 @@
         <a:cs typeface="+mn-cs"/>
       </a:defRPr>
     </a:lvl7pPr>
-    <a:lvl8pPr marL="3733587" algn="l" defTabSz="1066739" rtl="0" eaLnBrk="1" latinLnBrk="0" hangingPunct="1">
-      <a:defRPr sz="1400" kern="1200">
+    <a:lvl8pPr marL="3200057" algn="l" defTabSz="914302" rtl="0" eaLnBrk="1" latinLnBrk="0" hangingPunct="1">
+      <a:defRPr sz="1200" kern="1200">
         <a:solidFill>
           <a:schemeClr val="tx1"/>
         </a:solidFill>
@@ -451,8 +451,8 @@
         <a:cs typeface="+mn-cs"/>
       </a:defRPr>
     </a:lvl8pPr>
-    <a:lvl9pPr marL="4266956" algn="l" defTabSz="1066739" rtl="0" eaLnBrk="1" latinLnBrk="0" hangingPunct="1">
-      <a:defRPr sz="1400" kern="1200">
+    <a:lvl9pPr marL="3657208" algn="l" defTabSz="914302" rtl="0" eaLnBrk="1" latinLnBrk="0" hangingPunct="1">
+      <a:defRPr sz="1200" kern="1200">
         <a:solidFill>
           <a:schemeClr val="tx1"/>
         </a:solidFill>
@@ -494,15 +494,15 @@
         </p:nvSpPr>
         <p:spPr>
           <a:xfrm>
-            <a:off x="1511975" y="4949049"/>
-            <a:ext cx="17135714" cy="10528100"/>
+            <a:off x="1350050" y="4124164"/>
+            <a:ext cx="15300564" cy="8773325"/>
           </a:xfrm>
         </p:spPr>
         <p:txBody>
           <a:bodyPr anchor="b"/>
           <a:lstStyle>
             <a:lvl1pPr algn="ctr">
-              <a:defRPr sz="13228"/>
+              <a:defRPr sz="11812"/>
             </a:lvl1pPr>
           </a:lstStyle>
           <a:p>
@@ -526,8 +526,8 @@
         </p:nvSpPr>
         <p:spPr>
           <a:xfrm>
-            <a:off x="2519958" y="15883154"/>
-            <a:ext cx="15119747" cy="7301067"/>
+            <a:off x="2250083" y="13235822"/>
+            <a:ext cx="13500497" cy="6084159"/>
           </a:xfrm>
         </p:spPr>
         <p:txBody>
@@ -535,39 +535,39 @@
           <a:lstStyle>
             <a:lvl1pPr marL="0" indent="0" algn="ctr">
               <a:buNone/>
-              <a:defRPr sz="5291"/>
+              <a:defRPr sz="4725"/>
             </a:lvl1pPr>
-            <a:lvl2pPr marL="1007989" indent="0" algn="ctr">
-              <a:buNone/>
-              <a:defRPr sz="4409"/>
+            <a:lvl2pPr marL="900044" indent="0" algn="ctr">
+              <a:buNone/>
+              <a:defRPr sz="3937"/>
             </a:lvl2pPr>
-            <a:lvl3pPr marL="2015978" indent="0" algn="ctr">
-              <a:buNone/>
-              <a:defRPr sz="3968"/>
+            <a:lvl3pPr marL="1800088" indent="0" algn="ctr">
+              <a:buNone/>
+              <a:defRPr sz="3543"/>
             </a:lvl3pPr>
-            <a:lvl4pPr marL="3023967" indent="0" algn="ctr">
-              <a:buNone/>
-              <a:defRPr sz="3528"/>
+            <a:lvl4pPr marL="2700132" indent="0" algn="ctr">
+              <a:buNone/>
+              <a:defRPr sz="3150"/>
             </a:lvl4pPr>
-            <a:lvl5pPr marL="4031955" indent="0" algn="ctr">
-              <a:buNone/>
-              <a:defRPr sz="3528"/>
+            <a:lvl5pPr marL="3600176" indent="0" algn="ctr">
+              <a:buNone/>
+              <a:defRPr sz="3150"/>
             </a:lvl5pPr>
-            <a:lvl6pPr marL="5039944" indent="0" algn="ctr">
-              <a:buNone/>
-              <a:defRPr sz="3528"/>
+            <a:lvl6pPr marL="4500220" indent="0" algn="ctr">
+              <a:buNone/>
+              <a:defRPr sz="3150"/>
             </a:lvl6pPr>
-            <a:lvl7pPr marL="6047933" indent="0" algn="ctr">
-              <a:buNone/>
-              <a:defRPr sz="3528"/>
+            <a:lvl7pPr marL="5400264" indent="0" algn="ctr">
+              <a:buNone/>
+              <a:defRPr sz="3150"/>
             </a:lvl7pPr>
-            <a:lvl8pPr marL="7055922" indent="0" algn="ctr">
-              <a:buNone/>
-              <a:defRPr sz="3528"/>
+            <a:lvl8pPr marL="6300307" indent="0" algn="ctr">
+              <a:buNone/>
+              <a:defRPr sz="3150"/>
             </a:lvl8pPr>
-            <a:lvl9pPr marL="8063911" indent="0" algn="ctr">
-              <a:buNone/>
-              <a:defRPr sz="3528"/>
+            <a:lvl9pPr marL="7200351" indent="0" algn="ctr">
+              <a:buNone/>
+              <a:defRPr sz="3150"/>
             </a:lvl9pPr>
           </a:lstStyle>
           <a:p>
@@ -647,7 +647,7 @@
     </p:spTree>
     <p:extLst>
       <p:ext uri="{BB962C8B-B14F-4D97-AF65-F5344CB8AC3E}">
-        <p14:creationId xmlns:p14="http://schemas.microsoft.com/office/powerpoint/2010/main" val="861159753"/>
+        <p14:creationId xmlns:p14="http://schemas.microsoft.com/office/powerpoint/2010/main" val="1581613561"/>
       </p:ext>
     </p:extLst>
   </p:cSld>
@@ -817,7 +817,7 @@
     </p:spTree>
     <p:extLst>
       <p:ext uri="{BB962C8B-B14F-4D97-AF65-F5344CB8AC3E}">
-        <p14:creationId xmlns:p14="http://schemas.microsoft.com/office/powerpoint/2010/main" val="4251758803"/>
+        <p14:creationId xmlns:p14="http://schemas.microsoft.com/office/powerpoint/2010/main" val="2759043538"/>
       </p:ext>
     </p:extLst>
   </p:cSld>
@@ -856,8 +856,8 @@
         </p:nvSpPr>
         <p:spPr>
           <a:xfrm>
-            <a:off x="14426760" y="1610015"/>
-            <a:ext cx="4346927" cy="25627246"/>
+            <a:off x="12881725" y="1341665"/>
+            <a:ext cx="3881393" cy="21355814"/>
           </a:xfrm>
         </p:spPr>
         <p:txBody>
@@ -884,8 +884,8 @@
         </p:nvSpPr>
         <p:spPr>
           <a:xfrm>
-            <a:off x="1385978" y="1610015"/>
-            <a:ext cx="12788786" cy="25627246"/>
+            <a:off x="1237546" y="1341665"/>
+            <a:ext cx="11419171" cy="21355814"/>
           </a:xfrm>
         </p:spPr>
         <p:txBody>
@@ -997,7 +997,7 @@
     </p:spTree>
     <p:extLst>
       <p:ext uri="{BB962C8B-B14F-4D97-AF65-F5344CB8AC3E}">
-        <p14:creationId xmlns:p14="http://schemas.microsoft.com/office/powerpoint/2010/main" val="1163385241"/>
+        <p14:creationId xmlns:p14="http://schemas.microsoft.com/office/powerpoint/2010/main" val="3161755562"/>
       </p:ext>
     </p:extLst>
   </p:cSld>
@@ -1167,7 +1167,7 @@
     </p:spTree>
     <p:extLst>
       <p:ext uri="{BB962C8B-B14F-4D97-AF65-F5344CB8AC3E}">
-        <p14:creationId xmlns:p14="http://schemas.microsoft.com/office/powerpoint/2010/main" val="1360406394"/>
+        <p14:creationId xmlns:p14="http://schemas.microsoft.com/office/powerpoint/2010/main" val="2093019228"/>
       </p:ext>
     </p:extLst>
   </p:cSld>
@@ -1206,15 +1206,15 @@
         </p:nvSpPr>
         <p:spPr>
           <a:xfrm>
-            <a:off x="1375478" y="7539080"/>
-            <a:ext cx="17387709" cy="12579118"/>
+            <a:off x="1228171" y="6282501"/>
+            <a:ext cx="15525572" cy="10482488"/>
           </a:xfrm>
         </p:spPr>
         <p:txBody>
           <a:bodyPr anchor="b"/>
           <a:lstStyle>
             <a:lvl1pPr>
-              <a:defRPr sz="13228"/>
+              <a:defRPr sz="11812"/>
             </a:lvl1pPr>
           </a:lstStyle>
           <a:p>
@@ -1238,8 +1238,8 @@
         </p:nvSpPr>
         <p:spPr>
           <a:xfrm>
-            <a:off x="1375478" y="20237201"/>
-            <a:ext cx="17387709" cy="6615061"/>
+            <a:off x="1228171" y="16864157"/>
+            <a:ext cx="15525572" cy="5512493"/>
           </a:xfrm>
         </p:spPr>
         <p:txBody>
@@ -1247,15 +1247,15 @@
           <a:lstStyle>
             <a:lvl1pPr marL="0" indent="0">
               <a:buNone/>
-              <a:defRPr sz="5291">
+              <a:defRPr sz="4725">
                 <a:solidFill>
                   <a:schemeClr val="tx1"/>
                 </a:solidFill>
               </a:defRPr>
             </a:lvl1pPr>
-            <a:lvl2pPr marL="1007989" indent="0">
-              <a:buNone/>
-              <a:defRPr sz="4409">
+            <a:lvl2pPr marL="900044" indent="0">
+              <a:buNone/>
+              <a:defRPr sz="3937">
                 <a:solidFill>
                   <a:schemeClr val="tx1">
                     <a:tint val="75000"/>
@@ -1263,9 +1263,9 @@
                 </a:solidFill>
               </a:defRPr>
             </a:lvl2pPr>
-            <a:lvl3pPr marL="2015978" indent="0">
-              <a:buNone/>
-              <a:defRPr sz="3968">
+            <a:lvl3pPr marL="1800088" indent="0">
+              <a:buNone/>
+              <a:defRPr sz="3543">
                 <a:solidFill>
                   <a:schemeClr val="tx1">
                     <a:tint val="75000"/>
@@ -1273,9 +1273,9 @@
                 </a:solidFill>
               </a:defRPr>
             </a:lvl3pPr>
-            <a:lvl4pPr marL="3023967" indent="0">
-              <a:buNone/>
-              <a:defRPr sz="3528">
+            <a:lvl4pPr marL="2700132" indent="0">
+              <a:buNone/>
+              <a:defRPr sz="3150">
                 <a:solidFill>
                   <a:schemeClr val="tx1">
                     <a:tint val="75000"/>
@@ -1283,9 +1283,9 @@
                 </a:solidFill>
               </a:defRPr>
             </a:lvl4pPr>
-            <a:lvl5pPr marL="4031955" indent="0">
-              <a:buNone/>
-              <a:defRPr sz="3528">
+            <a:lvl5pPr marL="3600176" indent="0">
+              <a:buNone/>
+              <a:defRPr sz="3150">
                 <a:solidFill>
                   <a:schemeClr val="tx1">
                     <a:tint val="75000"/>
@@ -1293,9 +1293,9 @@
                 </a:solidFill>
               </a:defRPr>
             </a:lvl5pPr>
-            <a:lvl6pPr marL="5039944" indent="0">
-              <a:buNone/>
-              <a:defRPr sz="3528">
+            <a:lvl6pPr marL="4500220" indent="0">
+              <a:buNone/>
+              <a:defRPr sz="3150">
                 <a:solidFill>
                   <a:schemeClr val="tx1">
                     <a:tint val="75000"/>
@@ -1303,9 +1303,9 @@
                 </a:solidFill>
               </a:defRPr>
             </a:lvl6pPr>
-            <a:lvl7pPr marL="6047933" indent="0">
-              <a:buNone/>
-              <a:defRPr sz="3528">
+            <a:lvl7pPr marL="5400264" indent="0">
+              <a:buNone/>
+              <a:defRPr sz="3150">
                 <a:solidFill>
                   <a:schemeClr val="tx1">
                     <a:tint val="75000"/>
@@ -1313,9 +1313,9 @@
                 </a:solidFill>
               </a:defRPr>
             </a:lvl7pPr>
-            <a:lvl8pPr marL="7055922" indent="0">
-              <a:buNone/>
-              <a:defRPr sz="3528">
+            <a:lvl8pPr marL="6300307" indent="0">
+              <a:buNone/>
+              <a:defRPr sz="3150">
                 <a:solidFill>
                   <a:schemeClr val="tx1">
                     <a:tint val="75000"/>
@@ -1323,9 +1323,9 @@
                 </a:solidFill>
               </a:defRPr>
             </a:lvl8pPr>
-            <a:lvl9pPr marL="8063911" indent="0">
-              <a:buNone/>
-              <a:defRPr sz="3528">
+            <a:lvl9pPr marL="7200351" indent="0">
+              <a:buNone/>
+              <a:defRPr sz="3150">
                 <a:solidFill>
                   <a:schemeClr val="tx1">
                     <a:tint val="75000"/>
@@ -1411,7 +1411,7 @@
     </p:spTree>
     <p:extLst>
       <p:ext uri="{BB962C8B-B14F-4D97-AF65-F5344CB8AC3E}">
-        <p14:creationId xmlns:p14="http://schemas.microsoft.com/office/powerpoint/2010/main" val="115845577"/>
+        <p14:creationId xmlns:p14="http://schemas.microsoft.com/office/powerpoint/2010/main" val="1973572014"/>
       </p:ext>
     </p:extLst>
   </p:cSld>
@@ -1473,8 +1473,8 @@
         </p:nvSpPr>
         <p:spPr>
           <a:xfrm>
-            <a:off x="1385977" y="8050077"/>
-            <a:ext cx="8567857" cy="19187185"/>
+            <a:off x="1237545" y="6708326"/>
+            <a:ext cx="7650282" cy="15989153"/>
           </a:xfrm>
         </p:spPr>
         <p:txBody>
@@ -1530,8 +1530,8 @@
         </p:nvSpPr>
         <p:spPr>
           <a:xfrm>
-            <a:off x="10205829" y="8050077"/>
-            <a:ext cx="8567857" cy="19187185"/>
+            <a:off x="9112836" y="6708326"/>
+            <a:ext cx="7650282" cy="15989153"/>
           </a:xfrm>
         </p:spPr>
         <p:txBody>
@@ -1643,7 +1643,7 @@
     </p:spTree>
     <p:extLst>
       <p:ext uri="{BB962C8B-B14F-4D97-AF65-F5344CB8AC3E}">
-        <p14:creationId xmlns:p14="http://schemas.microsoft.com/office/powerpoint/2010/main" val="3151118236"/>
+        <p14:creationId xmlns:p14="http://schemas.microsoft.com/office/powerpoint/2010/main" val="1754486603"/>
       </p:ext>
     </p:extLst>
   </p:cSld>
@@ -1682,8 +1682,8 @@
         </p:nvSpPr>
         <p:spPr>
           <a:xfrm>
-            <a:off x="1388603" y="1610022"/>
-            <a:ext cx="17387709" cy="5845058"/>
+            <a:off x="1239890" y="1341671"/>
+            <a:ext cx="15525572" cy="4870830"/>
           </a:xfrm>
         </p:spPr>
         <p:txBody>
@@ -1710,8 +1710,8 @@
         </p:nvSpPr>
         <p:spPr>
           <a:xfrm>
-            <a:off x="1388605" y="7413073"/>
-            <a:ext cx="8528481" cy="3633032"/>
+            <a:off x="1239892" y="6177496"/>
+            <a:ext cx="7615123" cy="3027495"/>
           </a:xfrm>
         </p:spPr>
         <p:txBody>
@@ -1719,39 +1719,39 @@
           <a:lstStyle>
             <a:lvl1pPr marL="0" indent="0">
               <a:buNone/>
-              <a:defRPr sz="5291" b="1"/>
+              <a:defRPr sz="4725" b="1"/>
             </a:lvl1pPr>
-            <a:lvl2pPr marL="1007989" indent="0">
-              <a:buNone/>
-              <a:defRPr sz="4409" b="1"/>
+            <a:lvl2pPr marL="900044" indent="0">
+              <a:buNone/>
+              <a:defRPr sz="3937" b="1"/>
             </a:lvl2pPr>
-            <a:lvl3pPr marL="2015978" indent="0">
-              <a:buNone/>
-              <a:defRPr sz="3968" b="1"/>
+            <a:lvl3pPr marL="1800088" indent="0">
+              <a:buNone/>
+              <a:defRPr sz="3543" b="1"/>
             </a:lvl3pPr>
-            <a:lvl4pPr marL="3023967" indent="0">
-              <a:buNone/>
-              <a:defRPr sz="3528" b="1"/>
+            <a:lvl4pPr marL="2700132" indent="0">
+              <a:buNone/>
+              <a:defRPr sz="3150" b="1"/>
             </a:lvl4pPr>
-            <a:lvl5pPr marL="4031955" indent="0">
-              <a:buNone/>
-              <a:defRPr sz="3528" b="1"/>
+            <a:lvl5pPr marL="3600176" indent="0">
+              <a:buNone/>
+              <a:defRPr sz="3150" b="1"/>
             </a:lvl5pPr>
-            <a:lvl6pPr marL="5039944" indent="0">
-              <a:buNone/>
-              <a:defRPr sz="3528" b="1"/>
+            <a:lvl6pPr marL="4500220" indent="0">
+              <a:buNone/>
+              <a:defRPr sz="3150" b="1"/>
             </a:lvl6pPr>
-            <a:lvl7pPr marL="6047933" indent="0">
-              <a:buNone/>
-              <a:defRPr sz="3528" b="1"/>
+            <a:lvl7pPr marL="5400264" indent="0">
+              <a:buNone/>
+              <a:defRPr sz="3150" b="1"/>
             </a:lvl7pPr>
-            <a:lvl8pPr marL="7055922" indent="0">
-              <a:buNone/>
-              <a:defRPr sz="3528" b="1"/>
+            <a:lvl8pPr marL="6300307" indent="0">
+              <a:buNone/>
+              <a:defRPr sz="3150" b="1"/>
             </a:lvl8pPr>
-            <a:lvl9pPr marL="8063911" indent="0">
-              <a:buNone/>
-              <a:defRPr sz="3528" b="1"/>
+            <a:lvl9pPr marL="7200351" indent="0">
+              <a:buNone/>
+              <a:defRPr sz="3150" b="1"/>
             </a:lvl9pPr>
           </a:lstStyle>
           <a:p>
@@ -1775,8 +1775,8 @@
         </p:nvSpPr>
         <p:spPr>
           <a:xfrm>
-            <a:off x="1388605" y="11046105"/>
-            <a:ext cx="8528481" cy="16247157"/>
+            <a:off x="1239892" y="9204991"/>
+            <a:ext cx="7615123" cy="13539155"/>
           </a:xfrm>
         </p:spPr>
         <p:txBody>
@@ -1832,8 +1832,8 @@
         </p:nvSpPr>
         <p:spPr>
           <a:xfrm>
-            <a:off x="10205830" y="7413073"/>
-            <a:ext cx="8570483" cy="3633032"/>
+            <a:off x="9112837" y="6177496"/>
+            <a:ext cx="7652626" cy="3027495"/>
           </a:xfrm>
         </p:spPr>
         <p:txBody>
@@ -1841,39 +1841,39 @@
           <a:lstStyle>
             <a:lvl1pPr marL="0" indent="0">
               <a:buNone/>
-              <a:defRPr sz="5291" b="1"/>
+              <a:defRPr sz="4725" b="1"/>
             </a:lvl1pPr>
-            <a:lvl2pPr marL="1007989" indent="0">
-              <a:buNone/>
-              <a:defRPr sz="4409" b="1"/>
+            <a:lvl2pPr marL="900044" indent="0">
+              <a:buNone/>
+              <a:defRPr sz="3937" b="1"/>
             </a:lvl2pPr>
-            <a:lvl3pPr marL="2015978" indent="0">
-              <a:buNone/>
-              <a:defRPr sz="3968" b="1"/>
+            <a:lvl3pPr marL="1800088" indent="0">
+              <a:buNone/>
+              <a:defRPr sz="3543" b="1"/>
             </a:lvl3pPr>
-            <a:lvl4pPr marL="3023967" indent="0">
-              <a:buNone/>
-              <a:defRPr sz="3528" b="1"/>
+            <a:lvl4pPr marL="2700132" indent="0">
+              <a:buNone/>
+              <a:defRPr sz="3150" b="1"/>
             </a:lvl4pPr>
-            <a:lvl5pPr marL="4031955" indent="0">
-              <a:buNone/>
-              <a:defRPr sz="3528" b="1"/>
+            <a:lvl5pPr marL="3600176" indent="0">
+              <a:buNone/>
+              <a:defRPr sz="3150" b="1"/>
             </a:lvl5pPr>
-            <a:lvl6pPr marL="5039944" indent="0">
-              <a:buNone/>
-              <a:defRPr sz="3528" b="1"/>
+            <a:lvl6pPr marL="4500220" indent="0">
+              <a:buNone/>
+              <a:defRPr sz="3150" b="1"/>
             </a:lvl6pPr>
-            <a:lvl7pPr marL="6047933" indent="0">
-              <a:buNone/>
-              <a:defRPr sz="3528" b="1"/>
+            <a:lvl7pPr marL="5400264" indent="0">
+              <a:buNone/>
+              <a:defRPr sz="3150" b="1"/>
             </a:lvl7pPr>
-            <a:lvl8pPr marL="7055922" indent="0">
-              <a:buNone/>
-              <a:defRPr sz="3528" b="1"/>
+            <a:lvl8pPr marL="6300307" indent="0">
+              <a:buNone/>
+              <a:defRPr sz="3150" b="1"/>
             </a:lvl8pPr>
-            <a:lvl9pPr marL="8063911" indent="0">
-              <a:buNone/>
-              <a:defRPr sz="3528" b="1"/>
+            <a:lvl9pPr marL="7200351" indent="0">
+              <a:buNone/>
+              <a:defRPr sz="3150" b="1"/>
             </a:lvl9pPr>
           </a:lstStyle>
           <a:p>
@@ -1897,8 +1897,8 @@
         </p:nvSpPr>
         <p:spPr>
           <a:xfrm>
-            <a:off x="10205830" y="11046105"/>
-            <a:ext cx="8570483" cy="16247157"/>
+            <a:off x="9112837" y="9204991"/>
+            <a:ext cx="7652626" cy="13539155"/>
           </a:xfrm>
         </p:spPr>
         <p:txBody>
@@ -2010,7 +2010,7 @@
     </p:spTree>
     <p:extLst>
       <p:ext uri="{BB962C8B-B14F-4D97-AF65-F5344CB8AC3E}">
-        <p14:creationId xmlns:p14="http://schemas.microsoft.com/office/powerpoint/2010/main" val="100230551"/>
+        <p14:creationId xmlns:p14="http://schemas.microsoft.com/office/powerpoint/2010/main" val="2987388473"/>
       </p:ext>
     </p:extLst>
   </p:cSld>
@@ -2128,7 +2128,7 @@
     </p:spTree>
     <p:extLst>
       <p:ext uri="{BB962C8B-B14F-4D97-AF65-F5344CB8AC3E}">
-        <p14:creationId xmlns:p14="http://schemas.microsoft.com/office/powerpoint/2010/main" val="577241492"/>
+        <p14:creationId xmlns:p14="http://schemas.microsoft.com/office/powerpoint/2010/main" val="2203901686"/>
       </p:ext>
     </p:extLst>
   </p:cSld>
@@ -2223,7 +2223,7 @@
     </p:spTree>
     <p:extLst>
       <p:ext uri="{BB962C8B-B14F-4D97-AF65-F5344CB8AC3E}">
-        <p14:creationId xmlns:p14="http://schemas.microsoft.com/office/powerpoint/2010/main" val="834217948"/>
+        <p14:creationId xmlns:p14="http://schemas.microsoft.com/office/powerpoint/2010/main" val="2158538868"/>
       </p:ext>
     </p:extLst>
   </p:cSld>
@@ -2262,15 +2262,15 @@
         </p:nvSpPr>
         <p:spPr>
           <a:xfrm>
-            <a:off x="1388603" y="2016019"/>
-            <a:ext cx="6502016" cy="7056067"/>
+            <a:off x="1239890" y="1679998"/>
+            <a:ext cx="5805682" cy="5879994"/>
           </a:xfrm>
         </p:spPr>
         <p:txBody>
           <a:bodyPr anchor="b"/>
           <a:lstStyle>
             <a:lvl1pPr>
-              <a:defRPr sz="7055"/>
+              <a:defRPr sz="6300"/>
             </a:lvl1pPr>
           </a:lstStyle>
           <a:p>
@@ -2294,39 +2294,39 @@
         </p:nvSpPr>
         <p:spPr>
           <a:xfrm>
-            <a:off x="8570483" y="4354048"/>
-            <a:ext cx="10205829" cy="21490205"/>
+            <a:off x="7652626" y="3628335"/>
+            <a:ext cx="9112836" cy="17908316"/>
           </a:xfrm>
         </p:spPr>
         <p:txBody>
           <a:bodyPr/>
           <a:lstStyle>
             <a:lvl1pPr>
-              <a:defRPr sz="7055"/>
+              <a:defRPr sz="6300"/>
             </a:lvl1pPr>
             <a:lvl2pPr>
-              <a:defRPr sz="6173"/>
+              <a:defRPr sz="5512"/>
             </a:lvl2pPr>
             <a:lvl3pPr>
-              <a:defRPr sz="5291"/>
+              <a:defRPr sz="4725"/>
             </a:lvl3pPr>
             <a:lvl4pPr>
-              <a:defRPr sz="4409"/>
+              <a:defRPr sz="3937"/>
             </a:lvl4pPr>
             <a:lvl5pPr>
-              <a:defRPr sz="4409"/>
+              <a:defRPr sz="3937"/>
             </a:lvl5pPr>
             <a:lvl6pPr>
-              <a:defRPr sz="4409"/>
+              <a:defRPr sz="3937"/>
             </a:lvl6pPr>
             <a:lvl7pPr>
-              <a:defRPr sz="4409"/>
+              <a:defRPr sz="3937"/>
             </a:lvl7pPr>
             <a:lvl8pPr>
-              <a:defRPr sz="4409"/>
+              <a:defRPr sz="3937"/>
             </a:lvl8pPr>
             <a:lvl9pPr>
-              <a:defRPr sz="4409"/>
+              <a:defRPr sz="3937"/>
             </a:lvl9pPr>
           </a:lstStyle>
           <a:p>
@@ -2379,8 +2379,8 @@
         </p:nvSpPr>
         <p:spPr>
           <a:xfrm>
-            <a:off x="1388603" y="9072087"/>
-            <a:ext cx="6502016" cy="16807162"/>
+            <a:off x="1239890" y="7559993"/>
+            <a:ext cx="5805682" cy="14005821"/>
           </a:xfrm>
         </p:spPr>
         <p:txBody>
@@ -2388,39 +2388,39 @@
           <a:lstStyle>
             <a:lvl1pPr marL="0" indent="0">
               <a:buNone/>
-              <a:defRPr sz="3528"/>
+              <a:defRPr sz="3150"/>
             </a:lvl1pPr>
-            <a:lvl2pPr marL="1007989" indent="0">
-              <a:buNone/>
-              <a:defRPr sz="3087"/>
+            <a:lvl2pPr marL="900044" indent="0">
+              <a:buNone/>
+              <a:defRPr sz="2756"/>
             </a:lvl2pPr>
-            <a:lvl3pPr marL="2015978" indent="0">
-              <a:buNone/>
-              <a:defRPr sz="2646"/>
+            <a:lvl3pPr marL="1800088" indent="0">
+              <a:buNone/>
+              <a:defRPr sz="2362"/>
             </a:lvl3pPr>
-            <a:lvl4pPr marL="3023967" indent="0">
-              <a:buNone/>
-              <a:defRPr sz="2205"/>
+            <a:lvl4pPr marL="2700132" indent="0">
+              <a:buNone/>
+              <a:defRPr sz="1969"/>
             </a:lvl4pPr>
-            <a:lvl5pPr marL="4031955" indent="0">
-              <a:buNone/>
-              <a:defRPr sz="2205"/>
+            <a:lvl5pPr marL="3600176" indent="0">
+              <a:buNone/>
+              <a:defRPr sz="1969"/>
             </a:lvl5pPr>
-            <a:lvl6pPr marL="5039944" indent="0">
-              <a:buNone/>
-              <a:defRPr sz="2205"/>
+            <a:lvl6pPr marL="4500220" indent="0">
+              <a:buNone/>
+              <a:defRPr sz="1969"/>
             </a:lvl6pPr>
-            <a:lvl7pPr marL="6047933" indent="0">
-              <a:buNone/>
-              <a:defRPr sz="2205"/>
+            <a:lvl7pPr marL="5400264" indent="0">
+              <a:buNone/>
+              <a:defRPr sz="1969"/>
             </a:lvl7pPr>
-            <a:lvl8pPr marL="7055922" indent="0">
-              <a:buNone/>
-              <a:defRPr sz="2205"/>
+            <a:lvl8pPr marL="6300307" indent="0">
+              <a:buNone/>
+              <a:defRPr sz="1969"/>
             </a:lvl8pPr>
-            <a:lvl9pPr marL="8063911" indent="0">
-              <a:buNone/>
-              <a:defRPr sz="2205"/>
+            <a:lvl9pPr marL="7200351" indent="0">
+              <a:buNone/>
+              <a:defRPr sz="1969"/>
             </a:lvl9pPr>
           </a:lstStyle>
           <a:p>
@@ -2500,7 +2500,7 @@
     </p:spTree>
     <p:extLst>
       <p:ext uri="{BB962C8B-B14F-4D97-AF65-F5344CB8AC3E}">
-        <p14:creationId xmlns:p14="http://schemas.microsoft.com/office/powerpoint/2010/main" val="1670007961"/>
+        <p14:creationId xmlns:p14="http://schemas.microsoft.com/office/powerpoint/2010/main" val="1646004565"/>
       </p:ext>
     </p:extLst>
   </p:cSld>
@@ -2539,15 +2539,15 @@
         </p:nvSpPr>
         <p:spPr>
           <a:xfrm>
-            <a:off x="1388603" y="2016019"/>
-            <a:ext cx="6502016" cy="7056067"/>
+            <a:off x="1239890" y="1679998"/>
+            <a:ext cx="5805682" cy="5879994"/>
           </a:xfrm>
         </p:spPr>
         <p:txBody>
           <a:bodyPr anchor="b"/>
           <a:lstStyle>
             <a:lvl1pPr>
-              <a:defRPr sz="7055"/>
+              <a:defRPr sz="6300"/>
             </a:lvl1pPr>
           </a:lstStyle>
           <a:p>
@@ -2571,8 +2571,8 @@
         </p:nvSpPr>
         <p:spPr>
           <a:xfrm>
-            <a:off x="8570483" y="4354048"/>
-            <a:ext cx="10205829" cy="21490205"/>
+            <a:off x="7652626" y="3628335"/>
+            <a:ext cx="9112836" cy="17908316"/>
           </a:xfrm>
         </p:spPr>
         <p:txBody>
@@ -2580,39 +2580,39 @@
           <a:lstStyle>
             <a:lvl1pPr marL="0" indent="0">
               <a:buNone/>
-              <a:defRPr sz="7055"/>
+              <a:defRPr sz="6300"/>
             </a:lvl1pPr>
-            <a:lvl2pPr marL="1007989" indent="0">
-              <a:buNone/>
-              <a:defRPr sz="6173"/>
+            <a:lvl2pPr marL="900044" indent="0">
+              <a:buNone/>
+              <a:defRPr sz="5512"/>
             </a:lvl2pPr>
-            <a:lvl3pPr marL="2015978" indent="0">
-              <a:buNone/>
-              <a:defRPr sz="5291"/>
+            <a:lvl3pPr marL="1800088" indent="0">
+              <a:buNone/>
+              <a:defRPr sz="4725"/>
             </a:lvl3pPr>
-            <a:lvl4pPr marL="3023967" indent="0">
-              <a:buNone/>
-              <a:defRPr sz="4409"/>
+            <a:lvl4pPr marL="2700132" indent="0">
+              <a:buNone/>
+              <a:defRPr sz="3937"/>
             </a:lvl4pPr>
-            <a:lvl5pPr marL="4031955" indent="0">
-              <a:buNone/>
-              <a:defRPr sz="4409"/>
+            <a:lvl5pPr marL="3600176" indent="0">
+              <a:buNone/>
+              <a:defRPr sz="3937"/>
             </a:lvl5pPr>
-            <a:lvl6pPr marL="5039944" indent="0">
-              <a:buNone/>
-              <a:defRPr sz="4409"/>
+            <a:lvl6pPr marL="4500220" indent="0">
+              <a:buNone/>
+              <a:defRPr sz="3937"/>
             </a:lvl6pPr>
-            <a:lvl7pPr marL="6047933" indent="0">
-              <a:buNone/>
-              <a:defRPr sz="4409"/>
+            <a:lvl7pPr marL="5400264" indent="0">
+              <a:buNone/>
+              <a:defRPr sz="3937"/>
             </a:lvl7pPr>
-            <a:lvl8pPr marL="7055922" indent="0">
-              <a:buNone/>
-              <a:defRPr sz="4409"/>
+            <a:lvl8pPr marL="6300307" indent="0">
+              <a:buNone/>
+              <a:defRPr sz="3937"/>
             </a:lvl8pPr>
-            <a:lvl9pPr marL="8063911" indent="0">
-              <a:buNone/>
-              <a:defRPr sz="4409"/>
+            <a:lvl9pPr marL="7200351" indent="0">
+              <a:buNone/>
+              <a:defRPr sz="3937"/>
             </a:lvl9pPr>
           </a:lstStyle>
           <a:p>
@@ -2636,8 +2636,8 @@
         </p:nvSpPr>
         <p:spPr>
           <a:xfrm>
-            <a:off x="1388603" y="9072087"/>
-            <a:ext cx="6502016" cy="16807162"/>
+            <a:off x="1239890" y="7559993"/>
+            <a:ext cx="5805682" cy="14005821"/>
           </a:xfrm>
         </p:spPr>
         <p:txBody>
@@ -2645,39 +2645,39 @@
           <a:lstStyle>
             <a:lvl1pPr marL="0" indent="0">
               <a:buNone/>
-              <a:defRPr sz="3528"/>
+              <a:defRPr sz="3150"/>
             </a:lvl1pPr>
-            <a:lvl2pPr marL="1007989" indent="0">
-              <a:buNone/>
-              <a:defRPr sz="3087"/>
+            <a:lvl2pPr marL="900044" indent="0">
+              <a:buNone/>
+              <a:defRPr sz="2756"/>
             </a:lvl2pPr>
-            <a:lvl3pPr marL="2015978" indent="0">
-              <a:buNone/>
-              <a:defRPr sz="2646"/>
+            <a:lvl3pPr marL="1800088" indent="0">
+              <a:buNone/>
+              <a:defRPr sz="2362"/>
             </a:lvl3pPr>
-            <a:lvl4pPr marL="3023967" indent="0">
-              <a:buNone/>
-              <a:defRPr sz="2205"/>
+            <a:lvl4pPr marL="2700132" indent="0">
+              <a:buNone/>
+              <a:defRPr sz="1969"/>
             </a:lvl4pPr>
-            <a:lvl5pPr marL="4031955" indent="0">
-              <a:buNone/>
-              <a:defRPr sz="2205"/>
+            <a:lvl5pPr marL="3600176" indent="0">
+              <a:buNone/>
+              <a:defRPr sz="1969"/>
             </a:lvl5pPr>
-            <a:lvl6pPr marL="5039944" indent="0">
-              <a:buNone/>
-              <a:defRPr sz="2205"/>
+            <a:lvl6pPr marL="4500220" indent="0">
+              <a:buNone/>
+              <a:defRPr sz="1969"/>
             </a:lvl6pPr>
-            <a:lvl7pPr marL="6047933" indent="0">
-              <a:buNone/>
-              <a:defRPr sz="2205"/>
+            <a:lvl7pPr marL="5400264" indent="0">
+              <a:buNone/>
+              <a:defRPr sz="1969"/>
             </a:lvl7pPr>
-            <a:lvl8pPr marL="7055922" indent="0">
-              <a:buNone/>
-              <a:defRPr sz="2205"/>
+            <a:lvl8pPr marL="6300307" indent="0">
+              <a:buNone/>
+              <a:defRPr sz="1969"/>
             </a:lvl8pPr>
-            <a:lvl9pPr marL="8063911" indent="0">
-              <a:buNone/>
-              <a:defRPr sz="2205"/>
+            <a:lvl9pPr marL="7200351" indent="0">
+              <a:buNone/>
+              <a:defRPr sz="1969"/>
             </a:lvl9pPr>
           </a:lstStyle>
           <a:p>
@@ -2757,7 +2757,7 @@
     </p:spTree>
     <p:extLst>
       <p:ext uri="{BB962C8B-B14F-4D97-AF65-F5344CB8AC3E}">
-        <p14:creationId xmlns:p14="http://schemas.microsoft.com/office/powerpoint/2010/main" val="1823388078"/>
+        <p14:creationId xmlns:p14="http://schemas.microsoft.com/office/powerpoint/2010/main" val="1840531288"/>
       </p:ext>
     </p:extLst>
   </p:cSld>
@@ -2801,8 +2801,8 @@
         </p:nvSpPr>
         <p:spPr>
           <a:xfrm>
-            <a:off x="1385977" y="1610022"/>
-            <a:ext cx="17387709" cy="5845058"/>
+            <a:off x="1237546" y="1341671"/>
+            <a:ext cx="15525572" cy="4870830"/>
           </a:xfrm>
           <a:prstGeom prst="rect">
             <a:avLst/>
@@ -2834,8 +2834,8 @@
         </p:nvSpPr>
         <p:spPr>
           <a:xfrm>
-            <a:off x="1385977" y="8050077"/>
-            <a:ext cx="17387709" cy="19187185"/>
+            <a:off x="1237546" y="6708326"/>
+            <a:ext cx="15525572" cy="15989153"/>
           </a:xfrm>
           <a:prstGeom prst="rect">
             <a:avLst/>
@@ -2896,8 +2896,8 @@
         </p:nvSpPr>
         <p:spPr>
           <a:xfrm>
-            <a:off x="1385977" y="28028274"/>
-            <a:ext cx="4535924" cy="1610015"/>
+            <a:off x="1237546" y="23356649"/>
+            <a:ext cx="4050149" cy="1341665"/>
           </a:xfrm>
           <a:prstGeom prst="rect">
             <a:avLst/>
@@ -2907,7 +2907,7 @@
           <a:bodyPr vert="horz" lIns="91440" tIns="45720" rIns="91440" bIns="45720" rtlCol="0" anchor="ctr"/>
           <a:lstStyle>
             <a:lvl1pPr algn="l">
-              <a:defRPr sz="2646">
+              <a:defRPr sz="2362">
                 <a:solidFill>
                   <a:schemeClr val="tx1">
                     <a:tint val="75000"/>
@@ -2937,8 +2937,8 @@
         </p:nvSpPr>
         <p:spPr>
           <a:xfrm>
-            <a:off x="6677889" y="28028274"/>
-            <a:ext cx="6803886" cy="1610015"/>
+            <a:off x="5962720" y="23356649"/>
+            <a:ext cx="6075224" cy="1341665"/>
           </a:xfrm>
           <a:prstGeom prst="rect">
             <a:avLst/>
@@ -2948,7 +2948,7 @@
           <a:bodyPr vert="horz" lIns="91440" tIns="45720" rIns="91440" bIns="45720" rtlCol="0" anchor="ctr"/>
           <a:lstStyle>
             <a:lvl1pPr algn="ctr">
-              <a:defRPr sz="2646">
+              <a:defRPr sz="2362">
                 <a:solidFill>
                   <a:schemeClr val="tx1">
                     <a:tint val="75000"/>
@@ -2974,8 +2974,8 @@
         </p:nvSpPr>
         <p:spPr>
           <a:xfrm>
-            <a:off x="14237762" y="28028274"/>
-            <a:ext cx="4535924" cy="1610015"/>
+            <a:off x="12712968" y="23356649"/>
+            <a:ext cx="4050149" cy="1341665"/>
           </a:xfrm>
           <a:prstGeom prst="rect">
             <a:avLst/>
@@ -2985,7 +2985,7 @@
           <a:bodyPr vert="horz" lIns="91440" tIns="45720" rIns="91440" bIns="45720" rtlCol="0" anchor="ctr"/>
           <a:lstStyle>
             <a:lvl1pPr algn="r">
-              <a:defRPr sz="2646">
+              <a:defRPr sz="2362">
                 <a:solidFill>
                   <a:schemeClr val="tx1">
                     <a:tint val="75000"/>
@@ -3006,28 +3006,28 @@
     </p:spTree>
     <p:extLst>
       <p:ext uri="{BB962C8B-B14F-4D97-AF65-F5344CB8AC3E}">
-        <p14:creationId xmlns:p14="http://schemas.microsoft.com/office/powerpoint/2010/main" val="3762945756"/>
+        <p14:creationId xmlns:p14="http://schemas.microsoft.com/office/powerpoint/2010/main" val="2585158252"/>
       </p:ext>
     </p:extLst>
   </p:cSld>
   <p:clrMap bg1="lt1" tx1="dk1" bg2="lt2" tx2="dk2" accent1="accent1" accent2="accent2" accent3="accent3" accent4="accent4" accent5="accent5" accent6="accent6" hlink="hlink" folHlink="folHlink"/>
   <p:sldLayoutIdLst>
-    <p:sldLayoutId id="2147483685" r:id="rId1"/>
-    <p:sldLayoutId id="2147483686" r:id="rId2"/>
-    <p:sldLayoutId id="2147483687" r:id="rId3"/>
-    <p:sldLayoutId id="2147483688" r:id="rId4"/>
-    <p:sldLayoutId id="2147483689" r:id="rId5"/>
-    <p:sldLayoutId id="2147483690" r:id="rId6"/>
-    <p:sldLayoutId id="2147483691" r:id="rId7"/>
-    <p:sldLayoutId id="2147483692" r:id="rId8"/>
-    <p:sldLayoutId id="2147483693" r:id="rId9"/>
-    <p:sldLayoutId id="2147483694" r:id="rId10"/>
-    <p:sldLayoutId id="2147483695" r:id="rId11"/>
+    <p:sldLayoutId id="2147483697" r:id="rId1"/>
+    <p:sldLayoutId id="2147483698" r:id="rId2"/>
+    <p:sldLayoutId id="2147483699" r:id="rId3"/>
+    <p:sldLayoutId id="2147483700" r:id="rId4"/>
+    <p:sldLayoutId id="2147483701" r:id="rId5"/>
+    <p:sldLayoutId id="2147483702" r:id="rId6"/>
+    <p:sldLayoutId id="2147483703" r:id="rId7"/>
+    <p:sldLayoutId id="2147483704" r:id="rId8"/>
+    <p:sldLayoutId id="2147483705" r:id="rId9"/>
+    <p:sldLayoutId id="2147483706" r:id="rId10"/>
+    <p:sldLayoutId id="2147483707" r:id="rId11"/>
   </p:sldLayoutIdLst>
   <p:hf sldNum="0" hdr="0" ftr="0"/>
   <p:txStyles>
     <p:titleStyle>
-      <a:lvl1pPr algn="l" defTabSz="2015978" rtl="1" eaLnBrk="1" latinLnBrk="0" hangingPunct="1">
+      <a:lvl1pPr algn="l" defTabSz="1800088" rtl="1" eaLnBrk="1" latinLnBrk="0" hangingPunct="1">
         <a:lnSpc>
           <a:spcPct val="90000"/>
         </a:lnSpc>
@@ -3035,7 +3035,7 @@
           <a:spcPct val="0"/>
         </a:spcBef>
         <a:buNone/>
-        <a:defRPr sz="9701" kern="1200">
+        <a:defRPr sz="8662" kern="1200">
           <a:solidFill>
             <a:schemeClr val="tx1"/>
           </a:solidFill>
@@ -3046,16 +3046,16 @@
       </a:lvl1pPr>
     </p:titleStyle>
     <p:bodyStyle>
-      <a:lvl1pPr marL="503994" indent="-503994" algn="r" defTabSz="2015978" rtl="1" eaLnBrk="1" latinLnBrk="0" hangingPunct="1">
+      <a:lvl1pPr marL="450022" indent="-450022" algn="r" defTabSz="1800088" rtl="1" eaLnBrk="1" latinLnBrk="0" hangingPunct="1">
         <a:lnSpc>
           <a:spcPct val="90000"/>
         </a:lnSpc>
         <a:spcBef>
-          <a:spcPts val="2205"/>
+          <a:spcPts val="1969"/>
         </a:spcBef>
         <a:buFont typeface="Arial" panose="020B0604020202020204" pitchFamily="34" charset="0"/>
         <a:buChar char="•"/>
-        <a:defRPr sz="6173" kern="1200">
+        <a:defRPr sz="5512" kern="1200">
           <a:solidFill>
             <a:schemeClr val="tx1"/>
           </a:solidFill>
@@ -3064,16 +3064,16 @@
           <a:cs typeface="+mn-cs"/>
         </a:defRPr>
       </a:lvl1pPr>
-      <a:lvl2pPr marL="1511983" indent="-503994" algn="r" defTabSz="2015978" rtl="1" eaLnBrk="1" latinLnBrk="0" hangingPunct="1">
+      <a:lvl2pPr marL="1350066" indent="-450022" algn="r" defTabSz="1800088" rtl="1" eaLnBrk="1" latinLnBrk="0" hangingPunct="1">
         <a:lnSpc>
           <a:spcPct val="90000"/>
         </a:lnSpc>
         <a:spcBef>
-          <a:spcPts val="1102"/>
+          <a:spcPts val="984"/>
         </a:spcBef>
         <a:buFont typeface="Arial" panose="020B0604020202020204" pitchFamily="34" charset="0"/>
         <a:buChar char="•"/>
-        <a:defRPr sz="5291" kern="1200">
+        <a:defRPr sz="4725" kern="1200">
           <a:solidFill>
             <a:schemeClr val="tx1"/>
           </a:solidFill>
@@ -3082,16 +3082,16 @@
           <a:cs typeface="+mn-cs"/>
         </a:defRPr>
       </a:lvl2pPr>
-      <a:lvl3pPr marL="2519972" indent="-503994" algn="r" defTabSz="2015978" rtl="1" eaLnBrk="1" latinLnBrk="0" hangingPunct="1">
+      <a:lvl3pPr marL="2250110" indent="-450022" algn="r" defTabSz="1800088" rtl="1" eaLnBrk="1" latinLnBrk="0" hangingPunct="1">
         <a:lnSpc>
           <a:spcPct val="90000"/>
         </a:lnSpc>
         <a:spcBef>
-          <a:spcPts val="1102"/>
+          <a:spcPts val="984"/>
         </a:spcBef>
         <a:buFont typeface="Arial" panose="020B0604020202020204" pitchFamily="34" charset="0"/>
         <a:buChar char="•"/>
-        <a:defRPr sz="4409" kern="1200">
+        <a:defRPr sz="3937" kern="1200">
           <a:solidFill>
             <a:schemeClr val="tx1"/>
           </a:solidFill>
@@ -3100,16 +3100,16 @@
           <a:cs typeface="+mn-cs"/>
         </a:defRPr>
       </a:lvl3pPr>
-      <a:lvl4pPr marL="3527961" indent="-503994" algn="r" defTabSz="2015978" rtl="1" eaLnBrk="1" latinLnBrk="0" hangingPunct="1">
+      <a:lvl4pPr marL="3150154" indent="-450022" algn="r" defTabSz="1800088" rtl="1" eaLnBrk="1" latinLnBrk="0" hangingPunct="1">
         <a:lnSpc>
           <a:spcPct val="90000"/>
         </a:lnSpc>
         <a:spcBef>
-          <a:spcPts val="1102"/>
+          <a:spcPts val="984"/>
         </a:spcBef>
         <a:buFont typeface="Arial" panose="020B0604020202020204" pitchFamily="34" charset="0"/>
         <a:buChar char="•"/>
-        <a:defRPr sz="3968" kern="1200">
+        <a:defRPr sz="3543" kern="1200">
           <a:solidFill>
             <a:schemeClr val="tx1"/>
           </a:solidFill>
@@ -3118,16 +3118,16 @@
           <a:cs typeface="+mn-cs"/>
         </a:defRPr>
       </a:lvl4pPr>
-      <a:lvl5pPr marL="4535950" indent="-503994" algn="r" defTabSz="2015978" rtl="1" eaLnBrk="1" latinLnBrk="0" hangingPunct="1">
+      <a:lvl5pPr marL="4050198" indent="-450022" algn="r" defTabSz="1800088" rtl="1" eaLnBrk="1" latinLnBrk="0" hangingPunct="1">
         <a:lnSpc>
           <a:spcPct val="90000"/>
         </a:lnSpc>
         <a:spcBef>
-          <a:spcPts val="1102"/>
+          <a:spcPts val="984"/>
         </a:spcBef>
         <a:buFont typeface="Arial" panose="020B0604020202020204" pitchFamily="34" charset="0"/>
         <a:buChar char="•"/>
-        <a:defRPr sz="3968" kern="1200">
+        <a:defRPr sz="3543" kern="1200">
           <a:solidFill>
             <a:schemeClr val="tx1"/>
           </a:solidFill>
@@ -3136,16 +3136,16 @@
           <a:cs typeface="+mn-cs"/>
         </a:defRPr>
       </a:lvl5pPr>
-      <a:lvl6pPr marL="5543939" indent="-503994" algn="r" defTabSz="2015978" rtl="1" eaLnBrk="1" latinLnBrk="0" hangingPunct="1">
+      <a:lvl6pPr marL="4950242" indent="-450022" algn="r" defTabSz="1800088" rtl="1" eaLnBrk="1" latinLnBrk="0" hangingPunct="1">
         <a:lnSpc>
           <a:spcPct val="90000"/>
         </a:lnSpc>
         <a:spcBef>
-          <a:spcPts val="1102"/>
+          <a:spcPts val="984"/>
         </a:spcBef>
         <a:buFont typeface="Arial" panose="020B0604020202020204" pitchFamily="34" charset="0"/>
         <a:buChar char="•"/>
-        <a:defRPr sz="3968" kern="1200">
+        <a:defRPr sz="3543" kern="1200">
           <a:solidFill>
             <a:schemeClr val="tx1"/>
           </a:solidFill>
@@ -3154,16 +3154,16 @@
           <a:cs typeface="+mn-cs"/>
         </a:defRPr>
       </a:lvl6pPr>
-      <a:lvl7pPr marL="6551927" indent="-503994" algn="r" defTabSz="2015978" rtl="1" eaLnBrk="1" latinLnBrk="0" hangingPunct="1">
+      <a:lvl7pPr marL="5850285" indent="-450022" algn="r" defTabSz="1800088" rtl="1" eaLnBrk="1" latinLnBrk="0" hangingPunct="1">
         <a:lnSpc>
           <a:spcPct val="90000"/>
         </a:lnSpc>
         <a:spcBef>
-          <a:spcPts val="1102"/>
+          <a:spcPts val="984"/>
         </a:spcBef>
         <a:buFont typeface="Arial" panose="020B0604020202020204" pitchFamily="34" charset="0"/>
         <a:buChar char="•"/>
-        <a:defRPr sz="3968" kern="1200">
+        <a:defRPr sz="3543" kern="1200">
           <a:solidFill>
             <a:schemeClr val="tx1"/>
           </a:solidFill>
@@ -3172,16 +3172,16 @@
           <a:cs typeface="+mn-cs"/>
         </a:defRPr>
       </a:lvl7pPr>
-      <a:lvl8pPr marL="7559916" indent="-503994" algn="r" defTabSz="2015978" rtl="1" eaLnBrk="1" latinLnBrk="0" hangingPunct="1">
+      <a:lvl8pPr marL="6750329" indent="-450022" algn="r" defTabSz="1800088" rtl="1" eaLnBrk="1" latinLnBrk="0" hangingPunct="1">
         <a:lnSpc>
           <a:spcPct val="90000"/>
         </a:lnSpc>
         <a:spcBef>
-          <a:spcPts val="1102"/>
+          <a:spcPts val="984"/>
         </a:spcBef>
         <a:buFont typeface="Arial" panose="020B0604020202020204" pitchFamily="34" charset="0"/>
         <a:buChar char="•"/>
-        <a:defRPr sz="3968" kern="1200">
+        <a:defRPr sz="3543" kern="1200">
           <a:solidFill>
             <a:schemeClr val="tx1"/>
           </a:solidFill>
@@ -3190,16 +3190,16 @@
           <a:cs typeface="+mn-cs"/>
         </a:defRPr>
       </a:lvl8pPr>
-      <a:lvl9pPr marL="8567905" indent="-503994" algn="r" defTabSz="2015978" rtl="1" eaLnBrk="1" latinLnBrk="0" hangingPunct="1">
+      <a:lvl9pPr marL="7650373" indent="-450022" algn="r" defTabSz="1800088" rtl="1" eaLnBrk="1" latinLnBrk="0" hangingPunct="1">
         <a:lnSpc>
           <a:spcPct val="90000"/>
         </a:lnSpc>
         <a:spcBef>
-          <a:spcPts val="1102"/>
+          <a:spcPts val="984"/>
         </a:spcBef>
         <a:buFont typeface="Arial" panose="020B0604020202020204" pitchFamily="34" charset="0"/>
         <a:buChar char="•"/>
-        <a:defRPr sz="3968" kern="1200">
+        <a:defRPr sz="3543" kern="1200">
           <a:solidFill>
             <a:schemeClr val="tx1"/>
           </a:solidFill>
@@ -3213,8 +3213,8 @@
       <a:defPPr>
         <a:defRPr lang="en-US"/>
       </a:defPPr>
-      <a:lvl1pPr marL="0" algn="r" defTabSz="2015978" rtl="1" eaLnBrk="1" latinLnBrk="0" hangingPunct="1">
-        <a:defRPr sz="3968" kern="1200">
+      <a:lvl1pPr marL="0" algn="r" defTabSz="1800088" rtl="1" eaLnBrk="1" latinLnBrk="0" hangingPunct="1">
+        <a:defRPr sz="3543" kern="1200">
           <a:solidFill>
             <a:schemeClr val="tx1"/>
           </a:solidFill>
@@ -3223,8 +3223,8 @@
           <a:cs typeface="+mn-cs"/>
         </a:defRPr>
       </a:lvl1pPr>
-      <a:lvl2pPr marL="1007989" algn="r" defTabSz="2015978" rtl="1" eaLnBrk="1" latinLnBrk="0" hangingPunct="1">
-        <a:defRPr sz="3968" kern="1200">
+      <a:lvl2pPr marL="900044" algn="r" defTabSz="1800088" rtl="1" eaLnBrk="1" latinLnBrk="0" hangingPunct="1">
+        <a:defRPr sz="3543" kern="1200">
           <a:solidFill>
             <a:schemeClr val="tx1"/>
           </a:solidFill>
@@ -3233,8 +3233,8 @@
           <a:cs typeface="+mn-cs"/>
         </a:defRPr>
       </a:lvl2pPr>
-      <a:lvl3pPr marL="2015978" algn="r" defTabSz="2015978" rtl="1" eaLnBrk="1" latinLnBrk="0" hangingPunct="1">
-        <a:defRPr sz="3968" kern="1200">
+      <a:lvl3pPr marL="1800088" algn="r" defTabSz="1800088" rtl="1" eaLnBrk="1" latinLnBrk="0" hangingPunct="1">
+        <a:defRPr sz="3543" kern="1200">
           <a:solidFill>
             <a:schemeClr val="tx1"/>
           </a:solidFill>
@@ -3243,8 +3243,8 @@
           <a:cs typeface="+mn-cs"/>
         </a:defRPr>
       </a:lvl3pPr>
-      <a:lvl4pPr marL="3023967" algn="r" defTabSz="2015978" rtl="1" eaLnBrk="1" latinLnBrk="0" hangingPunct="1">
-        <a:defRPr sz="3968" kern="1200">
+      <a:lvl4pPr marL="2700132" algn="r" defTabSz="1800088" rtl="1" eaLnBrk="1" latinLnBrk="0" hangingPunct="1">
+        <a:defRPr sz="3543" kern="1200">
           <a:solidFill>
             <a:schemeClr val="tx1"/>
           </a:solidFill>
@@ -3253,8 +3253,8 @@
           <a:cs typeface="+mn-cs"/>
         </a:defRPr>
       </a:lvl4pPr>
-      <a:lvl5pPr marL="4031955" algn="r" defTabSz="2015978" rtl="1" eaLnBrk="1" latinLnBrk="0" hangingPunct="1">
-        <a:defRPr sz="3968" kern="1200">
+      <a:lvl5pPr marL="3600176" algn="r" defTabSz="1800088" rtl="1" eaLnBrk="1" latinLnBrk="0" hangingPunct="1">
+        <a:defRPr sz="3543" kern="1200">
           <a:solidFill>
             <a:schemeClr val="tx1"/>
           </a:solidFill>
@@ -3263,8 +3263,8 @@
           <a:cs typeface="+mn-cs"/>
         </a:defRPr>
       </a:lvl5pPr>
-      <a:lvl6pPr marL="5039944" algn="r" defTabSz="2015978" rtl="1" eaLnBrk="1" latinLnBrk="0" hangingPunct="1">
-        <a:defRPr sz="3968" kern="1200">
+      <a:lvl6pPr marL="4500220" algn="r" defTabSz="1800088" rtl="1" eaLnBrk="1" latinLnBrk="0" hangingPunct="1">
+        <a:defRPr sz="3543" kern="1200">
           <a:solidFill>
             <a:schemeClr val="tx1"/>
           </a:solidFill>
@@ -3273,8 +3273,8 @@
           <a:cs typeface="+mn-cs"/>
         </a:defRPr>
       </a:lvl6pPr>
-      <a:lvl7pPr marL="6047933" algn="r" defTabSz="2015978" rtl="1" eaLnBrk="1" latinLnBrk="0" hangingPunct="1">
-        <a:defRPr sz="3968" kern="1200">
+      <a:lvl7pPr marL="5400264" algn="r" defTabSz="1800088" rtl="1" eaLnBrk="1" latinLnBrk="0" hangingPunct="1">
+        <a:defRPr sz="3543" kern="1200">
           <a:solidFill>
             <a:schemeClr val="tx1"/>
           </a:solidFill>
@@ -3283,8 +3283,8 @@
           <a:cs typeface="+mn-cs"/>
         </a:defRPr>
       </a:lvl7pPr>
-      <a:lvl8pPr marL="7055922" algn="r" defTabSz="2015978" rtl="1" eaLnBrk="1" latinLnBrk="0" hangingPunct="1">
-        <a:defRPr sz="3968" kern="1200">
+      <a:lvl8pPr marL="6300307" algn="r" defTabSz="1800088" rtl="1" eaLnBrk="1" latinLnBrk="0" hangingPunct="1">
+        <a:defRPr sz="3543" kern="1200">
           <a:solidFill>
             <a:schemeClr val="tx1"/>
           </a:solidFill>
@@ -3293,8 +3293,8 @@
           <a:cs typeface="+mn-cs"/>
         </a:defRPr>
       </a:lvl8pPr>
-      <a:lvl9pPr marL="8063911" algn="r" defTabSz="2015978" rtl="1" eaLnBrk="1" latinLnBrk="0" hangingPunct="1">
-        <a:defRPr sz="3968" kern="1200">
+      <a:lvl9pPr marL="7200351" algn="r" defTabSz="1800088" rtl="1" eaLnBrk="1" latinLnBrk="0" hangingPunct="1">
+        <a:defRPr sz="3543" kern="1200">
           <a:solidFill>
             <a:schemeClr val="tx1"/>
           </a:solidFill>
@@ -3347,8 +3347,8 @@
         </p:blipFill>
         <p:spPr>
           <a:xfrm>
-            <a:off x="11717804" y="0"/>
-            <a:ext cx="8441859" cy="1637972"/>
+            <a:off x="10965854" y="0"/>
+            <a:ext cx="7034809" cy="1364962"/>
           </a:xfrm>
           <a:prstGeom prst="rect">
             <a:avLst/>
@@ -3363,8 +3363,8 @@
         </p:nvSpPr>
         <p:spPr>
           <a:xfrm>
-            <a:off x="1156158" y="2466478"/>
-            <a:ext cx="17847347" cy="6678751"/>
+            <a:off x="1564015" y="2055376"/>
+            <a:ext cx="14872633" cy="5565691"/>
           </a:xfrm>
           <a:prstGeom prst="rect">
             <a:avLst/>
@@ -3389,14 +3389,14 @@
           </a:fontRef>
         </p:style>
         <p:txBody>
-          <a:bodyPr wrap="square" lIns="91440" tIns="45720" rIns="91440" bIns="45720">
+          <a:bodyPr wrap="square" lIns="76199" tIns="38100" rIns="76199" bIns="38100">
             <a:spAutoFit/>
           </a:bodyPr>
           <a:lstStyle/>
           <a:p>
             <a:pPr algn="ctr"/>
             <a:r>
-              <a:rPr lang="en-US" sz="7200" b="1" cap="none" spc="0" dirty="0" err="1">
+              <a:rPr lang="en-US" sz="6000" b="1" dirty="0" err="1">
                 <a:ln w="0"/>
                 <a:solidFill>
                   <a:schemeClr val="tx1"/>
@@ -3412,7 +3412,7 @@
               <a:t>BetweenUs</a:t>
             </a:r>
             <a:r>
-              <a:rPr lang="en-US" sz="7200" b="1" cap="none" spc="0" dirty="0">
+              <a:rPr lang="en-US" sz="6000" b="1" dirty="0">
                 <a:ln w="0"/>
                 <a:solidFill>
                   <a:schemeClr val="tx1"/>
@@ -3428,7 +3428,7 @@
               <a:t> – </a:t>
             </a:r>
             <a:r>
-              <a:rPr lang="he-IL" sz="7200" b="1" dirty="0">
+              <a:rPr lang="he-IL" sz="6000" b="1" dirty="0">
                 <a:ln w="0"/>
                 <a:solidFill>
                   <a:schemeClr val="tx1"/>
@@ -3443,7 +3443,7 @@
               </a:rPr>
               <a:t>בֵּינֵינוּ</a:t>
             </a:r>
-            <a:endParaRPr lang="en-US" sz="7200" b="1" dirty="0">
+            <a:endParaRPr lang="en-US" sz="6000" b="1" dirty="0">
               <a:ln w="0"/>
               <a:solidFill>
                 <a:schemeClr val="tx1"/>
@@ -3460,7 +3460,7 @@
           <a:p>
             <a:pPr algn="ctr"/>
             <a:r>
-              <a:rPr lang="en-US" sz="4400" i="1" dirty="0">
+              <a:rPr lang="en-US" sz="3667" i="1" dirty="0">
                 <a:ln w="0"/>
                 <a:effectLst>
                   <a:outerShdw blurRad="38100" dist="19050" dir="2700000" algn="tl" rotWithShape="0">
@@ -3475,7 +3475,7 @@
           </a:p>
           <a:p>
             <a:pPr algn="ctr" rtl="1"/>
-            <a:endParaRPr lang="he-IL" sz="3600" i="1" dirty="0">
+            <a:endParaRPr lang="he-IL" sz="3000" i="1" dirty="0">
               <a:ln w="0"/>
               <a:solidFill>
                 <a:schemeClr val="tx1"/>
@@ -3492,7 +3492,7 @@
           <a:p>
             <a:pPr algn="ctr" rtl="1"/>
             <a:r>
-              <a:rPr lang="he-IL" sz="3600" b="0" i="1" cap="none" spc="0" dirty="0">
+              <a:rPr lang="he-IL" sz="3000" i="1" dirty="0">
                 <a:ln w="0"/>
                 <a:solidFill>
                   <a:schemeClr val="tx1"/>
@@ -3511,7 +3511,7 @@
           <a:p>
             <a:pPr algn="ctr" rtl="1"/>
             <a:r>
-              <a:rPr lang="he-IL" sz="3600" i="1" dirty="0">
+              <a:rPr lang="he-IL" sz="3000" i="1" dirty="0">
                 <a:ln w="0"/>
                 <a:solidFill>
                   <a:schemeClr val="tx1"/>
@@ -3527,7 +3527,7 @@
               <a:t>לירן בן גידה </a:t>
             </a:r>
             <a:r>
-              <a:rPr lang="he-IL" sz="3200" i="1" dirty="0">
+              <a:rPr lang="he-IL" sz="2667" i="1" dirty="0">
                 <a:ln w="0"/>
                 <a:solidFill>
                   <a:schemeClr val="tx1"/>
@@ -3543,7 +3543,7 @@
               <a:t>–</a:t>
             </a:r>
             <a:r>
-              <a:rPr lang="he-IL" sz="3600" i="1" dirty="0">
+              <a:rPr lang="he-IL" sz="3000" i="1" dirty="0">
                 <a:ln w="0"/>
                 <a:solidFill>
                   <a:schemeClr val="tx1"/>
@@ -3559,7 +3559,7 @@
               <a:t> </a:t>
             </a:r>
             <a:r>
-              <a:rPr lang="en-US" sz="2800" i="1" dirty="0">
+              <a:rPr lang="en-US" sz="2333" i="1" dirty="0">
                 <a:ln w="0"/>
                 <a:solidFill>
                   <a:schemeClr val="tx1"/>
@@ -3574,7 +3574,7 @@
               </a:rPr>
               <a:t>LiranBG@gmail.com</a:t>
             </a:r>
-            <a:endParaRPr lang="he-IL" sz="2800" i="1" dirty="0">
+            <a:endParaRPr lang="he-IL" sz="2333" i="1" dirty="0">
               <a:ln w="0"/>
               <a:solidFill>
                 <a:schemeClr val="tx1"/>
@@ -3591,7 +3591,7 @@
           <a:p>
             <a:pPr algn="ctr" rtl="1"/>
             <a:r>
-              <a:rPr lang="he-IL" sz="3600" b="0" i="1" cap="none" spc="0" dirty="0">
+              <a:rPr lang="he-IL" sz="3000" i="1" dirty="0">
                 <a:ln w="0"/>
                 <a:solidFill>
                   <a:schemeClr val="tx1"/>
@@ -3607,7 +3607,7 @@
               <a:t>נדב </a:t>
             </a:r>
             <a:r>
-              <a:rPr lang="he-IL" sz="3600" b="0" i="1" cap="none" spc="0" dirty="0" err="1">
+              <a:rPr lang="he-IL" sz="3000" i="1" dirty="0" err="1">
                 <a:ln w="0"/>
                 <a:solidFill>
                   <a:schemeClr val="tx1"/>
@@ -3623,7 +3623,7 @@
               <a:t>לוצטו</a:t>
             </a:r>
             <a:r>
-              <a:rPr lang="he-IL" sz="3600" b="0" i="1" cap="none" spc="0" dirty="0">
+              <a:rPr lang="he-IL" sz="3000" i="1" dirty="0">
                 <a:ln w="0"/>
                 <a:solidFill>
                   <a:schemeClr val="tx1"/>
@@ -3639,7 +3639,7 @@
               <a:t> </a:t>
             </a:r>
             <a:r>
-              <a:rPr lang="he-IL" sz="3200" b="0" i="1" cap="none" spc="0" dirty="0">
+              <a:rPr lang="he-IL" sz="2667" i="1" dirty="0">
                 <a:ln w="0"/>
                 <a:solidFill>
                   <a:schemeClr val="tx1"/>
@@ -3652,26 +3652,10 @@
                   </a:outerShdw>
                 </a:effectLst>
               </a:rPr>
-              <a:t>–</a:t>
-            </a:r>
-            <a:r>
-              <a:rPr lang="he-IL" sz="3200" i="1" dirty="0">
-                <a:ln w="0"/>
-                <a:solidFill>
-                  <a:schemeClr val="tx1"/>
-                </a:solidFill>
-                <a:effectLst>
-                  <a:outerShdw blurRad="38100" dist="19050" dir="2700000" algn="tl" rotWithShape="0">
-                    <a:schemeClr val="dk1">
-                      <a:alpha val="40000"/>
-                    </a:schemeClr>
-                  </a:outerShdw>
-                </a:effectLst>
-              </a:rPr>
-              <a:t> </a:t>
-            </a:r>
-            <a:r>
-              <a:rPr lang="en-US" sz="2800" i="1" dirty="0">
+              <a:t>– </a:t>
+            </a:r>
+            <a:r>
+              <a:rPr lang="en-US" sz="2333" i="1" dirty="0">
                 <a:ln w="0"/>
                 <a:solidFill>
                   <a:schemeClr val="tx1"/>
@@ -3686,7 +3670,7 @@
               </a:rPr>
               <a:t>Nadav2051@gmail.com</a:t>
             </a:r>
-            <a:endParaRPr lang="he-IL" sz="2800" b="0" i="1" cap="none" spc="0" dirty="0">
+            <a:endParaRPr lang="he-IL" sz="2333" i="1" dirty="0">
               <a:ln w="0"/>
               <a:solidFill>
                 <a:schemeClr val="tx1"/>
@@ -3702,7 +3686,7 @@
           </a:p>
           <a:p>
             <a:pPr algn="ctr" rtl="1"/>
-            <a:endParaRPr lang="he-IL" sz="3600" i="1" dirty="0">
+            <a:endParaRPr lang="he-IL" sz="3000" i="1" dirty="0">
               <a:ln w="0"/>
               <a:solidFill>
                 <a:schemeClr val="tx1"/>
@@ -3719,7 +3703,7 @@
           <a:p>
             <a:pPr algn="ctr" rtl="1"/>
             <a:r>
-              <a:rPr lang="he-IL" sz="3600" b="0" i="1" cap="none" spc="0" dirty="0">
+              <a:rPr lang="he-IL" sz="3000" i="1" dirty="0">
                 <a:ln w="0"/>
                 <a:solidFill>
                   <a:schemeClr val="tx1"/>
@@ -3738,7 +3722,7 @@
           <a:p>
             <a:pPr algn="ctr" rtl="1"/>
             <a:r>
-              <a:rPr lang="he-IL" sz="3600" i="1" dirty="0">
+              <a:rPr lang="he-IL" sz="3000" i="1" dirty="0">
                 <a:ln w="0"/>
                 <a:solidFill>
                   <a:schemeClr val="tx1"/>
@@ -3754,7 +3738,7 @@
               <a:t>ד"ר ירון </a:t>
             </a:r>
             <a:r>
-              <a:rPr lang="he-IL" sz="3600" i="1" dirty="0" err="1">
+              <a:rPr lang="he-IL" sz="3000" i="1" dirty="0" err="1">
                 <a:ln w="0"/>
                 <a:solidFill>
                   <a:schemeClr val="tx1"/>
@@ -3770,7 +3754,7 @@
               <a:t>וינסברג</a:t>
             </a:r>
             <a:r>
-              <a:rPr lang="he-IL" sz="3600" i="1" dirty="0">
+              <a:rPr lang="he-IL" sz="3000" i="1" dirty="0">
                 <a:ln w="0"/>
                 <a:solidFill>
                   <a:schemeClr val="tx1"/>
@@ -3786,7 +3770,7 @@
               <a:t>, </a:t>
             </a:r>
             <a:r>
-              <a:rPr lang="en-US" sz="3600" i="1" dirty="0">
+              <a:rPr lang="en-US" sz="3000" i="1" dirty="0">
                 <a:ln w="0"/>
                 <a:solidFill>
                   <a:schemeClr val="tx1"/>
@@ -3801,7 +3785,7 @@
               </a:rPr>
               <a:t>IBM</a:t>
             </a:r>
-            <a:endParaRPr lang="he-IL" sz="3600" i="1" dirty="0">
+            <a:endParaRPr lang="he-IL" sz="3000" i="1" dirty="0">
               <a:ln w="0"/>
               <a:solidFill>
                 <a:schemeClr val="tx1"/>
@@ -3817,7 +3801,7 @@
           </a:p>
           <a:p>
             <a:pPr algn="ctr" rtl="1"/>
-            <a:endParaRPr lang="he-IL" sz="3600" b="0" i="1" cap="none" spc="0" dirty="0">
+            <a:endParaRPr lang="he-IL" sz="3000" i="1" dirty="0">
               <a:ln w="0"/>
               <a:solidFill>
                 <a:schemeClr val="tx1"/>
@@ -3834,7 +3818,7 @@
           <a:p>
             <a:pPr algn="ctr"/>
             <a:r>
-              <a:rPr lang="en-US" sz="2400" i="1" dirty="0">
+              <a:rPr lang="en-US" sz="2000" i="1" dirty="0">
                 <a:ln w="0"/>
                 <a:solidFill>
                   <a:schemeClr val="tx1"/>
@@ -3850,7 +3834,7 @@
               <a:t>Code: @ </a:t>
             </a:r>
             <a:r>
-              <a:rPr lang="en-US" sz="2400" i="1" dirty="0">
+              <a:rPr lang="en-US" sz="2000" i="1" dirty="0">
                 <a:ln w="0"/>
                 <a:solidFill>
                   <a:schemeClr val="tx1"/>
@@ -3867,7 +3851,7 @@
               <a:t>https://github.com/liranbg/BetweenUs</a:t>
             </a:r>
             <a:r>
-              <a:rPr lang="en-US" sz="2400" i="1" dirty="0">
+              <a:rPr lang="en-US" sz="2000" i="1" dirty="0">
                 <a:ln w="0"/>
                 <a:solidFill>
                   <a:schemeClr val="tx1"/>
@@ -3882,19 +3866,6 @@
               </a:rPr>
               <a:t> or</a:t>
             </a:r>
-            <a:endParaRPr lang="en-US" sz="2400" b="0" i="1" cap="none" spc="0" dirty="0">
-              <a:ln w="0"/>
-              <a:solidFill>
-                <a:schemeClr val="tx1"/>
-              </a:solidFill>
-              <a:effectLst>
-                <a:outerShdw blurRad="38100" dist="19050" dir="2700000" algn="tl" rotWithShape="0">
-                  <a:schemeClr val="dk1">
-                    <a:alpha val="40000"/>
-                  </a:schemeClr>
-                </a:outerShdw>
-              </a:effectLst>
-            </a:endParaRPr>
           </a:p>
         </p:txBody>
       </p:sp>
@@ -3908,15 +3879,15 @@
         </p:nvSpPr>
         <p:spPr>
           <a:xfrm>
-            <a:off x="6506841" y="27957"/>
-            <a:ext cx="4535924" cy="1610015"/>
+            <a:off x="6022871" y="163285"/>
+            <a:ext cx="3779897" cy="1341665"/>
           </a:xfrm>
           <a:prstGeom prst="rect">
             <a:avLst/>
           </a:prstGeom>
         </p:spPr>
         <p:txBody>
-          <a:bodyPr vert="horz" lIns="91440" tIns="45720" rIns="91440" bIns="45720" rtlCol="0" anchor="ctr"/>
+          <a:bodyPr vert="horz" lIns="76199" tIns="38100" rIns="76199" bIns="38100" rtlCol="0" anchor="ctr"/>
           <a:lstStyle>
             <a:defPPr>
               <a:defRPr lang="en-US"/>
@@ -4043,8 +4014,8 @@
         </p:nvSpPr>
         <p:spPr>
           <a:xfrm>
-            <a:off x="1882234" y="10406869"/>
-            <a:ext cx="15472697" cy="1446550"/>
+            <a:off x="2579471" y="8672300"/>
+            <a:ext cx="12841720" cy="1205395"/>
           </a:xfrm>
           <a:prstGeom prst="rect">
             <a:avLst/>
@@ -4052,35 +4023,32 @@
           <a:noFill/>
         </p:spPr>
         <p:txBody>
-          <a:bodyPr wrap="none" lIns="91440" tIns="45720" rIns="91440" bIns="45720">
+          <a:bodyPr wrap="none" lIns="76199" tIns="38100" rIns="76199" bIns="38100">
             <a:spAutoFit/>
           </a:bodyPr>
           <a:lstStyle/>
           <a:p>
             <a:pPr algn="ctr"/>
             <a:r>
-              <a:rPr lang="en-US" sz="3200" b="1" dirty="0"/>
+              <a:rPr lang="en-US" sz="2667" b="1" dirty="0"/>
               <a:t>This project focuses on the privacy and security issues with Cloud Computing</a:t>
             </a:r>
           </a:p>
           <a:p>
             <a:pPr algn="ctr"/>
             <a:r>
-              <a:rPr lang="en-US" sz="2800" b="1" i="1" dirty="0"/>
+              <a:rPr lang="en-US" sz="2333" b="1" i="1" dirty="0"/>
               <a:t>Social-sharing services store data in a plain and non-encrypted manner</a:t>
             </a:r>
           </a:p>
           <a:p>
             <a:pPr algn="ctr"/>
             <a:r>
-              <a:rPr lang="en-US" sz="2800" b="1" i="1" dirty="0"/>
+              <a:rPr lang="en-US" sz="2333" b="1" i="1" dirty="0"/>
               <a:t>Malicious admins within the organizations have the ability to look at any data, violating users’ privacy</a:t>
             </a:r>
-            <a:endParaRPr lang="en-US" sz="7200" b="1" i="1" cap="none" spc="0" dirty="0">
+            <a:endParaRPr lang="en-US" sz="6000" b="1" i="1" dirty="0">
               <a:ln w="0"/>
-              <a:solidFill>
-                <a:schemeClr val="tx1"/>
-              </a:solidFill>
               <a:effectLst>
                 <a:outerShdw blurRad="38100" dist="19050" dir="2700000" algn="tl" rotWithShape="0">
                   <a:schemeClr val="dk1">
@@ -4100,10 +4068,10 @@
         </p:nvGrpSpPr>
         <p:grpSpPr>
           <a:xfrm>
-            <a:off x="1225709" y="13524301"/>
-            <a:ext cx="17708244" cy="6001643"/>
+            <a:off x="1621974" y="11270132"/>
+            <a:ext cx="14756715" cy="4423712"/>
             <a:chOff x="1070822" y="13524301"/>
-            <a:chExt cx="17708244" cy="6001643"/>
+            <a:chExt cx="17708244" cy="5308510"/>
           </a:xfrm>
         </p:grpSpPr>
         <p:sp>
@@ -4115,7 +4083,7 @@
           <p:spPr>
             <a:xfrm>
               <a:off x="1070822" y="13524301"/>
-              <a:ext cx="9392187" cy="6001643"/>
+              <a:ext cx="8206718" cy="5308510"/>
             </a:xfrm>
             <a:prstGeom prst="rect">
               <a:avLst/>
@@ -4129,7 +4097,7 @@
             <a:lstStyle/>
             <a:p>
               <a:r>
-                <a:rPr lang="en-US" sz="2000" b="1" dirty="0">
+                <a:rPr lang="en-US" sz="1667" b="1" dirty="0">
                   <a:ln w="0"/>
                   <a:effectLst>
                     <a:outerShdw blurRad="38100" dist="19050" dir="2700000" algn="tl" rotWithShape="0">
@@ -4143,11 +4111,11 @@
               </a:r>
             </a:p>
             <a:p>
-              <a:pPr marL="914400" lvl="1" indent="-457200">
+              <a:pPr marL="761970" lvl="1" indent="-380985">
                 <a:buAutoNum type="arabicPeriod"/>
               </a:pPr>
               <a:r>
-                <a:rPr lang="en-US" dirty="0">
+                <a:rPr lang="en-US" sz="1286" dirty="0">
                   <a:ln w="0"/>
                   <a:effectLst>
                     <a:outerShdw blurRad="38100" dist="19050" dir="2700000" algn="tl" rotWithShape="0">
@@ -4160,7 +4128,7 @@
                 <a:t>Assuming </a:t>
               </a:r>
               <a:r>
-                <a:rPr lang="en-US" b="1" dirty="0">
+                <a:rPr lang="en-US" sz="1286" b="1" dirty="0">
                   <a:ln w="0"/>
                   <a:effectLst>
                     <a:outerShdw blurRad="38100" dist="19050" dir="2700000" algn="tl" rotWithShape="0">
@@ -4173,7 +4141,7 @@
                 <a:t>N</a:t>
               </a:r>
               <a:r>
-                <a:rPr lang="en-US" dirty="0">
+                <a:rPr lang="en-US" sz="1286" dirty="0">
                   <a:ln w="0"/>
                   <a:effectLst>
                     <a:outerShdw blurRad="38100" dist="19050" dir="2700000" algn="tl" rotWithShape="0">
@@ -4186,7 +4154,7 @@
                 <a:t> participants, threshold </a:t>
               </a:r>
               <a:r>
-                <a:rPr lang="en-US" b="1" dirty="0">
+                <a:rPr lang="en-US" sz="1286" b="1" dirty="0">
                   <a:ln w="0"/>
                   <a:effectLst>
                     <a:outerShdw blurRad="38100" dist="19050" dir="2700000" algn="tl" rotWithShape="0">
@@ -4199,7 +4167,7 @@
                 <a:t>K</a:t>
               </a:r>
               <a:r>
-                <a:rPr lang="en-US" dirty="0">
+                <a:rPr lang="en-US" sz="1286" dirty="0">
                   <a:ln w="0"/>
                   <a:effectLst>
                     <a:outerShdw blurRad="38100" dist="19050" dir="2700000" algn="tl" rotWithShape="0">
@@ -4212,7 +4180,7 @@
                 <a:t> while 2 &lt;= </a:t>
               </a:r>
               <a:r>
-                <a:rPr lang="en-US" b="1" dirty="0">
+                <a:rPr lang="en-US" sz="1286" b="1" dirty="0">
                   <a:ln w="0"/>
                   <a:effectLst>
                     <a:outerShdw blurRad="38100" dist="19050" dir="2700000" algn="tl" rotWithShape="0">
@@ -4225,7 +4193,7 @@
                 <a:t>K</a:t>
               </a:r>
               <a:r>
-                <a:rPr lang="en-US" dirty="0">
+                <a:rPr lang="en-US" sz="1286" dirty="0">
                   <a:ln w="0"/>
                   <a:effectLst>
                     <a:outerShdw blurRad="38100" dist="19050" dir="2700000" algn="tl" rotWithShape="0">
@@ -4238,7 +4206,7 @@
                 <a:t> &lt;= </a:t>
               </a:r>
               <a:r>
-                <a:rPr lang="en-US" b="1" dirty="0">
+                <a:rPr lang="en-US" sz="1286" b="1" dirty="0">
                   <a:ln w="0"/>
                   <a:effectLst>
                     <a:outerShdw blurRad="38100" dist="19050" dir="2700000" algn="tl" rotWithShape="0">
@@ -4252,11 +4220,11 @@
               </a:r>
             </a:p>
             <a:p>
-              <a:pPr marL="914400" lvl="1" indent="-457200">
+              <a:pPr marL="761970" lvl="1" indent="-380985">
                 <a:buAutoNum type="arabicPeriod"/>
               </a:pPr>
               <a:r>
-                <a:rPr lang="en-US" dirty="0">
+                <a:rPr lang="en-US" sz="1286" dirty="0">
                   <a:ln w="0"/>
                   <a:effectLst>
                     <a:outerShdw blurRad="38100" dist="19050" dir="2700000" algn="tl" rotWithShape="0">
@@ -4269,7 +4237,7 @@
                 <a:t>Generating new symmetric key (</a:t>
               </a:r>
               <a:r>
-                <a:rPr lang="en-US" i="1" dirty="0">
+                <a:rPr lang="en-US" sz="1286" i="1" dirty="0">
                   <a:ln w="0"/>
                   <a:effectLst>
                     <a:outerShdw blurRad="38100" dist="19050" dir="2700000" algn="tl" rotWithShape="0">
@@ -4282,7 +4250,7 @@
                 <a:t>AES</a:t>
               </a:r>
               <a:r>
-                <a:rPr lang="en-US" dirty="0">
+                <a:rPr lang="en-US" sz="1286" dirty="0">
                   <a:ln w="0"/>
                   <a:effectLst>
                     <a:outerShdw blurRad="38100" dist="19050" dir="2700000" algn="tl" rotWithShape="0">
@@ -4296,11 +4264,11 @@
               </a:r>
             </a:p>
             <a:p>
-              <a:pPr marL="914400" lvl="1" indent="-457200">
+              <a:pPr marL="761970" lvl="1" indent="-380985">
                 <a:buAutoNum type="arabicPeriod"/>
               </a:pPr>
               <a:r>
-                <a:rPr lang="en-US" dirty="0">
+                <a:rPr lang="en-US" sz="1286" dirty="0">
                   <a:ln w="0"/>
                   <a:effectLst>
                     <a:outerShdw blurRad="38100" dist="19050" dir="2700000" algn="tl" rotWithShape="0">
@@ -4313,7 +4281,7 @@
                 <a:t>Splitting the encrypted data into </a:t>
               </a:r>
               <a:r>
-                <a:rPr lang="en-US" b="1" dirty="0">
+                <a:rPr lang="en-US" sz="1286" b="1" dirty="0">
                   <a:ln w="0"/>
                   <a:effectLst>
                     <a:outerShdw blurRad="38100" dist="19050" dir="2700000" algn="tl" rotWithShape="0">
@@ -4326,7 +4294,7 @@
                 <a:t>N</a:t>
               </a:r>
               <a:r>
-                <a:rPr lang="en-US" dirty="0">
+                <a:rPr lang="en-US" sz="1286" dirty="0">
                   <a:ln w="0"/>
                   <a:effectLst>
                     <a:outerShdw blurRad="38100" dist="19050" dir="2700000" algn="tl" rotWithShape="0">
@@ -4339,7 +4307,7 @@
                 <a:t> shares (</a:t>
               </a:r>
               <a:r>
-                <a:rPr lang="en-US" i="1" dirty="0">
+                <a:rPr lang="en-US" sz="1286" i="1" dirty="0">
                   <a:ln w="0"/>
                   <a:effectLst>
                     <a:outerShdw blurRad="38100" dist="19050" dir="2700000" algn="tl" rotWithShape="0">
@@ -4352,7 +4320,7 @@
                 <a:t>SSS</a:t>
               </a:r>
               <a:r>
-                <a:rPr lang="en-US" dirty="0">
+                <a:rPr lang="en-US" sz="1286" dirty="0">
                   <a:ln w="0"/>
                   <a:effectLst>
                     <a:outerShdw blurRad="38100" dist="19050" dir="2700000" algn="tl" rotWithShape="0">
@@ -4366,11 +4334,11 @@
               </a:r>
             </a:p>
             <a:p>
-              <a:pPr marL="914400" lvl="1" indent="-457200">
+              <a:pPr marL="761970" lvl="1" indent="-380985">
                 <a:buAutoNum type="arabicPeriod"/>
               </a:pPr>
               <a:r>
-                <a:rPr lang="en-US" dirty="0">
+                <a:rPr lang="en-US" sz="1286" dirty="0">
                   <a:ln w="0"/>
                   <a:effectLst>
                     <a:outerShdw blurRad="38100" dist="19050" dir="2700000" algn="tl" rotWithShape="0">
@@ -4384,11 +4352,11 @@
               </a:r>
             </a:p>
             <a:p>
-              <a:pPr marL="914400" lvl="1" indent="-457200">
+              <a:pPr marL="761970" lvl="1" indent="-380985">
                 <a:buAutoNum type="arabicPeriod"/>
               </a:pPr>
               <a:r>
-                <a:rPr lang="en-US" dirty="0">
+                <a:rPr lang="en-US" sz="1286" dirty="0">
                   <a:ln w="0"/>
                   <a:effectLst>
                     <a:outerShdw blurRad="38100" dist="19050" dir="2700000" algn="tl" rotWithShape="0">
@@ -4401,7 +4369,7 @@
                 <a:t>Encrypting each share with a public key and assign it to a participant accordingly (</a:t>
               </a:r>
               <a:r>
-                <a:rPr lang="en-US" i="1" dirty="0">
+                <a:rPr lang="en-US" sz="1286" i="1" dirty="0">
                   <a:ln w="0"/>
                   <a:effectLst>
                     <a:outerShdw blurRad="38100" dist="19050" dir="2700000" algn="tl" rotWithShape="0">
@@ -4414,7 +4382,7 @@
                 <a:t>RSA</a:t>
               </a:r>
               <a:r>
-                <a:rPr lang="en-US" dirty="0">
+                <a:rPr lang="en-US" sz="1286" dirty="0">
                   <a:ln w="0"/>
                   <a:effectLst>
                     <a:outerShdw blurRad="38100" dist="19050" dir="2700000" algn="tl" rotWithShape="0">
@@ -4428,11 +4396,11 @@
               </a:r>
             </a:p>
             <a:p>
-              <a:pPr marL="914400" lvl="1" indent="-457200">
+              <a:pPr marL="761970" lvl="1" indent="-380985">
                 <a:buAutoNum type="arabicPeriod"/>
               </a:pPr>
               <a:r>
-                <a:rPr lang="en-US" dirty="0">
+                <a:rPr lang="en-US" sz="1286" dirty="0">
                   <a:ln w="0"/>
                   <a:effectLst>
                     <a:outerShdw blurRad="38100" dist="19050" dir="2700000" algn="tl" rotWithShape="0">
@@ -4446,10 +4414,10 @@
               </a:r>
             </a:p>
             <a:p>
-              <a:pPr marL="914400" lvl="1" indent="-457200">
+              <a:pPr marL="761970" lvl="1" indent="-380985">
                 <a:buAutoNum type="arabicPeriod"/>
               </a:pPr>
-              <a:endParaRPr lang="en-US" dirty="0">
+              <a:endParaRPr lang="en-US" sz="1286" dirty="0">
                 <a:ln w="0"/>
                 <a:effectLst>
                   <a:outerShdw blurRad="38100" dist="19050" dir="2700000" algn="tl" rotWithShape="0">
@@ -4462,7 +4430,7 @@
             </a:p>
             <a:p>
               <a:r>
-                <a:rPr lang="en-US" sz="2000" b="1" dirty="0">
+                <a:rPr lang="en-US" sz="1667" b="1" dirty="0">
                   <a:ln w="0"/>
                   <a:effectLst>
                     <a:outerShdw blurRad="38100" dist="19050" dir="2700000" algn="tl" rotWithShape="0">
@@ -4475,7 +4443,7 @@
                 <a:t>Committing Share</a:t>
               </a:r>
               <a:r>
-                <a:rPr lang="en-US" sz="2000" dirty="0">
+                <a:rPr lang="en-US" sz="1667" dirty="0">
                   <a:ln w="0"/>
                   <a:effectLst>
                     <a:outerShdw blurRad="38100" dist="19050" dir="2700000" algn="tl" rotWithShape="0">
@@ -4489,11 +4457,11 @@
               </a:r>
             </a:p>
             <a:p>
-              <a:pPr marL="914400" lvl="1" indent="-457200">
+              <a:pPr marL="761970" lvl="1" indent="-380985">
                 <a:buAutoNum type="arabicPeriod"/>
               </a:pPr>
               <a:r>
-                <a:rPr lang="en-US" dirty="0">
+                <a:rPr lang="en-US" sz="1286" dirty="0">
                   <a:ln w="0"/>
                   <a:effectLst>
                     <a:outerShdw blurRad="38100" dist="19050" dir="2700000" algn="tl" rotWithShape="0">
@@ -4507,11 +4475,11 @@
               </a:r>
             </a:p>
             <a:p>
-              <a:pPr marL="914400" lvl="1" indent="-457200">
+              <a:pPr marL="761970" lvl="1" indent="-380985">
                 <a:buAutoNum type="arabicPeriod"/>
               </a:pPr>
               <a:r>
-                <a:rPr lang="en-US" dirty="0">
+                <a:rPr lang="en-US" sz="1286" dirty="0">
                   <a:ln w="0"/>
                   <a:effectLst>
                     <a:outerShdw blurRad="38100" dist="19050" dir="2700000" algn="tl" rotWithShape="0">
@@ -4524,7 +4492,7 @@
                 <a:t>Decrypting the encrypted share using own private key (</a:t>
               </a:r>
               <a:r>
-                <a:rPr lang="en-US" i="1" dirty="0">
+                <a:rPr lang="en-US" sz="1286" i="1" dirty="0">
                   <a:ln w="0"/>
                   <a:effectLst>
                     <a:outerShdw blurRad="38100" dist="19050" dir="2700000" algn="tl" rotWithShape="0">
@@ -4537,7 +4505,7 @@
                 <a:t>RSA</a:t>
               </a:r>
               <a:r>
-                <a:rPr lang="en-US" dirty="0">
+                <a:rPr lang="en-US" sz="1286" dirty="0">
                   <a:ln w="0"/>
                   <a:effectLst>
                     <a:outerShdw blurRad="38100" dist="19050" dir="2700000" algn="tl" rotWithShape="0">
@@ -4551,11 +4519,11 @@
               </a:r>
             </a:p>
             <a:p>
-              <a:pPr marL="914400" lvl="1" indent="-457200">
+              <a:pPr marL="761970" lvl="1" indent="-380985">
                 <a:buAutoNum type="arabicPeriod"/>
               </a:pPr>
               <a:r>
-                <a:rPr lang="en-US" dirty="0">
+                <a:rPr lang="en-US" sz="1286" dirty="0">
                   <a:ln w="0"/>
                   <a:effectLst>
                     <a:outerShdw blurRad="38100" dist="19050" dir="2700000" algn="tl" rotWithShape="0">
@@ -4569,12 +4537,12 @@
               </a:r>
             </a:p>
             <a:p>
-              <a:pPr marL="914400" lvl="1" indent="-457200">
+              <a:pPr marL="761970" lvl="1" indent="-380985">
                 <a:buFontTx/>
                 <a:buAutoNum type="arabicPeriod"/>
               </a:pPr>
               <a:r>
-                <a:rPr lang="en-US" dirty="0">
+                <a:rPr lang="en-US" sz="1286" dirty="0">
                   <a:ln w="0"/>
                   <a:effectLst>
                     <a:outerShdw blurRad="38100" dist="19050" dir="2700000" algn="tl" rotWithShape="0">
@@ -4587,7 +4555,7 @@
                 <a:t>Encrypting own share with the given public key (</a:t>
               </a:r>
               <a:r>
-                <a:rPr lang="en-US" i="1" dirty="0">
+                <a:rPr lang="en-US" sz="1286" i="1" dirty="0">
                   <a:ln w="0"/>
                   <a:effectLst>
                     <a:outerShdw blurRad="38100" dist="19050" dir="2700000" algn="tl" rotWithShape="0">
@@ -4600,7 +4568,7 @@
                 <a:t>RSA</a:t>
               </a:r>
               <a:r>
-                <a:rPr lang="en-US" dirty="0">
+                <a:rPr lang="en-US" sz="1286" dirty="0">
                   <a:ln w="0"/>
                   <a:effectLst>
                     <a:outerShdw blurRad="38100" dist="19050" dir="2700000" algn="tl" rotWithShape="0">
@@ -4614,11 +4582,11 @@
               </a:r>
             </a:p>
             <a:p>
-              <a:pPr marL="914400" lvl="1" indent="-457200">
+              <a:pPr marL="761970" lvl="1" indent="-380985">
                 <a:buAutoNum type="arabicPeriod"/>
               </a:pPr>
               <a:r>
-                <a:rPr lang="en-US" dirty="0">
+                <a:rPr lang="en-US" sz="1286" dirty="0">
                   <a:ln w="0"/>
                   <a:effectLst>
                     <a:outerShdw blurRad="38100" dist="19050" dir="2700000" algn="tl" rotWithShape="0">
@@ -4632,10 +4600,10 @@
               </a:r>
             </a:p>
             <a:p>
-              <a:pPr marL="914400" lvl="1" indent="-457200">
+              <a:pPr marL="761970" lvl="1" indent="-380985">
                 <a:buAutoNum type="arabicPeriod"/>
               </a:pPr>
-              <a:endParaRPr lang="en-US" dirty="0">
+              <a:endParaRPr lang="en-US" sz="1286" dirty="0">
                 <a:ln w="0"/>
                 <a:effectLst>
                   <a:outerShdw blurRad="38100" dist="19050" dir="2700000" algn="tl" rotWithShape="0">
@@ -4648,7 +4616,7 @@
             </a:p>
             <a:p>
               <a:r>
-                <a:rPr lang="en-US" sz="2000" dirty="0">
+                <a:rPr lang="en-US" sz="1667" dirty="0">
                   <a:ln w="0"/>
                   <a:effectLst>
                     <a:outerShdw blurRad="38100" dist="19050" dir="2700000" algn="tl" rotWithShape="0">
@@ -4661,7 +4629,7 @@
                 <a:t> </a:t>
               </a:r>
               <a:r>
-                <a:rPr lang="en-US" sz="2000" b="1" dirty="0">
+                <a:rPr lang="en-US" sz="1667" b="1" dirty="0">
                   <a:ln w="0"/>
                   <a:effectLst>
                     <a:outerShdw blurRad="38100" dist="19050" dir="2700000" algn="tl" rotWithShape="0">
@@ -4674,7 +4642,7 @@
                 <a:t>Decrypting</a:t>
               </a:r>
               <a:r>
-                <a:rPr lang="en-US" sz="2000" dirty="0">
+                <a:rPr lang="en-US" sz="1667" dirty="0">
                   <a:ln w="0"/>
                   <a:effectLst>
                     <a:outerShdw blurRad="38100" dist="19050" dir="2700000" algn="tl" rotWithShape="0">
@@ -4688,11 +4656,11 @@
               </a:r>
             </a:p>
             <a:p>
-              <a:pPr marL="914400" lvl="1" indent="-457200">
+              <a:pPr marL="761970" lvl="1" indent="-380985">
                 <a:buAutoNum type="arabicPeriod"/>
               </a:pPr>
               <a:r>
-                <a:rPr lang="en-US" dirty="0">
+                <a:rPr lang="en-US" sz="1286" dirty="0">
                   <a:ln w="0"/>
                   <a:effectLst>
                     <a:outerShdw blurRad="38100" dist="19050" dir="2700000" algn="tl" rotWithShape="0">
@@ -4706,11 +4674,11 @@
               </a:r>
             </a:p>
             <a:p>
-              <a:pPr marL="914400" lvl="1" indent="-457200">
+              <a:pPr marL="761970" lvl="1" indent="-380985">
                 <a:buAutoNum type="arabicPeriod"/>
               </a:pPr>
               <a:r>
-                <a:rPr lang="en-US" dirty="0">
+                <a:rPr lang="en-US" sz="1286" dirty="0">
                   <a:ln w="0"/>
                   <a:effectLst>
                     <a:outerShdw blurRad="38100" dist="19050" dir="2700000" algn="tl" rotWithShape="0">
@@ -4723,7 +4691,7 @@
                 <a:t>If number of shares &gt;= </a:t>
               </a:r>
               <a:r>
-                <a:rPr lang="en-US" b="1" dirty="0">
+                <a:rPr lang="en-US" sz="1286" b="1" dirty="0">
                   <a:ln w="0"/>
                   <a:effectLst>
                     <a:outerShdw blurRad="38100" dist="19050" dir="2700000" algn="tl" rotWithShape="0">
@@ -4736,7 +4704,7 @@
                 <a:t>K</a:t>
               </a:r>
               <a:r>
-                <a:rPr lang="en-US" dirty="0">
+                <a:rPr lang="en-US" sz="1286" dirty="0">
                   <a:ln w="0"/>
                   <a:effectLst>
                     <a:outerShdw blurRad="38100" dist="19050" dir="2700000" algn="tl" rotWithShape="0">
@@ -4750,11 +4718,11 @@
               </a:r>
             </a:p>
             <a:p>
-              <a:pPr marL="1371600" lvl="2" indent="-457200">
+              <a:pPr marL="1142954" lvl="2" indent="-380985">
                 <a:buAutoNum type="arabicPeriod"/>
               </a:pPr>
               <a:r>
-                <a:rPr lang="en-US" dirty="0">
+                <a:rPr lang="en-US" sz="1286" dirty="0">
                   <a:ln w="0"/>
                   <a:effectLst>
                     <a:outerShdw blurRad="38100" dist="19050" dir="2700000" algn="tl" rotWithShape="0">
@@ -4768,11 +4736,11 @@
               </a:r>
             </a:p>
             <a:p>
-              <a:pPr marL="1371600" lvl="2" indent="-457200">
+              <a:pPr marL="1142954" lvl="2" indent="-380985">
                 <a:buAutoNum type="arabicPeriod"/>
               </a:pPr>
               <a:r>
-                <a:rPr lang="en-US" dirty="0">
+                <a:rPr lang="en-US" sz="1286" dirty="0">
                   <a:ln w="0"/>
                   <a:effectLst>
                     <a:outerShdw blurRad="38100" dist="19050" dir="2700000" algn="tl" rotWithShape="0">
@@ -4786,11 +4754,11 @@
               </a:r>
             </a:p>
             <a:p>
-              <a:pPr marL="1371600" lvl="2" indent="-457200">
+              <a:pPr marL="1142954" lvl="2" indent="-380985">
                 <a:buAutoNum type="arabicPeriod"/>
               </a:pPr>
               <a:r>
-                <a:rPr lang="en-US" dirty="0">
+                <a:rPr lang="en-US" sz="1286" dirty="0">
                   <a:ln w="0"/>
                   <a:effectLst>
                     <a:outerShdw blurRad="38100" dist="19050" dir="2700000" algn="tl" rotWithShape="0">
@@ -4813,8 +4781,8 @@
           </p:nvSpPr>
           <p:spPr>
             <a:xfrm>
-              <a:off x="13125338" y="13527798"/>
-              <a:ext cx="5653728" cy="2062103"/>
+              <a:off x="13125337" y="13527798"/>
+              <a:ext cx="5653729" cy="2326124"/>
             </a:xfrm>
             <a:prstGeom prst="rect">
               <a:avLst/>
@@ -4828,48 +4796,48 @@
             <a:lstStyle/>
             <a:p>
               <a:r>
-                <a:rPr lang="en-US" sz="1600" b="1" i="1" dirty="0"/>
+                <a:rPr lang="en-US" sz="1333" b="1" i="1" dirty="0"/>
                 <a:t>Terminology:</a:t>
               </a:r>
             </a:p>
             <a:p>
               <a:r>
-                <a:rPr lang="en-US" sz="1600" b="1" i="1" dirty="0"/>
+                <a:rPr lang="en-US" sz="1333" b="1" i="1" dirty="0"/>
                 <a:t>SSS: Shamir secret sharing</a:t>
               </a:r>
             </a:p>
             <a:p>
               <a:r>
-                <a:rPr lang="en-US" sz="1600" b="1" i="1" dirty="0"/>
+                <a:rPr lang="en-US" sz="1333" b="1" i="1" dirty="0"/>
                 <a:t>AES: Asymmetric block cipher algorithm</a:t>
               </a:r>
             </a:p>
             <a:p>
               <a:r>
-                <a:rPr lang="en-US" sz="1600" b="1" i="1" dirty="0"/>
+                <a:rPr lang="en-US" sz="1333" b="1" i="1" dirty="0"/>
                 <a:t>RSA: Public-Private symmetric cryptography algorithm</a:t>
               </a:r>
             </a:p>
             <a:p>
               <a:r>
-                <a:rPr lang="en-US" sz="1600" b="1" i="1" dirty="0"/>
+                <a:rPr lang="en-US" sz="1333" b="1" i="1" dirty="0"/>
                 <a:t>Share: SSS algorithm output</a:t>
               </a:r>
             </a:p>
             <a:p>
               <a:r>
-                <a:rPr lang="en-US" sz="1600" b="1" i="1" dirty="0"/>
+                <a:rPr lang="en-US" sz="1333" b="1" i="1" dirty="0"/>
                 <a:t>Stash: Data structure that holds current user shares</a:t>
               </a:r>
             </a:p>
             <a:p>
               <a:r>
-                <a:rPr lang="en-US" sz="1600" b="1" i="1" dirty="0"/>
+                <a:rPr lang="en-US" sz="1333" b="1" i="1" dirty="0"/>
                 <a:t>Threshold: Number of needed shares to reconstruct the SSS input</a:t>
               </a:r>
             </a:p>
             <a:p>
-              <a:endParaRPr lang="en-US" sz="1600" b="1" i="1" dirty="0"/>
+              <a:endParaRPr lang="en-US" sz="1333" b="1" i="1" dirty="0"/>
             </a:p>
           </p:txBody>
         </p:sp>
@@ -4896,8 +4864,8 @@
         </p:blipFill>
         <p:spPr>
           <a:xfrm>
-            <a:off x="-1" y="20955820"/>
-            <a:ext cx="20159663" cy="8660579"/>
+            <a:off x="258299" y="17373600"/>
+            <a:ext cx="17484065" cy="7511143"/>
           </a:xfrm>
           <a:prstGeom prst="rect">
             <a:avLst/>
@@ -4926,8 +4894,8 @@
         </p:blipFill>
         <p:spPr>
           <a:xfrm>
-            <a:off x="13346900" y="8291366"/>
-            <a:ext cx="1278314" cy="1278314"/>
+            <a:off x="11722860" y="6909399"/>
+            <a:ext cx="1065250" cy="1065250"/>
           </a:xfrm>
           <a:prstGeom prst="rect">
             <a:avLst/>
@@ -4942,8 +4910,8 @@
         </p:nvCxnSpPr>
         <p:spPr>
           <a:xfrm>
-            <a:off x="-1" y="9969730"/>
-            <a:ext cx="20159664" cy="0"/>
+            <a:off x="600559" y="8308020"/>
+            <a:ext cx="16799544" cy="0"/>
           </a:xfrm>
           <a:prstGeom prst="line">
             <a:avLst/>
@@ -4972,8 +4940,8 @@
         </p:nvCxnSpPr>
         <p:spPr>
           <a:xfrm>
-            <a:off x="-1" y="20161480"/>
-            <a:ext cx="20159664" cy="0"/>
+            <a:off x="600559" y="16801056"/>
+            <a:ext cx="16799544" cy="0"/>
           </a:xfrm>
           <a:prstGeom prst="line">
             <a:avLst/>
@@ -5016,8 +4984,8 @@
         </p:blipFill>
         <p:spPr>
           <a:xfrm>
-            <a:off x="-30848" y="443906"/>
-            <a:ext cx="6200169" cy="1176630"/>
+            <a:off x="-824" y="457906"/>
+            <a:ext cx="5166753" cy="980515"/>
           </a:xfrm>
           <a:prstGeom prst="rect">
             <a:avLst/>

--- a/Poster.pptx
+++ b/Poster.pptx
@@ -5,10 +5,12 @@
     <p:sldMasterId id="2147483696" r:id="rId1"/>
   </p:sldMasterIdLst>
   <p:notesMasterIdLst>
-    <p:notesMasterId r:id="rId3"/>
+    <p:notesMasterId r:id="rId5"/>
   </p:notesMasterIdLst>
   <p:sldIdLst>
     <p:sldId id="256" r:id="rId2"/>
+    <p:sldId id="258" r:id="rId3"/>
+    <p:sldId id="257" r:id="rId4"/>
   </p:sldIdLst>
   <p:sldSz cx="18000663" cy="25199975"/>
   <p:notesSz cx="6858000" cy="9144000"/>
@@ -197,7 +199,7 @@
           <a:p>
             <a:fld id="{10FBA4DC-C190-4ED3-84CA-0F6A9F8EEDE4}" type="datetimeFigureOut">
               <a:rPr lang="he-IL" smtClean="0"/>
-              <a:t>כ"ו/סיון/תשע"ו</a:t>
+              <a:t>י"א/תמוז/תשע"ו</a:t>
             </a:fld>
             <a:endParaRPr lang="he-IL"/>
           </a:p>
@@ -5005,6 +5007,3446 @@
 </p:sld>
 </file>
 
+<file path=ppt/slides/slide2.xml><?xml version="1.0" encoding="utf-8"?>
+<p:sld xmlns:a="http://schemas.openxmlformats.org/drawingml/2006/main" xmlns:r="http://schemas.openxmlformats.org/officeDocument/2006/relationships" xmlns:p="http://schemas.openxmlformats.org/presentationml/2006/main">
+  <p:cSld>
+    <p:spTree>
+      <p:nvGrpSpPr>
+        <p:cNvPr id="1" name=""/>
+        <p:cNvGrpSpPr/>
+        <p:nvPr/>
+      </p:nvGrpSpPr>
+      <p:grpSpPr>
+        <a:xfrm>
+          <a:off x="0" y="0"/>
+          <a:ext cx="0" cy="0"/>
+          <a:chOff x="0" y="0"/>
+          <a:chExt cx="0" cy="0"/>
+        </a:xfrm>
+      </p:grpSpPr>
+      <p:pic>
+        <p:nvPicPr>
+          <p:cNvPr id="4" name="Picture 3"/>
+          <p:cNvPicPr>
+            <a:picLocks noChangeAspect="1"/>
+          </p:cNvPicPr>
+          <p:nvPr/>
+        </p:nvPicPr>
+        <p:blipFill>
+          <a:blip r:embed="rId2">
+            <a:extLst>
+              <a:ext uri="{28A0092B-C50C-407E-A947-70E740481C1C}">
+                <a14:useLocalDpi xmlns:a14="http://schemas.microsoft.com/office/drawing/2010/main" val="0"/>
+              </a:ext>
+            </a:extLst>
+          </a:blip>
+          <a:stretch>
+            <a:fillRect/>
+          </a:stretch>
+        </p:blipFill>
+        <p:spPr>
+          <a:xfrm>
+            <a:off x="10965854" y="0"/>
+            <a:ext cx="7034809" cy="1364962"/>
+          </a:xfrm>
+          <a:prstGeom prst="rect">
+            <a:avLst/>
+          </a:prstGeom>
+        </p:spPr>
+      </p:pic>
+      <p:sp>
+        <p:nvSpPr>
+          <p:cNvPr id="11" name="Rectangle 10"/>
+          <p:cNvSpPr/>
+          <p:nvPr/>
+        </p:nvSpPr>
+        <p:spPr>
+          <a:xfrm>
+            <a:off x="1564015" y="2055376"/>
+            <a:ext cx="14872633" cy="5565691"/>
+          </a:xfrm>
+          <a:prstGeom prst="rect">
+            <a:avLst/>
+          </a:prstGeom>
+          <a:noFill/>
+          <a:ln>
+            <a:noFill/>
+          </a:ln>
+        </p:spPr>
+        <p:style>
+          <a:lnRef idx="0">
+            <a:scrgbClr r="0" g="0" b="0"/>
+          </a:lnRef>
+          <a:fillRef idx="0">
+            <a:scrgbClr r="0" g="0" b="0"/>
+          </a:fillRef>
+          <a:effectRef idx="0">
+            <a:scrgbClr r="0" g="0" b="0"/>
+          </a:effectRef>
+          <a:fontRef idx="minor">
+            <a:schemeClr val="dk1"/>
+          </a:fontRef>
+        </p:style>
+        <p:txBody>
+          <a:bodyPr wrap="square" lIns="76199" tIns="38100" rIns="76199" bIns="38100">
+            <a:spAutoFit/>
+          </a:bodyPr>
+          <a:lstStyle/>
+          <a:p>
+            <a:pPr algn="ctr"/>
+            <a:r>
+              <a:rPr lang="en-US" sz="6000" b="1" dirty="0" err="1">
+                <a:ln w="0"/>
+                <a:solidFill>
+                  <a:schemeClr val="tx1"/>
+                </a:solidFill>
+                <a:effectLst>
+                  <a:outerShdw blurRad="38100" dist="19050" dir="2700000" algn="tl" rotWithShape="0">
+                    <a:schemeClr val="dk1">
+                      <a:alpha val="40000"/>
+                    </a:schemeClr>
+                  </a:outerShdw>
+                </a:effectLst>
+              </a:rPr>
+              <a:t>BetweenUs</a:t>
+            </a:r>
+            <a:r>
+              <a:rPr lang="en-US" sz="6000" b="1" dirty="0">
+                <a:ln w="0"/>
+                <a:solidFill>
+                  <a:schemeClr val="tx1"/>
+                </a:solidFill>
+                <a:effectLst>
+                  <a:outerShdw blurRad="38100" dist="19050" dir="2700000" algn="tl" rotWithShape="0">
+                    <a:schemeClr val="dk1">
+                      <a:alpha val="40000"/>
+                    </a:schemeClr>
+                  </a:outerShdw>
+                </a:effectLst>
+              </a:rPr>
+              <a:t> – </a:t>
+            </a:r>
+            <a:r>
+              <a:rPr lang="he-IL" sz="6000" b="1" dirty="0">
+                <a:ln w="0"/>
+                <a:solidFill>
+                  <a:schemeClr val="tx1"/>
+                </a:solidFill>
+                <a:effectLst>
+                  <a:outerShdw blurRad="38100" dist="19050" dir="2700000" algn="tl" rotWithShape="0">
+                    <a:schemeClr val="dk1">
+                      <a:alpha val="40000"/>
+                    </a:schemeClr>
+                  </a:outerShdw>
+                </a:effectLst>
+              </a:rPr>
+              <a:t>בֵּינֵינוּ</a:t>
+            </a:r>
+            <a:endParaRPr lang="en-US" sz="6000" b="1" dirty="0">
+              <a:ln w="0"/>
+              <a:solidFill>
+                <a:schemeClr val="tx1"/>
+              </a:solidFill>
+              <a:effectLst>
+                <a:outerShdw blurRad="38100" dist="19050" dir="2700000" algn="tl" rotWithShape="0">
+                  <a:schemeClr val="dk1">
+                    <a:alpha val="40000"/>
+                  </a:schemeClr>
+                </a:outerShdw>
+              </a:effectLst>
+            </a:endParaRPr>
+          </a:p>
+          <a:p>
+            <a:pPr algn="ctr"/>
+            <a:r>
+              <a:rPr lang="en-US" sz="3667" i="1" dirty="0">
+                <a:ln w="0"/>
+                <a:effectLst>
+                  <a:outerShdw blurRad="38100" dist="19050" dir="2700000" algn="tl" rotWithShape="0">
+                    <a:schemeClr val="dk1">
+                      <a:alpha val="40000"/>
+                    </a:schemeClr>
+                  </a:outerShdw>
+                </a:effectLst>
+              </a:rPr>
+              <a:t>Data sharing between participants in a secure manner</a:t>
+            </a:r>
+          </a:p>
+          <a:p>
+            <a:pPr algn="ctr" rtl="1"/>
+            <a:endParaRPr lang="he-IL" sz="3000" i="1" dirty="0">
+              <a:ln w="0"/>
+              <a:solidFill>
+                <a:schemeClr val="tx1"/>
+              </a:solidFill>
+              <a:effectLst>
+                <a:outerShdw blurRad="38100" dist="19050" dir="2700000" algn="tl" rotWithShape="0">
+                  <a:schemeClr val="dk1">
+                    <a:alpha val="40000"/>
+                  </a:schemeClr>
+                </a:outerShdw>
+              </a:effectLst>
+            </a:endParaRPr>
+          </a:p>
+          <a:p>
+            <a:pPr algn="ctr" rtl="1"/>
+            <a:r>
+              <a:rPr lang="he-IL" sz="3000" i="1" dirty="0">
+                <a:ln w="0"/>
+                <a:solidFill>
+                  <a:schemeClr val="tx1"/>
+                </a:solidFill>
+                <a:effectLst>
+                  <a:outerShdw blurRad="38100" dist="19050" dir="2700000" algn="tl" rotWithShape="0">
+                    <a:schemeClr val="dk1">
+                      <a:alpha val="40000"/>
+                    </a:schemeClr>
+                  </a:outerShdw>
+                </a:effectLst>
+              </a:rPr>
+              <a:t>מוגש על ידי:</a:t>
+            </a:r>
+          </a:p>
+          <a:p>
+            <a:pPr algn="ctr" rtl="1"/>
+            <a:r>
+              <a:rPr lang="he-IL" sz="3000" i="1" dirty="0">
+                <a:ln w="0"/>
+                <a:solidFill>
+                  <a:schemeClr val="tx1"/>
+                </a:solidFill>
+                <a:effectLst>
+                  <a:outerShdw blurRad="38100" dist="19050" dir="2700000" algn="tl" rotWithShape="0">
+                    <a:schemeClr val="dk1">
+                      <a:alpha val="40000"/>
+                    </a:schemeClr>
+                  </a:outerShdw>
+                </a:effectLst>
+              </a:rPr>
+              <a:t>לירן בן גידה </a:t>
+            </a:r>
+            <a:r>
+              <a:rPr lang="he-IL" sz="2667" i="1" dirty="0">
+                <a:ln w="0"/>
+                <a:solidFill>
+                  <a:schemeClr val="tx1"/>
+                </a:solidFill>
+                <a:effectLst>
+                  <a:outerShdw blurRad="38100" dist="19050" dir="2700000" algn="tl" rotWithShape="0">
+                    <a:schemeClr val="dk1">
+                      <a:alpha val="40000"/>
+                    </a:schemeClr>
+                  </a:outerShdw>
+                </a:effectLst>
+              </a:rPr>
+              <a:t>–</a:t>
+            </a:r>
+            <a:r>
+              <a:rPr lang="he-IL" sz="3000" i="1" dirty="0">
+                <a:ln w="0"/>
+                <a:solidFill>
+                  <a:schemeClr val="tx1"/>
+                </a:solidFill>
+                <a:effectLst>
+                  <a:outerShdw blurRad="38100" dist="19050" dir="2700000" algn="tl" rotWithShape="0">
+                    <a:schemeClr val="dk1">
+                      <a:alpha val="40000"/>
+                    </a:schemeClr>
+                  </a:outerShdw>
+                </a:effectLst>
+              </a:rPr>
+              <a:t> </a:t>
+            </a:r>
+            <a:r>
+              <a:rPr lang="en-US" sz="2333" i="1" dirty="0">
+                <a:ln w="0"/>
+                <a:solidFill>
+                  <a:schemeClr val="tx1"/>
+                </a:solidFill>
+                <a:effectLst>
+                  <a:outerShdw blurRad="38100" dist="19050" dir="2700000" algn="tl" rotWithShape="0">
+                    <a:schemeClr val="dk1">
+                      <a:alpha val="40000"/>
+                    </a:schemeClr>
+                  </a:outerShdw>
+                </a:effectLst>
+              </a:rPr>
+              <a:t>LiranBG@gmail.com</a:t>
+            </a:r>
+            <a:endParaRPr lang="he-IL" sz="2333" i="1" dirty="0">
+              <a:ln w="0"/>
+              <a:solidFill>
+                <a:schemeClr val="tx1"/>
+              </a:solidFill>
+              <a:effectLst>
+                <a:outerShdw blurRad="38100" dist="19050" dir="2700000" algn="tl" rotWithShape="0">
+                  <a:schemeClr val="dk1">
+                    <a:alpha val="40000"/>
+                  </a:schemeClr>
+                </a:outerShdw>
+              </a:effectLst>
+            </a:endParaRPr>
+          </a:p>
+          <a:p>
+            <a:pPr algn="ctr" rtl="1"/>
+            <a:r>
+              <a:rPr lang="he-IL" sz="3000" i="1" dirty="0">
+                <a:ln w="0"/>
+                <a:solidFill>
+                  <a:schemeClr val="tx1"/>
+                </a:solidFill>
+                <a:effectLst>
+                  <a:outerShdw blurRad="38100" dist="19050" dir="2700000" algn="tl" rotWithShape="0">
+                    <a:schemeClr val="dk1">
+                      <a:alpha val="40000"/>
+                    </a:schemeClr>
+                  </a:outerShdw>
+                </a:effectLst>
+              </a:rPr>
+              <a:t>נדב </a:t>
+            </a:r>
+            <a:r>
+              <a:rPr lang="he-IL" sz="3000" i="1" dirty="0" err="1">
+                <a:ln w="0"/>
+                <a:solidFill>
+                  <a:schemeClr val="tx1"/>
+                </a:solidFill>
+                <a:effectLst>
+                  <a:outerShdw blurRad="38100" dist="19050" dir="2700000" algn="tl" rotWithShape="0">
+                    <a:schemeClr val="dk1">
+                      <a:alpha val="40000"/>
+                    </a:schemeClr>
+                  </a:outerShdw>
+                </a:effectLst>
+              </a:rPr>
+              <a:t>לוצטו</a:t>
+            </a:r>
+            <a:r>
+              <a:rPr lang="he-IL" sz="3000" i="1" dirty="0">
+                <a:ln w="0"/>
+                <a:solidFill>
+                  <a:schemeClr val="tx1"/>
+                </a:solidFill>
+                <a:effectLst>
+                  <a:outerShdw blurRad="38100" dist="19050" dir="2700000" algn="tl" rotWithShape="0">
+                    <a:schemeClr val="dk1">
+                      <a:alpha val="40000"/>
+                    </a:schemeClr>
+                  </a:outerShdw>
+                </a:effectLst>
+              </a:rPr>
+              <a:t> </a:t>
+            </a:r>
+            <a:r>
+              <a:rPr lang="he-IL" sz="2667" i="1" dirty="0">
+                <a:ln w="0"/>
+                <a:solidFill>
+                  <a:schemeClr val="tx1"/>
+                </a:solidFill>
+                <a:effectLst>
+                  <a:outerShdw blurRad="38100" dist="19050" dir="2700000" algn="tl" rotWithShape="0">
+                    <a:schemeClr val="dk1">
+                      <a:alpha val="40000"/>
+                    </a:schemeClr>
+                  </a:outerShdw>
+                </a:effectLst>
+              </a:rPr>
+              <a:t>– </a:t>
+            </a:r>
+            <a:r>
+              <a:rPr lang="en-US" sz="2333" i="1" dirty="0">
+                <a:ln w="0"/>
+                <a:solidFill>
+                  <a:schemeClr val="tx1"/>
+                </a:solidFill>
+                <a:effectLst>
+                  <a:outerShdw blurRad="38100" dist="19050" dir="2700000" algn="tl" rotWithShape="0">
+                    <a:schemeClr val="dk1">
+                      <a:alpha val="40000"/>
+                    </a:schemeClr>
+                  </a:outerShdw>
+                </a:effectLst>
+              </a:rPr>
+              <a:t>Nadav2051@gmail.com</a:t>
+            </a:r>
+            <a:endParaRPr lang="he-IL" sz="2333" i="1" dirty="0">
+              <a:ln w="0"/>
+              <a:solidFill>
+                <a:schemeClr val="tx1"/>
+              </a:solidFill>
+              <a:effectLst>
+                <a:outerShdw blurRad="38100" dist="19050" dir="2700000" algn="tl" rotWithShape="0">
+                  <a:schemeClr val="dk1">
+                    <a:alpha val="40000"/>
+                  </a:schemeClr>
+                </a:outerShdw>
+              </a:effectLst>
+            </a:endParaRPr>
+          </a:p>
+          <a:p>
+            <a:pPr algn="ctr" rtl="1"/>
+            <a:endParaRPr lang="he-IL" sz="3000" i="1" dirty="0">
+              <a:ln w="0"/>
+              <a:solidFill>
+                <a:schemeClr val="tx1"/>
+              </a:solidFill>
+              <a:effectLst>
+                <a:outerShdw blurRad="38100" dist="19050" dir="2700000" algn="tl" rotWithShape="0">
+                  <a:schemeClr val="dk1">
+                    <a:alpha val="40000"/>
+                  </a:schemeClr>
+                </a:outerShdw>
+              </a:effectLst>
+            </a:endParaRPr>
+          </a:p>
+          <a:p>
+            <a:pPr algn="ctr" rtl="1"/>
+            <a:r>
+              <a:rPr lang="he-IL" sz="3000" i="1" dirty="0">
+                <a:ln w="0"/>
+                <a:solidFill>
+                  <a:schemeClr val="tx1"/>
+                </a:solidFill>
+                <a:effectLst>
+                  <a:outerShdw blurRad="38100" dist="19050" dir="2700000" algn="tl" rotWithShape="0">
+                    <a:schemeClr val="dk1">
+                      <a:alpha val="40000"/>
+                    </a:schemeClr>
+                  </a:outerShdw>
+                </a:effectLst>
+              </a:rPr>
+              <a:t>בהנחיית:</a:t>
+            </a:r>
+          </a:p>
+          <a:p>
+            <a:pPr algn="ctr" rtl="1"/>
+            <a:r>
+              <a:rPr lang="he-IL" sz="3000" i="1" dirty="0">
+                <a:ln w="0"/>
+                <a:solidFill>
+                  <a:schemeClr val="tx1"/>
+                </a:solidFill>
+                <a:effectLst>
+                  <a:outerShdw blurRad="38100" dist="19050" dir="2700000" algn="tl" rotWithShape="0">
+                    <a:schemeClr val="dk1">
+                      <a:alpha val="40000"/>
+                    </a:schemeClr>
+                  </a:outerShdw>
+                </a:effectLst>
+              </a:rPr>
+              <a:t>ד"ר ירון </a:t>
+            </a:r>
+            <a:r>
+              <a:rPr lang="he-IL" sz="3000" i="1" dirty="0" err="1">
+                <a:ln w="0"/>
+                <a:solidFill>
+                  <a:schemeClr val="tx1"/>
+                </a:solidFill>
+                <a:effectLst>
+                  <a:outerShdw blurRad="38100" dist="19050" dir="2700000" algn="tl" rotWithShape="0">
+                    <a:schemeClr val="dk1">
+                      <a:alpha val="40000"/>
+                    </a:schemeClr>
+                  </a:outerShdw>
+                </a:effectLst>
+              </a:rPr>
+              <a:t>וינסברג</a:t>
+            </a:r>
+            <a:r>
+              <a:rPr lang="he-IL" sz="3000" i="1" dirty="0">
+                <a:ln w="0"/>
+                <a:solidFill>
+                  <a:schemeClr val="tx1"/>
+                </a:solidFill>
+                <a:effectLst>
+                  <a:outerShdw blurRad="38100" dist="19050" dir="2700000" algn="tl" rotWithShape="0">
+                    <a:schemeClr val="dk1">
+                      <a:alpha val="40000"/>
+                    </a:schemeClr>
+                  </a:outerShdw>
+                </a:effectLst>
+              </a:rPr>
+              <a:t>, </a:t>
+            </a:r>
+            <a:r>
+              <a:rPr lang="en-US" sz="3000" i="1" dirty="0">
+                <a:ln w="0"/>
+                <a:solidFill>
+                  <a:schemeClr val="tx1"/>
+                </a:solidFill>
+                <a:effectLst>
+                  <a:outerShdw blurRad="38100" dist="19050" dir="2700000" algn="tl" rotWithShape="0">
+                    <a:schemeClr val="dk1">
+                      <a:alpha val="40000"/>
+                    </a:schemeClr>
+                  </a:outerShdw>
+                </a:effectLst>
+              </a:rPr>
+              <a:t>IBM</a:t>
+            </a:r>
+            <a:endParaRPr lang="he-IL" sz="3000" i="1" dirty="0">
+              <a:ln w="0"/>
+              <a:solidFill>
+                <a:schemeClr val="tx1"/>
+              </a:solidFill>
+              <a:effectLst>
+                <a:outerShdw blurRad="38100" dist="19050" dir="2700000" algn="tl" rotWithShape="0">
+                  <a:schemeClr val="dk1">
+                    <a:alpha val="40000"/>
+                  </a:schemeClr>
+                </a:outerShdw>
+              </a:effectLst>
+            </a:endParaRPr>
+          </a:p>
+          <a:p>
+            <a:pPr algn="ctr" rtl="1"/>
+            <a:endParaRPr lang="he-IL" sz="3000" i="1" dirty="0">
+              <a:ln w="0"/>
+              <a:solidFill>
+                <a:schemeClr val="tx1"/>
+              </a:solidFill>
+              <a:effectLst>
+                <a:outerShdw blurRad="38100" dist="19050" dir="2700000" algn="tl" rotWithShape="0">
+                  <a:schemeClr val="dk1">
+                    <a:alpha val="40000"/>
+                  </a:schemeClr>
+                </a:outerShdw>
+              </a:effectLst>
+            </a:endParaRPr>
+          </a:p>
+          <a:p>
+            <a:pPr algn="ctr"/>
+            <a:r>
+              <a:rPr lang="en-US" sz="2000" i="1" dirty="0">
+                <a:ln w="0"/>
+                <a:solidFill>
+                  <a:schemeClr val="tx1"/>
+                </a:solidFill>
+                <a:effectLst>
+                  <a:outerShdw blurRad="38100" dist="19050" dir="2700000" algn="tl" rotWithShape="0">
+                    <a:schemeClr val="dk1">
+                      <a:alpha val="40000"/>
+                    </a:schemeClr>
+                  </a:outerShdw>
+                </a:effectLst>
+              </a:rPr>
+              <a:t>Code: @ </a:t>
+            </a:r>
+            <a:r>
+              <a:rPr lang="en-US" sz="2000" i="1" dirty="0">
+                <a:ln w="0"/>
+                <a:solidFill>
+                  <a:schemeClr val="tx1"/>
+                </a:solidFill>
+                <a:effectLst>
+                  <a:outerShdw blurRad="38100" dist="19050" dir="2700000" algn="tl" rotWithShape="0">
+                    <a:schemeClr val="dk1">
+                      <a:alpha val="40000"/>
+                    </a:schemeClr>
+                  </a:outerShdw>
+                </a:effectLst>
+                <a:hlinkClick r:id="rId3"/>
+              </a:rPr>
+              <a:t>https://github.com/liranbg/BetweenUs</a:t>
+            </a:r>
+            <a:r>
+              <a:rPr lang="en-US" sz="2000" i="1" dirty="0">
+                <a:ln w="0"/>
+                <a:solidFill>
+                  <a:schemeClr val="tx1"/>
+                </a:solidFill>
+                <a:effectLst>
+                  <a:outerShdw blurRad="38100" dist="19050" dir="2700000" algn="tl" rotWithShape="0">
+                    <a:schemeClr val="dk1">
+                      <a:alpha val="40000"/>
+                    </a:schemeClr>
+                  </a:outerShdw>
+                </a:effectLst>
+              </a:rPr>
+              <a:t> or</a:t>
+            </a:r>
+          </a:p>
+        </p:txBody>
+      </p:sp>
+      <p:sp>
+        <p:nvSpPr>
+          <p:cNvPr id="13" name="Date Placeholder 11"/>
+          <p:cNvSpPr txBox="1">
+            <a:spLocks/>
+          </p:cNvSpPr>
+          <p:nvPr/>
+        </p:nvSpPr>
+        <p:spPr>
+          <a:xfrm>
+            <a:off x="6022871" y="163285"/>
+            <a:ext cx="3779897" cy="1341665"/>
+          </a:xfrm>
+          <a:prstGeom prst="rect">
+            <a:avLst/>
+          </a:prstGeom>
+        </p:spPr>
+        <p:txBody>
+          <a:bodyPr vert="horz" lIns="76199" tIns="38100" rIns="76199" bIns="38100" rtlCol="0" anchor="ctr"/>
+          <a:lstStyle>
+            <a:defPPr>
+              <a:defRPr lang="en-US"/>
+            </a:defPPr>
+            <a:lvl1pPr marL="0" algn="l" defTabSz="457200" rtl="0" eaLnBrk="1" latinLnBrk="0" hangingPunct="1">
+              <a:defRPr sz="2646" kern="1200">
+                <a:solidFill>
+                  <a:schemeClr val="tx1">
+                    <a:tint val="75000"/>
+                  </a:schemeClr>
+                </a:solidFill>
+                <a:latin typeface="+mn-lt"/>
+                <a:ea typeface="+mn-ea"/>
+                <a:cs typeface="+mn-cs"/>
+              </a:defRPr>
+            </a:lvl1pPr>
+            <a:lvl2pPr marL="457200" algn="l" defTabSz="457200" rtl="0" eaLnBrk="1" latinLnBrk="0" hangingPunct="1">
+              <a:defRPr sz="1800" kern="1200">
+                <a:solidFill>
+                  <a:schemeClr val="tx1"/>
+                </a:solidFill>
+                <a:latin typeface="+mn-lt"/>
+                <a:ea typeface="+mn-ea"/>
+                <a:cs typeface="+mn-cs"/>
+              </a:defRPr>
+            </a:lvl2pPr>
+            <a:lvl3pPr marL="914400" algn="l" defTabSz="457200" rtl="0" eaLnBrk="1" latinLnBrk="0" hangingPunct="1">
+              <a:defRPr sz="1800" kern="1200">
+                <a:solidFill>
+                  <a:schemeClr val="tx1"/>
+                </a:solidFill>
+                <a:latin typeface="+mn-lt"/>
+                <a:ea typeface="+mn-ea"/>
+                <a:cs typeface="+mn-cs"/>
+              </a:defRPr>
+            </a:lvl3pPr>
+            <a:lvl4pPr marL="1371600" algn="l" defTabSz="457200" rtl="0" eaLnBrk="1" latinLnBrk="0" hangingPunct="1">
+              <a:defRPr sz="1800" kern="1200">
+                <a:solidFill>
+                  <a:schemeClr val="tx1"/>
+                </a:solidFill>
+                <a:latin typeface="+mn-lt"/>
+                <a:ea typeface="+mn-ea"/>
+                <a:cs typeface="+mn-cs"/>
+              </a:defRPr>
+            </a:lvl4pPr>
+            <a:lvl5pPr marL="1828800" algn="l" defTabSz="457200" rtl="0" eaLnBrk="1" latinLnBrk="0" hangingPunct="1">
+              <a:defRPr sz="1800" kern="1200">
+                <a:solidFill>
+                  <a:schemeClr val="tx1"/>
+                </a:solidFill>
+                <a:latin typeface="+mn-lt"/>
+                <a:ea typeface="+mn-ea"/>
+                <a:cs typeface="+mn-cs"/>
+              </a:defRPr>
+            </a:lvl5pPr>
+            <a:lvl6pPr marL="2286000" algn="l" defTabSz="457200" rtl="0" eaLnBrk="1" latinLnBrk="0" hangingPunct="1">
+              <a:defRPr sz="1800" kern="1200">
+                <a:solidFill>
+                  <a:schemeClr val="tx1"/>
+                </a:solidFill>
+                <a:latin typeface="+mn-lt"/>
+                <a:ea typeface="+mn-ea"/>
+                <a:cs typeface="+mn-cs"/>
+              </a:defRPr>
+            </a:lvl6pPr>
+            <a:lvl7pPr marL="2743200" algn="l" defTabSz="457200" rtl="0" eaLnBrk="1" latinLnBrk="0" hangingPunct="1">
+              <a:defRPr sz="1800" kern="1200">
+                <a:solidFill>
+                  <a:schemeClr val="tx1"/>
+                </a:solidFill>
+                <a:latin typeface="+mn-lt"/>
+                <a:ea typeface="+mn-ea"/>
+                <a:cs typeface="+mn-cs"/>
+              </a:defRPr>
+            </a:lvl7pPr>
+            <a:lvl8pPr marL="3200400" algn="l" defTabSz="457200" rtl="0" eaLnBrk="1" latinLnBrk="0" hangingPunct="1">
+              <a:defRPr sz="1800" kern="1200">
+                <a:solidFill>
+                  <a:schemeClr val="tx1"/>
+                </a:solidFill>
+                <a:latin typeface="+mn-lt"/>
+                <a:ea typeface="+mn-ea"/>
+                <a:cs typeface="+mn-cs"/>
+              </a:defRPr>
+            </a:lvl8pPr>
+            <a:lvl9pPr marL="3657600" algn="l" defTabSz="457200" rtl="0" eaLnBrk="1" latinLnBrk="0" hangingPunct="1">
+              <a:defRPr sz="1800" kern="1200">
+                <a:solidFill>
+                  <a:schemeClr val="tx1"/>
+                </a:solidFill>
+                <a:latin typeface="+mn-lt"/>
+                <a:ea typeface="+mn-ea"/>
+                <a:cs typeface="+mn-cs"/>
+              </a:defRPr>
+            </a:lvl9pPr>
+          </a:lstStyle>
+          <a:p>
+            <a:pPr algn="ctr" rtl="1"/>
+            <a:r>
+              <a:rPr lang="he-IL" sz="3200" dirty="0">
+                <a:solidFill>
+                  <a:schemeClr val="tx1"/>
+                </a:solidFill>
+              </a:rPr>
+              <a:t>סיון תשע"ו - </a:t>
+            </a:r>
+            <a:r>
+              <a:rPr lang="en-US" sz="3200" dirty="0">
+                <a:solidFill>
+                  <a:schemeClr val="tx1"/>
+                </a:solidFill>
+              </a:rPr>
+              <a:t>July 2016</a:t>
+            </a:r>
+          </a:p>
+        </p:txBody>
+      </p:sp>
+      <p:pic>
+        <p:nvPicPr>
+          <p:cNvPr id="2" name="Picture 1"/>
+          <p:cNvPicPr>
+            <a:picLocks noChangeAspect="1"/>
+          </p:cNvPicPr>
+          <p:nvPr/>
+        </p:nvPicPr>
+        <p:blipFill>
+          <a:blip r:embed="rId4">
+            <a:extLst>
+              <a:ext uri="{28A0092B-C50C-407E-A947-70E740481C1C}">
+                <a14:useLocalDpi xmlns:a14="http://schemas.microsoft.com/office/drawing/2010/main" val="0"/>
+              </a:ext>
+            </a:extLst>
+          </a:blip>
+          <a:stretch>
+            <a:fillRect/>
+          </a:stretch>
+        </p:blipFill>
+        <p:spPr>
+          <a:xfrm>
+            <a:off x="11722860" y="6909399"/>
+            <a:ext cx="1065250" cy="1065250"/>
+          </a:xfrm>
+          <a:prstGeom prst="rect">
+            <a:avLst/>
+          </a:prstGeom>
+        </p:spPr>
+      </p:pic>
+      <p:cxnSp>
+        <p:nvCxnSpPr>
+          <p:cNvPr id="7" name="Straight Connector 6"/>
+          <p:cNvCxnSpPr/>
+          <p:nvPr/>
+        </p:nvCxnSpPr>
+        <p:spPr>
+          <a:xfrm>
+            <a:off x="-824" y="8305800"/>
+            <a:ext cx="18001487" cy="0"/>
+          </a:xfrm>
+          <a:prstGeom prst="line">
+            <a:avLst/>
+          </a:prstGeom>
+        </p:spPr>
+        <p:style>
+          <a:lnRef idx="1">
+            <a:schemeClr val="accent1"/>
+          </a:lnRef>
+          <a:fillRef idx="0">
+            <a:schemeClr val="accent1"/>
+          </a:fillRef>
+          <a:effectRef idx="0">
+            <a:schemeClr val="accent1"/>
+          </a:effectRef>
+          <a:fontRef idx="minor">
+            <a:schemeClr val="tx1"/>
+          </a:fontRef>
+        </p:style>
+      </p:cxnSp>
+      <p:pic>
+        <p:nvPicPr>
+          <p:cNvPr id="5" name="Picture 4"/>
+          <p:cNvPicPr>
+            <a:picLocks noChangeAspect="1"/>
+          </p:cNvPicPr>
+          <p:nvPr/>
+        </p:nvPicPr>
+        <p:blipFill>
+          <a:blip r:embed="rId5">
+            <a:extLst>
+              <a:ext uri="{28A0092B-C50C-407E-A947-70E740481C1C}">
+                <a14:useLocalDpi xmlns:a14="http://schemas.microsoft.com/office/drawing/2010/main" val="0"/>
+              </a:ext>
+            </a:extLst>
+          </a:blip>
+          <a:stretch>
+            <a:fillRect/>
+          </a:stretch>
+        </p:blipFill>
+        <p:spPr>
+          <a:xfrm>
+            <a:off x="-824" y="457906"/>
+            <a:ext cx="5166753" cy="980515"/>
+          </a:xfrm>
+          <a:prstGeom prst="rect">
+            <a:avLst/>
+          </a:prstGeom>
+        </p:spPr>
+      </p:pic>
+      <p:grpSp>
+        <p:nvGrpSpPr>
+          <p:cNvPr id="73" name="Group 72"/>
+          <p:cNvGrpSpPr/>
+          <p:nvPr/>
+        </p:nvGrpSpPr>
+        <p:grpSpPr>
+          <a:xfrm>
+            <a:off x="254871" y="8659381"/>
+            <a:ext cx="17490920" cy="7920000"/>
+            <a:chOff x="254871" y="8659381"/>
+            <a:chExt cx="17490920" cy="7920000"/>
+          </a:xfrm>
+        </p:grpSpPr>
+        <p:sp>
+          <p:nvSpPr>
+            <p:cNvPr id="59" name="Rectangle 58"/>
+            <p:cNvSpPr/>
+            <p:nvPr/>
+          </p:nvSpPr>
+          <p:spPr>
+            <a:xfrm>
+              <a:off x="254871" y="8659381"/>
+              <a:ext cx="17490920" cy="7920000"/>
+            </a:xfrm>
+            <a:prstGeom prst="rect">
+              <a:avLst/>
+            </a:prstGeom>
+            <a:noFill/>
+          </p:spPr>
+          <p:style>
+            <a:lnRef idx="2">
+              <a:schemeClr val="accent1">
+                <a:shade val="50000"/>
+              </a:schemeClr>
+            </a:lnRef>
+            <a:fillRef idx="1">
+              <a:schemeClr val="accent1"/>
+            </a:fillRef>
+            <a:effectRef idx="0">
+              <a:schemeClr val="accent1"/>
+            </a:effectRef>
+            <a:fontRef idx="minor">
+              <a:schemeClr val="lt1"/>
+            </a:fontRef>
+          </p:style>
+          <p:txBody>
+            <a:bodyPr rtlCol="1" anchor="ctr"/>
+            <a:lstStyle/>
+            <a:p>
+              <a:pPr algn="ctr"/>
+              <a:endParaRPr lang="he-IL"/>
+            </a:p>
+          </p:txBody>
+        </p:sp>
+        <p:sp>
+          <p:nvSpPr>
+            <p:cNvPr id="68" name="TextBox 67"/>
+            <p:cNvSpPr txBox="1"/>
+            <p:nvPr/>
+          </p:nvSpPr>
+          <p:spPr>
+            <a:xfrm>
+              <a:off x="15867941" y="8659381"/>
+              <a:ext cx="1877438" cy="646331"/>
+            </a:xfrm>
+            <a:prstGeom prst="rect">
+              <a:avLst/>
+            </a:prstGeom>
+            <a:solidFill>
+              <a:schemeClr val="accent1"/>
+            </a:solidFill>
+            <a:ln>
+              <a:noFill/>
+            </a:ln>
+          </p:spPr>
+          <p:style>
+            <a:lnRef idx="0">
+              <a:scrgbClr r="0" g="0" b="0"/>
+            </a:lnRef>
+            <a:fillRef idx="0">
+              <a:scrgbClr r="0" g="0" b="0"/>
+            </a:fillRef>
+            <a:effectRef idx="0">
+              <a:scrgbClr r="0" g="0" b="0"/>
+            </a:effectRef>
+            <a:fontRef idx="minor">
+              <a:schemeClr val="lt1"/>
+            </a:fontRef>
+          </p:style>
+          <p:txBody>
+            <a:bodyPr wrap="none" rtlCol="1">
+              <a:spAutoFit/>
+            </a:bodyPr>
+            <a:lstStyle/>
+            <a:p>
+              <a:pPr algn="r" rtl="1"/>
+              <a:r>
+                <a:rPr lang="he-IL" sz="3600" dirty="0"/>
+                <a:t>אלגוריתם</a:t>
+              </a:r>
+            </a:p>
+          </p:txBody>
+        </p:sp>
+        <p:grpSp>
+          <p:nvGrpSpPr>
+            <p:cNvPr id="70" name="Group 69"/>
+            <p:cNvGrpSpPr/>
+            <p:nvPr/>
+          </p:nvGrpSpPr>
+          <p:grpSpPr>
+            <a:xfrm>
+              <a:off x="604412" y="9659292"/>
+              <a:ext cx="16791013" cy="6863417"/>
+              <a:chOff x="1070822" y="13524301"/>
+              <a:chExt cx="17708244" cy="5537722"/>
+            </a:xfrm>
+          </p:grpSpPr>
+          <p:sp>
+            <p:nvSpPr>
+              <p:cNvPr id="71" name="TextBox 70"/>
+              <p:cNvSpPr txBox="1"/>
+              <p:nvPr/>
+            </p:nvSpPr>
+            <p:spPr>
+              <a:xfrm>
+                <a:off x="1070822" y="13524301"/>
+                <a:ext cx="10708808" cy="5537722"/>
+              </a:xfrm>
+              <a:prstGeom prst="rect">
+                <a:avLst/>
+              </a:prstGeom>
+              <a:noFill/>
+            </p:spPr>
+            <p:txBody>
+              <a:bodyPr wrap="none" rtlCol="1">
+                <a:spAutoFit/>
+              </a:bodyPr>
+              <a:lstStyle/>
+              <a:p>
+                <a:r>
+                  <a:rPr lang="en-US" sz="2800" b="1" dirty="0">
+                    <a:ln w="0"/>
+                  </a:rPr>
+                  <a:t>Encryption</a:t>
+                </a:r>
+              </a:p>
+              <a:p>
+                <a:pPr marL="761970" lvl="1" indent="-380985">
+                  <a:buAutoNum type="arabicPeriod"/>
+                </a:pPr>
+                <a:r>
+                  <a:rPr lang="en-US" sz="2000" dirty="0">
+                    <a:ln w="0"/>
+                  </a:rPr>
+                  <a:t>Assuming </a:t>
+                </a:r>
+                <a:r>
+                  <a:rPr lang="en-US" sz="2000" b="1" dirty="0">
+                    <a:ln w="0"/>
+                  </a:rPr>
+                  <a:t>N</a:t>
+                </a:r>
+                <a:r>
+                  <a:rPr lang="en-US" sz="2000" dirty="0">
+                    <a:ln w="0"/>
+                  </a:rPr>
+                  <a:t> participants, threshold </a:t>
+                </a:r>
+                <a:r>
+                  <a:rPr lang="en-US" sz="2000" b="1" dirty="0">
+                    <a:ln w="0"/>
+                  </a:rPr>
+                  <a:t>K</a:t>
+                </a:r>
+                <a:r>
+                  <a:rPr lang="en-US" sz="2000" dirty="0">
+                    <a:ln w="0"/>
+                  </a:rPr>
+                  <a:t> while 2 &lt;= </a:t>
+                </a:r>
+                <a:r>
+                  <a:rPr lang="en-US" sz="2000" b="1" dirty="0">
+                    <a:ln w="0"/>
+                  </a:rPr>
+                  <a:t>K</a:t>
+                </a:r>
+                <a:r>
+                  <a:rPr lang="en-US" sz="2000" dirty="0">
+                    <a:ln w="0"/>
+                  </a:rPr>
+                  <a:t> &lt;= </a:t>
+                </a:r>
+                <a:r>
+                  <a:rPr lang="en-US" sz="2000" b="1" dirty="0">
+                    <a:ln w="0"/>
+                  </a:rPr>
+                  <a:t>N</a:t>
+                </a:r>
+              </a:p>
+              <a:p>
+                <a:pPr marL="761970" lvl="1" indent="-380985">
+                  <a:buAutoNum type="arabicPeriod"/>
+                </a:pPr>
+                <a:r>
+                  <a:rPr lang="en-US" sz="2000" dirty="0">
+                    <a:ln w="0"/>
+                  </a:rPr>
+                  <a:t>Generating new symmetric key (</a:t>
+                </a:r>
+                <a:r>
+                  <a:rPr lang="en-US" sz="2000" i="1" dirty="0">
+                    <a:ln w="0"/>
+                  </a:rPr>
+                  <a:t>AES</a:t>
+                </a:r>
+                <a:r>
+                  <a:rPr lang="en-US" sz="2000" dirty="0">
+                    <a:ln w="0"/>
+                  </a:rPr>
+                  <a:t>) and encrypting the input data</a:t>
+                </a:r>
+              </a:p>
+              <a:p>
+                <a:pPr marL="761970" lvl="1" indent="-380985">
+                  <a:buAutoNum type="arabicPeriod"/>
+                </a:pPr>
+                <a:r>
+                  <a:rPr lang="en-US" sz="2000" dirty="0">
+                    <a:ln w="0"/>
+                  </a:rPr>
+                  <a:t>Splitting the encrypted data into </a:t>
+                </a:r>
+                <a:r>
+                  <a:rPr lang="en-US" sz="2000" b="1" dirty="0">
+                    <a:ln w="0"/>
+                  </a:rPr>
+                  <a:t>N</a:t>
+                </a:r>
+                <a:r>
+                  <a:rPr lang="en-US" sz="2000" dirty="0">
+                    <a:ln w="0"/>
+                  </a:rPr>
+                  <a:t> shares (</a:t>
+                </a:r>
+                <a:r>
+                  <a:rPr lang="en-US" sz="2000" i="1" dirty="0">
+                    <a:ln w="0"/>
+                  </a:rPr>
+                  <a:t>SSS</a:t>
+                </a:r>
+                <a:r>
+                  <a:rPr lang="en-US" sz="2000" dirty="0">
+                    <a:ln w="0"/>
+                  </a:rPr>
+                  <a:t>)</a:t>
+                </a:r>
+              </a:p>
+              <a:p>
+                <a:pPr marL="761970" lvl="1" indent="-380985">
+                  <a:buAutoNum type="arabicPeriod"/>
+                </a:pPr>
+                <a:r>
+                  <a:rPr lang="en-US" sz="2000" dirty="0">
+                    <a:ln w="0"/>
+                  </a:rPr>
+                  <a:t>Querying the server for all participants public keys</a:t>
+                </a:r>
+              </a:p>
+              <a:p>
+                <a:pPr marL="761970" lvl="1" indent="-380985">
+                  <a:buAutoNum type="arabicPeriod"/>
+                </a:pPr>
+                <a:r>
+                  <a:rPr lang="en-US" sz="2000" dirty="0">
+                    <a:ln w="0"/>
+                  </a:rPr>
+                  <a:t>Encrypting each share with a public key and assign it to a participant accordingly (</a:t>
+                </a:r>
+                <a:r>
+                  <a:rPr lang="en-US" sz="2000" i="1" dirty="0">
+                    <a:ln w="0"/>
+                  </a:rPr>
+                  <a:t>RSA</a:t>
+                </a:r>
+                <a:r>
+                  <a:rPr lang="en-US" sz="2000" dirty="0">
+                    <a:ln w="0"/>
+                  </a:rPr>
+                  <a:t>)</a:t>
+                </a:r>
+              </a:p>
+              <a:p>
+                <a:pPr marL="761970" lvl="1" indent="-380985">
+                  <a:buAutoNum type="arabicPeriod"/>
+                </a:pPr>
+                <a:r>
+                  <a:rPr lang="en-US" sz="2000" dirty="0">
+                    <a:ln w="0"/>
+                  </a:rPr>
+                  <a:t>Requesting the server to create a new transaction</a:t>
+                </a:r>
+              </a:p>
+              <a:p>
+                <a:pPr marL="761970" lvl="1" indent="-380985">
+                  <a:buAutoNum type="arabicPeriod"/>
+                </a:pPr>
+                <a:endParaRPr lang="en-US" sz="2000" dirty="0">
+                  <a:ln w="0"/>
+                </a:endParaRPr>
+              </a:p>
+              <a:p>
+                <a:r>
+                  <a:rPr lang="en-US" sz="2800" b="1" dirty="0">
+                    <a:ln w="0"/>
+                  </a:rPr>
+                  <a:t>Committing Share</a:t>
+                </a:r>
+                <a:r>
+                  <a:rPr lang="en-US" sz="2800" dirty="0">
+                    <a:ln w="0"/>
+                  </a:rPr>
+                  <a:t>:</a:t>
+                </a:r>
+              </a:p>
+              <a:p>
+                <a:pPr marL="761970" lvl="1" indent="-380985">
+                  <a:buAutoNum type="arabicPeriod"/>
+                </a:pPr>
+                <a:r>
+                  <a:rPr lang="en-US" sz="2000" dirty="0">
+                    <a:ln w="0"/>
+                  </a:rPr>
+                  <a:t>Querying the server for own share</a:t>
+                </a:r>
+              </a:p>
+              <a:p>
+                <a:pPr marL="761970" lvl="1" indent="-380985">
+                  <a:buAutoNum type="arabicPeriod"/>
+                </a:pPr>
+                <a:r>
+                  <a:rPr lang="en-US" sz="2000" dirty="0">
+                    <a:ln w="0"/>
+                  </a:rPr>
+                  <a:t>Decrypting the encrypted share using own private key (</a:t>
+                </a:r>
+                <a:r>
+                  <a:rPr lang="en-US" sz="2000" i="1" dirty="0">
+                    <a:ln w="0"/>
+                  </a:rPr>
+                  <a:t>RSA</a:t>
+                </a:r>
+                <a:r>
+                  <a:rPr lang="en-US" sz="2000" dirty="0">
+                    <a:ln w="0"/>
+                  </a:rPr>
+                  <a:t>)</a:t>
+                </a:r>
+              </a:p>
+              <a:p>
+                <a:pPr marL="761970" lvl="1" indent="-380985">
+                  <a:buAutoNum type="arabicPeriod"/>
+                </a:pPr>
+                <a:r>
+                  <a:rPr lang="en-US" sz="2000" dirty="0">
+                    <a:ln w="0"/>
+                  </a:rPr>
+                  <a:t>Querying the server for requestee public key</a:t>
+                </a:r>
+              </a:p>
+              <a:p>
+                <a:pPr marL="761970" lvl="1" indent="-380985">
+                  <a:buFontTx/>
+                  <a:buAutoNum type="arabicPeriod"/>
+                </a:pPr>
+                <a:r>
+                  <a:rPr lang="en-US" sz="2000" dirty="0">
+                    <a:ln w="0"/>
+                  </a:rPr>
+                  <a:t>Encrypting own share with the given public key (</a:t>
+                </a:r>
+                <a:r>
+                  <a:rPr lang="en-US" sz="2000" i="1" dirty="0">
+                    <a:ln w="0"/>
+                  </a:rPr>
+                  <a:t>RSA</a:t>
+                </a:r>
+                <a:r>
+                  <a:rPr lang="en-US" sz="2000" dirty="0">
+                    <a:ln w="0"/>
+                  </a:rPr>
+                  <a:t>)</a:t>
+                </a:r>
+              </a:p>
+              <a:p>
+                <a:pPr marL="761970" lvl="1" indent="-380985">
+                  <a:buAutoNum type="arabicPeriod"/>
+                </a:pPr>
+                <a:r>
+                  <a:rPr lang="en-US" sz="2000" dirty="0">
+                    <a:ln w="0"/>
+                  </a:rPr>
+                  <a:t>Committing the encrypted share back to the server, to be added for the requestee stash.</a:t>
+                </a:r>
+              </a:p>
+              <a:p>
+                <a:pPr marL="761970" lvl="1" indent="-380985">
+                  <a:buAutoNum type="arabicPeriod"/>
+                </a:pPr>
+                <a:endParaRPr lang="en-US" sz="2000" dirty="0">
+                  <a:ln w="0"/>
+                </a:endParaRPr>
+              </a:p>
+              <a:p>
+                <a:r>
+                  <a:rPr lang="en-US" sz="2800" dirty="0">
+                    <a:ln w="0"/>
+                  </a:rPr>
+                  <a:t> </a:t>
+                </a:r>
+                <a:r>
+                  <a:rPr lang="en-US" sz="2800" b="1" dirty="0">
+                    <a:ln w="0"/>
+                  </a:rPr>
+                  <a:t>Decrypting</a:t>
+                </a:r>
+                <a:r>
+                  <a:rPr lang="en-US" sz="2800" dirty="0">
+                    <a:ln w="0"/>
+                  </a:rPr>
+                  <a:t>:</a:t>
+                </a:r>
+              </a:p>
+              <a:p>
+                <a:pPr marL="761970" lvl="1" indent="-380985">
+                  <a:buAutoNum type="arabicPeriod"/>
+                </a:pPr>
+                <a:r>
+                  <a:rPr lang="en-US" sz="2000" dirty="0">
+                    <a:ln w="0"/>
+                  </a:rPr>
+                  <a:t>Querying the server for all shares in own stash</a:t>
+                </a:r>
+              </a:p>
+              <a:p>
+                <a:pPr marL="761970" lvl="1" indent="-380985">
+                  <a:buAutoNum type="arabicPeriod"/>
+                </a:pPr>
+                <a:r>
+                  <a:rPr lang="en-US" sz="2000" dirty="0">
+                    <a:ln w="0"/>
+                  </a:rPr>
+                  <a:t>If number of shares &gt;= </a:t>
+                </a:r>
+                <a:r>
+                  <a:rPr lang="en-US" sz="2000" b="1" dirty="0">
+                    <a:ln w="0"/>
+                  </a:rPr>
+                  <a:t>K</a:t>
+                </a:r>
+                <a:r>
+                  <a:rPr lang="en-US" sz="2000" dirty="0">
+                    <a:ln w="0"/>
+                  </a:rPr>
+                  <a:t>:</a:t>
+                </a:r>
+              </a:p>
+              <a:p>
+                <a:pPr marL="1142954" lvl="2" indent="-380985">
+                  <a:buAutoNum type="arabicPeriod"/>
+                </a:pPr>
+                <a:r>
+                  <a:rPr lang="en-US" sz="2000" dirty="0">
+                    <a:ln w="0"/>
+                  </a:rPr>
+                  <a:t>Decrypt all shares using the private key</a:t>
+                </a:r>
+              </a:p>
+              <a:p>
+                <a:pPr marL="1142954" lvl="2" indent="-380985">
+                  <a:buAutoNum type="arabicPeriod"/>
+                </a:pPr>
+                <a:r>
+                  <a:rPr lang="en-US" sz="2000" dirty="0">
+                    <a:ln w="0"/>
+                  </a:rPr>
+                  <a:t>Join all shares to get the asymmetric key</a:t>
+                </a:r>
+              </a:p>
+              <a:p>
+                <a:pPr marL="1142954" lvl="2" indent="-380985">
+                  <a:buAutoNum type="arabicPeriod"/>
+                </a:pPr>
+                <a:r>
+                  <a:rPr lang="en-US" sz="2000" dirty="0">
+                    <a:ln w="0"/>
+                  </a:rPr>
+                  <a:t>Decrypt the encrypted input data with the asymmetric key</a:t>
+                </a:r>
+              </a:p>
+            </p:txBody>
+          </p:sp>
+          <p:sp>
+            <p:nvSpPr>
+              <p:cNvPr id="72" name="TextBox 71"/>
+              <p:cNvSpPr txBox="1"/>
+              <p:nvPr/>
+            </p:nvSpPr>
+            <p:spPr>
+              <a:xfrm>
+                <a:off x="12148266" y="13527798"/>
+                <a:ext cx="6630800" cy="2309454"/>
+              </a:xfrm>
+              <a:prstGeom prst="rect">
+                <a:avLst/>
+              </a:prstGeom>
+              <a:noFill/>
+            </p:spPr>
+            <p:txBody>
+              <a:bodyPr wrap="square" rtlCol="1">
+                <a:spAutoFit/>
+              </a:bodyPr>
+              <a:lstStyle/>
+              <a:p>
+                <a:r>
+                  <a:rPr lang="en-US" sz="2000" b="1" i="1" dirty="0"/>
+                  <a:t>Terminology:</a:t>
+                </a:r>
+              </a:p>
+              <a:p>
+                <a:r>
+                  <a:rPr lang="en-US" sz="2000" b="1" i="1" dirty="0"/>
+                  <a:t>SSS: Shamir secret sharing</a:t>
+                </a:r>
+              </a:p>
+              <a:p>
+                <a:r>
+                  <a:rPr lang="en-US" sz="2000" b="1" i="1" dirty="0"/>
+                  <a:t>AES: Asymmetric block cipher algorithm</a:t>
+                </a:r>
+              </a:p>
+              <a:p>
+                <a:r>
+                  <a:rPr lang="en-US" sz="2000" b="1" i="1" dirty="0"/>
+                  <a:t>RSA: Public-Private symmetric cryptography algorithm</a:t>
+                </a:r>
+              </a:p>
+              <a:p>
+                <a:r>
+                  <a:rPr lang="en-US" sz="2000" b="1" i="1" dirty="0"/>
+                  <a:t>Share: SSS algorithm output</a:t>
+                </a:r>
+              </a:p>
+              <a:p>
+                <a:r>
+                  <a:rPr lang="en-US" sz="2000" b="1" i="1" dirty="0"/>
+                  <a:t>Stash: Data structure that holds current user shares</a:t>
+                </a:r>
+              </a:p>
+              <a:p>
+                <a:r>
+                  <a:rPr lang="en-US" sz="2000" b="1" i="1" dirty="0"/>
+                  <a:t>Threshold: Number of needed shares to reconstruct the SSS input</a:t>
+                </a:r>
+              </a:p>
+              <a:p>
+                <a:endParaRPr lang="en-US" sz="2000" b="1" i="1" dirty="0"/>
+              </a:p>
+            </p:txBody>
+          </p:sp>
+        </p:grpSp>
+      </p:grpSp>
+      <p:grpSp>
+        <p:nvGrpSpPr>
+          <p:cNvPr id="37" name="Group 36"/>
+          <p:cNvGrpSpPr/>
+          <p:nvPr/>
+        </p:nvGrpSpPr>
+        <p:grpSpPr>
+          <a:xfrm>
+            <a:off x="254459" y="17040752"/>
+            <a:ext cx="17490920" cy="7920000"/>
+            <a:chOff x="254459" y="17040752"/>
+            <a:chExt cx="17490920" cy="7920000"/>
+          </a:xfrm>
+        </p:grpSpPr>
+        <p:grpSp>
+          <p:nvGrpSpPr>
+            <p:cNvPr id="38" name="Group 37"/>
+            <p:cNvGrpSpPr/>
+            <p:nvPr/>
+          </p:nvGrpSpPr>
+          <p:grpSpPr>
+            <a:xfrm>
+              <a:off x="254459" y="17040752"/>
+              <a:ext cx="17490920" cy="7920000"/>
+              <a:chOff x="254459" y="17040752"/>
+              <a:chExt cx="17490920" cy="7920000"/>
+            </a:xfrm>
+          </p:grpSpPr>
+          <p:sp>
+            <p:nvSpPr>
+              <p:cNvPr id="53" name="Rectangle 52"/>
+              <p:cNvSpPr/>
+              <p:nvPr/>
+            </p:nvSpPr>
+            <p:spPr>
+              <a:xfrm>
+                <a:off x="254459" y="17040752"/>
+                <a:ext cx="17490920" cy="7920000"/>
+              </a:xfrm>
+              <a:prstGeom prst="rect">
+                <a:avLst/>
+              </a:prstGeom>
+              <a:noFill/>
+            </p:spPr>
+            <p:style>
+              <a:lnRef idx="2">
+                <a:schemeClr val="accent1">
+                  <a:shade val="50000"/>
+                </a:schemeClr>
+              </a:lnRef>
+              <a:fillRef idx="1">
+                <a:schemeClr val="accent1"/>
+              </a:fillRef>
+              <a:effectRef idx="0">
+                <a:schemeClr val="accent1"/>
+              </a:effectRef>
+              <a:fontRef idx="minor">
+                <a:schemeClr val="lt1"/>
+              </a:fontRef>
+            </p:style>
+            <p:txBody>
+              <a:bodyPr rtlCol="1" anchor="ctr"/>
+              <a:lstStyle/>
+              <a:p>
+                <a:pPr algn="ctr"/>
+                <a:endParaRPr lang="he-IL"/>
+              </a:p>
+            </p:txBody>
+          </p:sp>
+          <p:sp>
+            <p:nvSpPr>
+              <p:cNvPr id="54" name="TextBox 53"/>
+              <p:cNvSpPr txBox="1"/>
+              <p:nvPr/>
+            </p:nvSpPr>
+            <p:spPr>
+              <a:xfrm>
+                <a:off x="14737824" y="17040752"/>
+                <a:ext cx="3007555" cy="646331"/>
+              </a:xfrm>
+              <a:prstGeom prst="rect">
+                <a:avLst/>
+              </a:prstGeom>
+              <a:solidFill>
+                <a:schemeClr val="accent1"/>
+              </a:solidFill>
+              <a:ln>
+                <a:noFill/>
+              </a:ln>
+            </p:spPr>
+            <p:style>
+              <a:lnRef idx="0">
+                <a:scrgbClr r="0" g="0" b="0"/>
+              </a:lnRef>
+              <a:fillRef idx="0">
+                <a:scrgbClr r="0" g="0" b="0"/>
+              </a:fillRef>
+              <a:effectRef idx="0">
+                <a:scrgbClr r="0" g="0" b="0"/>
+              </a:effectRef>
+              <a:fontRef idx="minor">
+                <a:schemeClr val="lt1"/>
+              </a:fontRef>
+            </p:style>
+            <p:txBody>
+              <a:bodyPr wrap="none" rtlCol="1">
+                <a:spAutoFit/>
+              </a:bodyPr>
+              <a:lstStyle/>
+              <a:p>
+                <a:pPr algn="r" rtl="1"/>
+                <a:r>
+                  <a:rPr lang="he-IL" sz="3600" dirty="0"/>
+                  <a:t>יצירת טרנזקציה</a:t>
+                </a:r>
+              </a:p>
+            </p:txBody>
+          </p:sp>
+        </p:grpSp>
+        <p:pic>
+          <p:nvPicPr>
+            <p:cNvPr id="39" name="Content Placeholder 3"/>
+            <p:cNvPicPr>
+              <a:picLocks noChangeAspect="1"/>
+            </p:cNvPicPr>
+            <p:nvPr/>
+          </p:nvPicPr>
+          <p:blipFill>
+            <a:blip r:embed="rId6">
+              <a:extLst>
+                <a:ext uri="{28A0092B-C50C-407E-A947-70E740481C1C}">
+                  <a14:useLocalDpi xmlns:a14="http://schemas.microsoft.com/office/drawing/2010/main" val="0"/>
+                </a:ext>
+              </a:extLst>
+            </a:blip>
+            <a:stretch>
+              <a:fillRect/>
+            </a:stretch>
+          </p:blipFill>
+          <p:spPr>
+            <a:xfrm>
+              <a:off x="458316" y="17810296"/>
+              <a:ext cx="4248472" cy="6380911"/>
+            </a:xfrm>
+            <a:prstGeom prst="rect">
+              <a:avLst/>
+            </a:prstGeom>
+          </p:spPr>
+        </p:pic>
+        <p:pic>
+          <p:nvPicPr>
+            <p:cNvPr id="40" name="Content Placeholder 3"/>
+            <p:cNvPicPr>
+              <a:picLocks noChangeAspect="1"/>
+            </p:cNvPicPr>
+            <p:nvPr/>
+          </p:nvPicPr>
+          <p:blipFill>
+            <a:blip r:embed="rId7">
+              <a:extLst>
+                <a:ext uri="{28A0092B-C50C-407E-A947-70E740481C1C}">
+                  <a14:useLocalDpi xmlns:a14="http://schemas.microsoft.com/office/drawing/2010/main" val="0"/>
+                </a:ext>
+              </a:extLst>
+            </a:blip>
+            <a:stretch>
+              <a:fillRect/>
+            </a:stretch>
+          </p:blipFill>
+          <p:spPr>
+            <a:xfrm>
+              <a:off x="4910645" y="17810296"/>
+              <a:ext cx="4248472" cy="6380911"/>
+            </a:xfrm>
+            <a:prstGeom prst="rect">
+              <a:avLst/>
+            </a:prstGeom>
+          </p:spPr>
+        </p:pic>
+        <p:grpSp>
+          <p:nvGrpSpPr>
+            <p:cNvPr id="41" name="Group 40"/>
+            <p:cNvGrpSpPr/>
+            <p:nvPr/>
+          </p:nvGrpSpPr>
+          <p:grpSpPr>
+            <a:xfrm>
+              <a:off x="9362547" y="18847655"/>
+              <a:ext cx="4257675" cy="5343552"/>
+              <a:chOff x="9362971" y="18255172"/>
+              <a:chExt cx="4257675" cy="5343552"/>
+            </a:xfrm>
+          </p:grpSpPr>
+          <p:pic>
+            <p:nvPicPr>
+              <p:cNvPr id="43" name="Picture 42"/>
+              <p:cNvPicPr>
+                <a:picLocks noChangeAspect="1"/>
+              </p:cNvPicPr>
+              <p:nvPr/>
+            </p:nvPicPr>
+            <p:blipFill>
+              <a:blip r:embed="rId8"/>
+              <a:stretch>
+                <a:fillRect/>
+              </a:stretch>
+            </p:blipFill>
+            <p:spPr>
+              <a:xfrm>
+                <a:off x="9362971" y="21565175"/>
+                <a:ext cx="4253391" cy="2033549"/>
+              </a:xfrm>
+              <a:prstGeom prst="rect">
+                <a:avLst/>
+              </a:prstGeom>
+            </p:spPr>
+          </p:pic>
+          <p:grpSp>
+            <p:nvGrpSpPr>
+              <p:cNvPr id="44" name="Group 43"/>
+              <p:cNvGrpSpPr/>
+              <p:nvPr/>
+            </p:nvGrpSpPr>
+            <p:grpSpPr>
+              <a:xfrm>
+                <a:off x="9362971" y="18255172"/>
+                <a:ext cx="4257675" cy="3259230"/>
+                <a:chOff x="9362971" y="18255172"/>
+                <a:chExt cx="4257675" cy="3259230"/>
+              </a:xfrm>
+            </p:grpSpPr>
+            <p:grpSp>
+              <p:nvGrpSpPr>
+                <p:cNvPr id="45" name="Group 44"/>
+                <p:cNvGrpSpPr/>
+                <p:nvPr/>
+              </p:nvGrpSpPr>
+              <p:grpSpPr>
+                <a:xfrm>
+                  <a:off x="9362971" y="18255172"/>
+                  <a:ext cx="4257675" cy="2603603"/>
+                  <a:chOff x="9362971" y="18255172"/>
+                  <a:chExt cx="4257675" cy="2603603"/>
+                </a:xfrm>
+              </p:grpSpPr>
+              <p:pic>
+                <p:nvPicPr>
+                  <p:cNvPr id="47" name="Picture 46"/>
+                  <p:cNvPicPr>
+                    <a:picLocks noChangeAspect="1"/>
+                  </p:cNvPicPr>
+                  <p:nvPr/>
+                </p:nvPicPr>
+                <p:blipFill>
+                  <a:blip r:embed="rId9"/>
+                  <a:stretch>
+                    <a:fillRect/>
+                  </a:stretch>
+                </p:blipFill>
+                <p:spPr>
+                  <a:xfrm>
+                    <a:off x="9362971" y="18296550"/>
+                    <a:ext cx="4257675" cy="2562225"/>
+                  </a:xfrm>
+                  <a:prstGeom prst="rect">
+                    <a:avLst/>
+                  </a:prstGeom>
+                </p:spPr>
+              </p:pic>
+              <p:grpSp>
+                <p:nvGrpSpPr>
+                  <p:cNvPr id="48" name="Group 47"/>
+                  <p:cNvGrpSpPr/>
+                  <p:nvPr/>
+                </p:nvGrpSpPr>
+                <p:grpSpPr>
+                  <a:xfrm>
+                    <a:off x="9802768" y="18255172"/>
+                    <a:ext cx="3759002" cy="2137729"/>
+                    <a:chOff x="9802768" y="18255172"/>
+                    <a:chExt cx="3759002" cy="2137729"/>
+                  </a:xfrm>
+                </p:grpSpPr>
+                <p:sp>
+                  <p:nvSpPr>
+                    <p:cNvPr id="49" name="Oval 48"/>
+                    <p:cNvSpPr/>
+                    <p:nvPr/>
+                  </p:nvSpPr>
+                  <p:spPr>
+                    <a:xfrm>
+                      <a:off x="12788110" y="19208094"/>
+                      <a:ext cx="773660" cy="728737"/>
+                    </a:xfrm>
+                    <a:prstGeom prst="ellipse">
+                      <a:avLst/>
+                    </a:prstGeom>
+                    <a:noFill/>
+                    <a:ln w="38100">
+                      <a:solidFill>
+                        <a:schemeClr val="accent1">
+                          <a:lumMod val="75000"/>
+                        </a:schemeClr>
+                      </a:solidFill>
+                    </a:ln>
+                  </p:spPr>
+                  <p:style>
+                    <a:lnRef idx="2">
+                      <a:schemeClr val="accent1">
+                        <a:shade val="50000"/>
+                      </a:schemeClr>
+                    </a:lnRef>
+                    <a:fillRef idx="1">
+                      <a:schemeClr val="accent1"/>
+                    </a:fillRef>
+                    <a:effectRef idx="0">
+                      <a:schemeClr val="accent1"/>
+                    </a:effectRef>
+                    <a:fontRef idx="minor">
+                      <a:schemeClr val="lt1"/>
+                    </a:fontRef>
+                  </p:style>
+                  <p:txBody>
+                    <a:bodyPr rtlCol="1" anchor="ctr"/>
+                    <a:lstStyle/>
+                    <a:p>
+                      <a:pPr algn="ctr"/>
+                      <a:endParaRPr lang="he-IL"/>
+                    </a:p>
+                  </p:txBody>
+                </p:sp>
+                <p:cxnSp>
+                  <p:nvCxnSpPr>
+                    <p:cNvPr id="50" name="Straight Arrow Connector 49"/>
+                    <p:cNvCxnSpPr>
+                      <a:stCxn id="52" idx="4"/>
+                      <a:endCxn id="49" idx="0"/>
+                    </p:cNvCxnSpPr>
+                    <p:nvPr/>
+                  </p:nvCxnSpPr>
+                  <p:spPr>
+                    <a:xfrm flipH="1">
+                      <a:off x="13174940" y="18787506"/>
+                      <a:ext cx="76200" cy="420588"/>
+                    </a:xfrm>
+                    <a:prstGeom prst="straightConnector1">
+                      <a:avLst/>
+                    </a:prstGeom>
+                    <a:ln w="38100">
+                      <a:solidFill>
+                        <a:schemeClr val="accent1">
+                          <a:lumMod val="75000"/>
+                        </a:schemeClr>
+                      </a:solidFill>
+                      <a:tailEnd type="triangle"/>
+                    </a:ln>
+                  </p:spPr>
+                  <p:style>
+                    <a:lnRef idx="1">
+                      <a:schemeClr val="accent1"/>
+                    </a:lnRef>
+                    <a:fillRef idx="0">
+                      <a:schemeClr val="accent1"/>
+                    </a:fillRef>
+                    <a:effectRef idx="0">
+                      <a:schemeClr val="accent1"/>
+                    </a:effectRef>
+                    <a:fontRef idx="minor">
+                      <a:schemeClr val="tx1"/>
+                    </a:fontRef>
+                  </p:style>
+                </p:cxnSp>
+                <p:cxnSp>
+                  <p:nvCxnSpPr>
+                    <p:cNvPr id="51" name="Straight Arrow Connector 50"/>
+                    <p:cNvCxnSpPr>
+                      <a:stCxn id="49" idx="3"/>
+                    </p:cNvCxnSpPr>
+                    <p:nvPr/>
+                  </p:nvCxnSpPr>
+                  <p:spPr>
+                    <a:xfrm flipH="1">
+                      <a:off x="9802768" y="19830110"/>
+                      <a:ext cx="3098642" cy="562791"/>
+                    </a:xfrm>
+                    <a:prstGeom prst="straightConnector1">
+                      <a:avLst/>
+                    </a:prstGeom>
+                    <a:ln w="38100">
+                      <a:solidFill>
+                        <a:schemeClr val="accent1">
+                          <a:lumMod val="75000"/>
+                        </a:schemeClr>
+                      </a:solidFill>
+                      <a:tailEnd type="triangle"/>
+                    </a:ln>
+                  </p:spPr>
+                  <p:style>
+                    <a:lnRef idx="1">
+                      <a:schemeClr val="accent1"/>
+                    </a:lnRef>
+                    <a:fillRef idx="0">
+                      <a:schemeClr val="accent1"/>
+                    </a:fillRef>
+                    <a:effectRef idx="0">
+                      <a:schemeClr val="accent1"/>
+                    </a:effectRef>
+                    <a:fontRef idx="minor">
+                      <a:schemeClr val="tx1"/>
+                    </a:fontRef>
+                  </p:style>
+                </p:cxnSp>
+                <p:sp>
+                  <p:nvSpPr>
+                    <p:cNvPr id="52" name="Oval 51"/>
+                    <p:cNvSpPr/>
+                    <p:nvPr/>
+                  </p:nvSpPr>
+                  <p:spPr>
+                    <a:xfrm>
+                      <a:off x="12940510" y="18255172"/>
+                      <a:ext cx="621260" cy="532334"/>
+                    </a:xfrm>
+                    <a:prstGeom prst="ellipse">
+                      <a:avLst/>
+                    </a:prstGeom>
+                    <a:noFill/>
+                    <a:ln w="38100">
+                      <a:solidFill>
+                        <a:schemeClr val="accent1">
+                          <a:lumMod val="75000"/>
+                        </a:schemeClr>
+                      </a:solidFill>
+                    </a:ln>
+                  </p:spPr>
+                  <p:style>
+                    <a:lnRef idx="2">
+                      <a:schemeClr val="accent1">
+                        <a:shade val="50000"/>
+                      </a:schemeClr>
+                    </a:lnRef>
+                    <a:fillRef idx="1">
+                      <a:schemeClr val="accent1"/>
+                    </a:fillRef>
+                    <a:effectRef idx="0">
+                      <a:schemeClr val="accent1"/>
+                    </a:effectRef>
+                    <a:fontRef idx="minor">
+                      <a:schemeClr val="lt1"/>
+                    </a:fontRef>
+                  </p:style>
+                  <p:txBody>
+                    <a:bodyPr rtlCol="1" anchor="ctr"/>
+                    <a:lstStyle/>
+                    <a:p>
+                      <a:pPr algn="ctr"/>
+                      <a:endParaRPr lang="he-IL"/>
+                    </a:p>
+                  </p:txBody>
+                </p:sp>
+              </p:grpSp>
+            </p:grpSp>
+            <p:sp>
+              <p:nvSpPr>
+                <p:cNvPr id="46" name="Down Arrow 45"/>
+                <p:cNvSpPr/>
+                <p:nvPr/>
+              </p:nvSpPr>
+              <p:spPr>
+                <a:xfrm>
+                  <a:off x="11092554" y="20887882"/>
+                  <a:ext cx="519069" cy="626520"/>
+                </a:xfrm>
+                <a:prstGeom prst="downArrow">
+                  <a:avLst/>
+                </a:prstGeom>
+              </p:spPr>
+              <p:style>
+                <a:lnRef idx="2">
+                  <a:schemeClr val="accent1">
+                    <a:shade val="50000"/>
+                  </a:schemeClr>
+                </a:lnRef>
+                <a:fillRef idx="1">
+                  <a:schemeClr val="accent1"/>
+                </a:fillRef>
+                <a:effectRef idx="0">
+                  <a:schemeClr val="accent1"/>
+                </a:effectRef>
+                <a:fontRef idx="minor">
+                  <a:schemeClr val="lt1"/>
+                </a:fontRef>
+              </p:style>
+              <p:txBody>
+                <a:bodyPr rtlCol="1" anchor="ctr"/>
+                <a:lstStyle/>
+                <a:p>
+                  <a:pPr algn="ctr"/>
+                  <a:endParaRPr lang="he-IL"/>
+                </a:p>
+              </p:txBody>
+            </p:sp>
+          </p:grpSp>
+        </p:grpSp>
+        <p:sp>
+          <p:nvSpPr>
+            <p:cNvPr id="42" name="TextBox 41"/>
+            <p:cNvSpPr txBox="1"/>
+            <p:nvPr/>
+          </p:nvSpPr>
+          <p:spPr>
+            <a:xfrm>
+              <a:off x="9362548" y="17816221"/>
+              <a:ext cx="8350728" cy="923330"/>
+            </a:xfrm>
+            <a:prstGeom prst="rect">
+              <a:avLst/>
+            </a:prstGeom>
+            <a:noFill/>
+          </p:spPr>
+          <p:txBody>
+            <a:bodyPr wrap="square" rtlCol="1">
+              <a:spAutoFit/>
+            </a:bodyPr>
+            <a:lstStyle/>
+            <a:p>
+              <a:pPr marL="285750" indent="-285750" algn="r" rtl="1">
+                <a:buFont typeface="Wingdings" panose="05000000000000000000" pitchFamily="2" charset="2"/>
+                <a:buChar char="v"/>
+              </a:pPr>
+              <a:r>
+                <a:rPr lang="he-IL" b="1" dirty="0"/>
+                <a:t>ניצור טרנזקציה עם החברים לקבוצה, ונקבע את סף הפיענוח על 4</a:t>
+              </a:r>
+            </a:p>
+            <a:p>
+              <a:pPr marL="285750" indent="-285750" algn="r" rtl="1">
+                <a:buFont typeface="Wingdings" panose="05000000000000000000" pitchFamily="2" charset="2"/>
+                <a:buChar char="v"/>
+              </a:pPr>
+              <a:r>
+                <a:rPr lang="he-IL" b="1" dirty="0"/>
+                <a:t>נבקש ממשתתפי הקבוצה את חלקם כך שנוכל לפענח את ההודעה</a:t>
+              </a:r>
+            </a:p>
+            <a:p>
+              <a:pPr marL="285750" indent="-285750" algn="r" rtl="1">
+                <a:buFont typeface="Wingdings" panose="05000000000000000000" pitchFamily="2" charset="2"/>
+                <a:buChar char="v"/>
+              </a:pPr>
+              <a:r>
+                <a:rPr lang="he-IL" b="1" dirty="0"/>
+                <a:t>נפענח את ההודעה</a:t>
+              </a:r>
+            </a:p>
+          </p:txBody>
+        </p:sp>
+      </p:grpSp>
+    </p:spTree>
+    <p:extLst>
+      <p:ext uri="{BB962C8B-B14F-4D97-AF65-F5344CB8AC3E}">
+        <p14:creationId xmlns:p14="http://schemas.microsoft.com/office/powerpoint/2010/main" val="2173007975"/>
+      </p:ext>
+    </p:extLst>
+  </p:cSld>
+  <p:clrMapOvr>
+    <a:masterClrMapping/>
+  </p:clrMapOvr>
+</p:sld>
+</file>
+
+<file path=ppt/slides/slide3.xml><?xml version="1.0" encoding="utf-8"?>
+<p:sld xmlns:a="http://schemas.openxmlformats.org/drawingml/2006/main" xmlns:r="http://schemas.openxmlformats.org/officeDocument/2006/relationships" xmlns:p="http://schemas.openxmlformats.org/presentationml/2006/main">
+  <p:cSld>
+    <p:spTree>
+      <p:nvGrpSpPr>
+        <p:cNvPr id="1" name=""/>
+        <p:cNvGrpSpPr/>
+        <p:nvPr/>
+      </p:nvGrpSpPr>
+      <p:grpSpPr>
+        <a:xfrm>
+          <a:off x="0" y="0"/>
+          <a:ext cx="0" cy="0"/>
+          <a:chOff x="0" y="0"/>
+          <a:chExt cx="0" cy="0"/>
+        </a:xfrm>
+      </p:grpSpPr>
+      <p:pic>
+        <p:nvPicPr>
+          <p:cNvPr id="4" name="Picture 3"/>
+          <p:cNvPicPr>
+            <a:picLocks noChangeAspect="1"/>
+          </p:cNvPicPr>
+          <p:nvPr/>
+        </p:nvPicPr>
+        <p:blipFill>
+          <a:blip r:embed="rId2">
+            <a:extLst>
+              <a:ext uri="{28A0092B-C50C-407E-A947-70E740481C1C}">
+                <a14:useLocalDpi xmlns:a14="http://schemas.microsoft.com/office/drawing/2010/main" val="0"/>
+              </a:ext>
+            </a:extLst>
+          </a:blip>
+          <a:stretch>
+            <a:fillRect/>
+          </a:stretch>
+        </p:blipFill>
+        <p:spPr>
+          <a:xfrm>
+            <a:off x="10965854" y="0"/>
+            <a:ext cx="7034809" cy="1364962"/>
+          </a:xfrm>
+          <a:prstGeom prst="rect">
+            <a:avLst/>
+          </a:prstGeom>
+        </p:spPr>
+      </p:pic>
+      <p:sp>
+        <p:nvSpPr>
+          <p:cNvPr id="11" name="Rectangle 10"/>
+          <p:cNvSpPr/>
+          <p:nvPr/>
+        </p:nvSpPr>
+        <p:spPr>
+          <a:xfrm>
+            <a:off x="1564015" y="2055376"/>
+            <a:ext cx="14872633" cy="5565691"/>
+          </a:xfrm>
+          <a:prstGeom prst="rect">
+            <a:avLst/>
+          </a:prstGeom>
+          <a:noFill/>
+          <a:ln>
+            <a:noFill/>
+          </a:ln>
+        </p:spPr>
+        <p:style>
+          <a:lnRef idx="0">
+            <a:scrgbClr r="0" g="0" b="0"/>
+          </a:lnRef>
+          <a:fillRef idx="0">
+            <a:scrgbClr r="0" g="0" b="0"/>
+          </a:fillRef>
+          <a:effectRef idx="0">
+            <a:scrgbClr r="0" g="0" b="0"/>
+          </a:effectRef>
+          <a:fontRef idx="minor">
+            <a:schemeClr val="dk1"/>
+          </a:fontRef>
+        </p:style>
+        <p:txBody>
+          <a:bodyPr wrap="square" lIns="76199" tIns="38100" rIns="76199" bIns="38100">
+            <a:spAutoFit/>
+          </a:bodyPr>
+          <a:lstStyle/>
+          <a:p>
+            <a:pPr algn="ctr"/>
+            <a:r>
+              <a:rPr lang="en-US" sz="6000" b="1" dirty="0" err="1">
+                <a:ln w="0"/>
+                <a:solidFill>
+                  <a:schemeClr val="tx1"/>
+                </a:solidFill>
+                <a:effectLst>
+                  <a:outerShdw blurRad="38100" dist="19050" dir="2700000" algn="tl" rotWithShape="0">
+                    <a:schemeClr val="dk1">
+                      <a:alpha val="40000"/>
+                    </a:schemeClr>
+                  </a:outerShdw>
+                </a:effectLst>
+              </a:rPr>
+              <a:t>BetweenUs</a:t>
+            </a:r>
+            <a:r>
+              <a:rPr lang="en-US" sz="6000" b="1" dirty="0">
+                <a:ln w="0"/>
+                <a:solidFill>
+                  <a:schemeClr val="tx1"/>
+                </a:solidFill>
+                <a:effectLst>
+                  <a:outerShdw blurRad="38100" dist="19050" dir="2700000" algn="tl" rotWithShape="0">
+                    <a:schemeClr val="dk1">
+                      <a:alpha val="40000"/>
+                    </a:schemeClr>
+                  </a:outerShdw>
+                </a:effectLst>
+              </a:rPr>
+              <a:t> – </a:t>
+            </a:r>
+            <a:r>
+              <a:rPr lang="he-IL" sz="6000" b="1" dirty="0">
+                <a:ln w="0"/>
+                <a:solidFill>
+                  <a:schemeClr val="tx1"/>
+                </a:solidFill>
+                <a:effectLst>
+                  <a:outerShdw blurRad="38100" dist="19050" dir="2700000" algn="tl" rotWithShape="0">
+                    <a:schemeClr val="dk1">
+                      <a:alpha val="40000"/>
+                    </a:schemeClr>
+                  </a:outerShdw>
+                </a:effectLst>
+              </a:rPr>
+              <a:t>בֵּינֵינוּ</a:t>
+            </a:r>
+            <a:endParaRPr lang="en-US" sz="6000" b="1" dirty="0">
+              <a:ln w="0"/>
+              <a:solidFill>
+                <a:schemeClr val="tx1"/>
+              </a:solidFill>
+              <a:effectLst>
+                <a:outerShdw blurRad="38100" dist="19050" dir="2700000" algn="tl" rotWithShape="0">
+                  <a:schemeClr val="dk1">
+                    <a:alpha val="40000"/>
+                  </a:schemeClr>
+                </a:outerShdw>
+              </a:effectLst>
+            </a:endParaRPr>
+          </a:p>
+          <a:p>
+            <a:pPr algn="ctr"/>
+            <a:r>
+              <a:rPr lang="en-US" sz="3667" i="1" dirty="0">
+                <a:ln w="0"/>
+                <a:effectLst>
+                  <a:outerShdw blurRad="38100" dist="19050" dir="2700000" algn="tl" rotWithShape="0">
+                    <a:schemeClr val="dk1">
+                      <a:alpha val="40000"/>
+                    </a:schemeClr>
+                  </a:outerShdw>
+                </a:effectLst>
+              </a:rPr>
+              <a:t>Data sharing between participants in a secure manner</a:t>
+            </a:r>
+          </a:p>
+          <a:p>
+            <a:pPr algn="ctr" rtl="1"/>
+            <a:endParaRPr lang="he-IL" sz="3000" i="1" dirty="0">
+              <a:ln w="0"/>
+              <a:solidFill>
+                <a:schemeClr val="tx1"/>
+              </a:solidFill>
+              <a:effectLst>
+                <a:outerShdw blurRad="38100" dist="19050" dir="2700000" algn="tl" rotWithShape="0">
+                  <a:schemeClr val="dk1">
+                    <a:alpha val="40000"/>
+                  </a:schemeClr>
+                </a:outerShdw>
+              </a:effectLst>
+            </a:endParaRPr>
+          </a:p>
+          <a:p>
+            <a:pPr algn="ctr" rtl="1"/>
+            <a:r>
+              <a:rPr lang="he-IL" sz="3000" i="1" dirty="0">
+                <a:ln w="0"/>
+                <a:solidFill>
+                  <a:schemeClr val="tx1"/>
+                </a:solidFill>
+                <a:effectLst>
+                  <a:outerShdw blurRad="38100" dist="19050" dir="2700000" algn="tl" rotWithShape="0">
+                    <a:schemeClr val="dk1">
+                      <a:alpha val="40000"/>
+                    </a:schemeClr>
+                  </a:outerShdw>
+                </a:effectLst>
+              </a:rPr>
+              <a:t>מוגש על ידי:</a:t>
+            </a:r>
+          </a:p>
+          <a:p>
+            <a:pPr algn="ctr" rtl="1"/>
+            <a:r>
+              <a:rPr lang="he-IL" sz="3000" i="1" dirty="0">
+                <a:ln w="0"/>
+                <a:solidFill>
+                  <a:schemeClr val="tx1"/>
+                </a:solidFill>
+                <a:effectLst>
+                  <a:outerShdw blurRad="38100" dist="19050" dir="2700000" algn="tl" rotWithShape="0">
+                    <a:schemeClr val="dk1">
+                      <a:alpha val="40000"/>
+                    </a:schemeClr>
+                  </a:outerShdw>
+                </a:effectLst>
+              </a:rPr>
+              <a:t>לירן בן גידה </a:t>
+            </a:r>
+            <a:r>
+              <a:rPr lang="he-IL" sz="2667" i="1" dirty="0">
+                <a:ln w="0"/>
+                <a:solidFill>
+                  <a:schemeClr val="tx1"/>
+                </a:solidFill>
+                <a:effectLst>
+                  <a:outerShdw blurRad="38100" dist="19050" dir="2700000" algn="tl" rotWithShape="0">
+                    <a:schemeClr val="dk1">
+                      <a:alpha val="40000"/>
+                    </a:schemeClr>
+                  </a:outerShdw>
+                </a:effectLst>
+              </a:rPr>
+              <a:t>–</a:t>
+            </a:r>
+            <a:r>
+              <a:rPr lang="he-IL" sz="3000" i="1" dirty="0">
+                <a:ln w="0"/>
+                <a:solidFill>
+                  <a:schemeClr val="tx1"/>
+                </a:solidFill>
+                <a:effectLst>
+                  <a:outerShdw blurRad="38100" dist="19050" dir="2700000" algn="tl" rotWithShape="0">
+                    <a:schemeClr val="dk1">
+                      <a:alpha val="40000"/>
+                    </a:schemeClr>
+                  </a:outerShdw>
+                </a:effectLst>
+              </a:rPr>
+              <a:t> </a:t>
+            </a:r>
+            <a:r>
+              <a:rPr lang="en-US" sz="2333" i="1" dirty="0">
+                <a:ln w="0"/>
+                <a:solidFill>
+                  <a:schemeClr val="tx1"/>
+                </a:solidFill>
+                <a:effectLst>
+                  <a:outerShdw blurRad="38100" dist="19050" dir="2700000" algn="tl" rotWithShape="0">
+                    <a:schemeClr val="dk1">
+                      <a:alpha val="40000"/>
+                    </a:schemeClr>
+                  </a:outerShdw>
+                </a:effectLst>
+              </a:rPr>
+              <a:t>LiranBG@gmail.com</a:t>
+            </a:r>
+            <a:endParaRPr lang="he-IL" sz="2333" i="1" dirty="0">
+              <a:ln w="0"/>
+              <a:solidFill>
+                <a:schemeClr val="tx1"/>
+              </a:solidFill>
+              <a:effectLst>
+                <a:outerShdw blurRad="38100" dist="19050" dir="2700000" algn="tl" rotWithShape="0">
+                  <a:schemeClr val="dk1">
+                    <a:alpha val="40000"/>
+                  </a:schemeClr>
+                </a:outerShdw>
+              </a:effectLst>
+            </a:endParaRPr>
+          </a:p>
+          <a:p>
+            <a:pPr algn="ctr" rtl="1"/>
+            <a:r>
+              <a:rPr lang="he-IL" sz="3000" i="1" dirty="0">
+                <a:ln w="0"/>
+                <a:solidFill>
+                  <a:schemeClr val="tx1"/>
+                </a:solidFill>
+                <a:effectLst>
+                  <a:outerShdw blurRad="38100" dist="19050" dir="2700000" algn="tl" rotWithShape="0">
+                    <a:schemeClr val="dk1">
+                      <a:alpha val="40000"/>
+                    </a:schemeClr>
+                  </a:outerShdw>
+                </a:effectLst>
+              </a:rPr>
+              <a:t>נדב </a:t>
+            </a:r>
+            <a:r>
+              <a:rPr lang="he-IL" sz="3000" i="1" dirty="0" err="1">
+                <a:ln w="0"/>
+                <a:solidFill>
+                  <a:schemeClr val="tx1"/>
+                </a:solidFill>
+                <a:effectLst>
+                  <a:outerShdw blurRad="38100" dist="19050" dir="2700000" algn="tl" rotWithShape="0">
+                    <a:schemeClr val="dk1">
+                      <a:alpha val="40000"/>
+                    </a:schemeClr>
+                  </a:outerShdw>
+                </a:effectLst>
+              </a:rPr>
+              <a:t>לוצטו</a:t>
+            </a:r>
+            <a:r>
+              <a:rPr lang="he-IL" sz="3000" i="1" dirty="0">
+                <a:ln w="0"/>
+                <a:solidFill>
+                  <a:schemeClr val="tx1"/>
+                </a:solidFill>
+                <a:effectLst>
+                  <a:outerShdw blurRad="38100" dist="19050" dir="2700000" algn="tl" rotWithShape="0">
+                    <a:schemeClr val="dk1">
+                      <a:alpha val="40000"/>
+                    </a:schemeClr>
+                  </a:outerShdw>
+                </a:effectLst>
+              </a:rPr>
+              <a:t> </a:t>
+            </a:r>
+            <a:r>
+              <a:rPr lang="he-IL" sz="2667" i="1" dirty="0">
+                <a:ln w="0"/>
+                <a:solidFill>
+                  <a:schemeClr val="tx1"/>
+                </a:solidFill>
+                <a:effectLst>
+                  <a:outerShdw blurRad="38100" dist="19050" dir="2700000" algn="tl" rotWithShape="0">
+                    <a:schemeClr val="dk1">
+                      <a:alpha val="40000"/>
+                    </a:schemeClr>
+                  </a:outerShdw>
+                </a:effectLst>
+              </a:rPr>
+              <a:t>– </a:t>
+            </a:r>
+            <a:r>
+              <a:rPr lang="en-US" sz="2333" i="1" dirty="0">
+                <a:ln w="0"/>
+                <a:solidFill>
+                  <a:schemeClr val="tx1"/>
+                </a:solidFill>
+                <a:effectLst>
+                  <a:outerShdw blurRad="38100" dist="19050" dir="2700000" algn="tl" rotWithShape="0">
+                    <a:schemeClr val="dk1">
+                      <a:alpha val="40000"/>
+                    </a:schemeClr>
+                  </a:outerShdw>
+                </a:effectLst>
+              </a:rPr>
+              <a:t>Nadav2051@gmail.com</a:t>
+            </a:r>
+            <a:endParaRPr lang="he-IL" sz="2333" i="1" dirty="0">
+              <a:ln w="0"/>
+              <a:solidFill>
+                <a:schemeClr val="tx1"/>
+              </a:solidFill>
+              <a:effectLst>
+                <a:outerShdw blurRad="38100" dist="19050" dir="2700000" algn="tl" rotWithShape="0">
+                  <a:schemeClr val="dk1">
+                    <a:alpha val="40000"/>
+                  </a:schemeClr>
+                </a:outerShdw>
+              </a:effectLst>
+            </a:endParaRPr>
+          </a:p>
+          <a:p>
+            <a:pPr algn="ctr" rtl="1"/>
+            <a:endParaRPr lang="he-IL" sz="3000" i="1" dirty="0">
+              <a:ln w="0"/>
+              <a:solidFill>
+                <a:schemeClr val="tx1"/>
+              </a:solidFill>
+              <a:effectLst>
+                <a:outerShdw blurRad="38100" dist="19050" dir="2700000" algn="tl" rotWithShape="0">
+                  <a:schemeClr val="dk1">
+                    <a:alpha val="40000"/>
+                  </a:schemeClr>
+                </a:outerShdw>
+              </a:effectLst>
+            </a:endParaRPr>
+          </a:p>
+          <a:p>
+            <a:pPr algn="ctr" rtl="1"/>
+            <a:r>
+              <a:rPr lang="he-IL" sz="3000" i="1" dirty="0">
+                <a:ln w="0"/>
+                <a:solidFill>
+                  <a:schemeClr val="tx1"/>
+                </a:solidFill>
+                <a:effectLst>
+                  <a:outerShdw blurRad="38100" dist="19050" dir="2700000" algn="tl" rotWithShape="0">
+                    <a:schemeClr val="dk1">
+                      <a:alpha val="40000"/>
+                    </a:schemeClr>
+                  </a:outerShdw>
+                </a:effectLst>
+              </a:rPr>
+              <a:t>בהנחיית:</a:t>
+            </a:r>
+          </a:p>
+          <a:p>
+            <a:pPr algn="ctr" rtl="1"/>
+            <a:r>
+              <a:rPr lang="he-IL" sz="3000" i="1" dirty="0">
+                <a:ln w="0"/>
+                <a:solidFill>
+                  <a:schemeClr val="tx1"/>
+                </a:solidFill>
+                <a:effectLst>
+                  <a:outerShdw blurRad="38100" dist="19050" dir="2700000" algn="tl" rotWithShape="0">
+                    <a:schemeClr val="dk1">
+                      <a:alpha val="40000"/>
+                    </a:schemeClr>
+                  </a:outerShdw>
+                </a:effectLst>
+              </a:rPr>
+              <a:t>ד"ר ירון </a:t>
+            </a:r>
+            <a:r>
+              <a:rPr lang="he-IL" sz="3000" i="1" dirty="0" err="1">
+                <a:ln w="0"/>
+                <a:solidFill>
+                  <a:schemeClr val="tx1"/>
+                </a:solidFill>
+                <a:effectLst>
+                  <a:outerShdw blurRad="38100" dist="19050" dir="2700000" algn="tl" rotWithShape="0">
+                    <a:schemeClr val="dk1">
+                      <a:alpha val="40000"/>
+                    </a:schemeClr>
+                  </a:outerShdw>
+                </a:effectLst>
+              </a:rPr>
+              <a:t>וינסברג</a:t>
+            </a:r>
+            <a:r>
+              <a:rPr lang="he-IL" sz="3000" i="1" dirty="0">
+                <a:ln w="0"/>
+                <a:solidFill>
+                  <a:schemeClr val="tx1"/>
+                </a:solidFill>
+                <a:effectLst>
+                  <a:outerShdw blurRad="38100" dist="19050" dir="2700000" algn="tl" rotWithShape="0">
+                    <a:schemeClr val="dk1">
+                      <a:alpha val="40000"/>
+                    </a:schemeClr>
+                  </a:outerShdw>
+                </a:effectLst>
+              </a:rPr>
+              <a:t>, </a:t>
+            </a:r>
+            <a:r>
+              <a:rPr lang="en-US" sz="3000" i="1" dirty="0">
+                <a:ln w="0"/>
+                <a:solidFill>
+                  <a:schemeClr val="tx1"/>
+                </a:solidFill>
+                <a:effectLst>
+                  <a:outerShdw blurRad="38100" dist="19050" dir="2700000" algn="tl" rotWithShape="0">
+                    <a:schemeClr val="dk1">
+                      <a:alpha val="40000"/>
+                    </a:schemeClr>
+                  </a:outerShdw>
+                </a:effectLst>
+              </a:rPr>
+              <a:t>IBM</a:t>
+            </a:r>
+            <a:endParaRPr lang="he-IL" sz="3000" i="1" dirty="0">
+              <a:ln w="0"/>
+              <a:solidFill>
+                <a:schemeClr val="tx1"/>
+              </a:solidFill>
+              <a:effectLst>
+                <a:outerShdw blurRad="38100" dist="19050" dir="2700000" algn="tl" rotWithShape="0">
+                  <a:schemeClr val="dk1">
+                    <a:alpha val="40000"/>
+                  </a:schemeClr>
+                </a:outerShdw>
+              </a:effectLst>
+            </a:endParaRPr>
+          </a:p>
+          <a:p>
+            <a:pPr algn="ctr" rtl="1"/>
+            <a:endParaRPr lang="he-IL" sz="3000" i="1" dirty="0">
+              <a:ln w="0"/>
+              <a:solidFill>
+                <a:schemeClr val="tx1"/>
+              </a:solidFill>
+              <a:effectLst>
+                <a:outerShdw blurRad="38100" dist="19050" dir="2700000" algn="tl" rotWithShape="0">
+                  <a:schemeClr val="dk1">
+                    <a:alpha val="40000"/>
+                  </a:schemeClr>
+                </a:outerShdw>
+              </a:effectLst>
+            </a:endParaRPr>
+          </a:p>
+          <a:p>
+            <a:pPr algn="ctr"/>
+            <a:r>
+              <a:rPr lang="en-US" sz="2000" i="1" dirty="0">
+                <a:ln w="0"/>
+                <a:solidFill>
+                  <a:schemeClr val="tx1"/>
+                </a:solidFill>
+                <a:effectLst>
+                  <a:outerShdw blurRad="38100" dist="19050" dir="2700000" algn="tl" rotWithShape="0">
+                    <a:schemeClr val="dk1">
+                      <a:alpha val="40000"/>
+                    </a:schemeClr>
+                  </a:outerShdw>
+                </a:effectLst>
+              </a:rPr>
+              <a:t>Code: @ </a:t>
+            </a:r>
+            <a:r>
+              <a:rPr lang="en-US" sz="2000" i="1" dirty="0">
+                <a:ln w="0"/>
+                <a:solidFill>
+                  <a:schemeClr val="tx1"/>
+                </a:solidFill>
+                <a:effectLst>
+                  <a:outerShdw blurRad="38100" dist="19050" dir="2700000" algn="tl" rotWithShape="0">
+                    <a:schemeClr val="dk1">
+                      <a:alpha val="40000"/>
+                    </a:schemeClr>
+                  </a:outerShdw>
+                </a:effectLst>
+                <a:hlinkClick r:id="rId3"/>
+              </a:rPr>
+              <a:t>https://github.com/liranbg/BetweenUs</a:t>
+            </a:r>
+            <a:r>
+              <a:rPr lang="en-US" sz="2000" i="1" dirty="0">
+                <a:ln w="0"/>
+                <a:solidFill>
+                  <a:schemeClr val="tx1"/>
+                </a:solidFill>
+                <a:effectLst>
+                  <a:outerShdw blurRad="38100" dist="19050" dir="2700000" algn="tl" rotWithShape="0">
+                    <a:schemeClr val="dk1">
+                      <a:alpha val="40000"/>
+                    </a:schemeClr>
+                  </a:outerShdw>
+                </a:effectLst>
+              </a:rPr>
+              <a:t> or</a:t>
+            </a:r>
+          </a:p>
+        </p:txBody>
+      </p:sp>
+      <p:sp>
+        <p:nvSpPr>
+          <p:cNvPr id="13" name="Date Placeholder 11"/>
+          <p:cNvSpPr txBox="1">
+            <a:spLocks/>
+          </p:cNvSpPr>
+          <p:nvPr/>
+        </p:nvSpPr>
+        <p:spPr>
+          <a:xfrm>
+            <a:off x="6022871" y="163285"/>
+            <a:ext cx="3779897" cy="1341665"/>
+          </a:xfrm>
+          <a:prstGeom prst="rect">
+            <a:avLst/>
+          </a:prstGeom>
+        </p:spPr>
+        <p:txBody>
+          <a:bodyPr vert="horz" lIns="76199" tIns="38100" rIns="76199" bIns="38100" rtlCol="0" anchor="ctr"/>
+          <a:lstStyle>
+            <a:defPPr>
+              <a:defRPr lang="en-US"/>
+            </a:defPPr>
+            <a:lvl1pPr marL="0" algn="l" defTabSz="457200" rtl="0" eaLnBrk="1" latinLnBrk="0" hangingPunct="1">
+              <a:defRPr sz="2646" kern="1200">
+                <a:solidFill>
+                  <a:schemeClr val="tx1">
+                    <a:tint val="75000"/>
+                  </a:schemeClr>
+                </a:solidFill>
+                <a:latin typeface="+mn-lt"/>
+                <a:ea typeface="+mn-ea"/>
+                <a:cs typeface="+mn-cs"/>
+              </a:defRPr>
+            </a:lvl1pPr>
+            <a:lvl2pPr marL="457200" algn="l" defTabSz="457200" rtl="0" eaLnBrk="1" latinLnBrk="0" hangingPunct="1">
+              <a:defRPr sz="1800" kern="1200">
+                <a:solidFill>
+                  <a:schemeClr val="tx1"/>
+                </a:solidFill>
+                <a:latin typeface="+mn-lt"/>
+                <a:ea typeface="+mn-ea"/>
+                <a:cs typeface="+mn-cs"/>
+              </a:defRPr>
+            </a:lvl2pPr>
+            <a:lvl3pPr marL="914400" algn="l" defTabSz="457200" rtl="0" eaLnBrk="1" latinLnBrk="0" hangingPunct="1">
+              <a:defRPr sz="1800" kern="1200">
+                <a:solidFill>
+                  <a:schemeClr val="tx1"/>
+                </a:solidFill>
+                <a:latin typeface="+mn-lt"/>
+                <a:ea typeface="+mn-ea"/>
+                <a:cs typeface="+mn-cs"/>
+              </a:defRPr>
+            </a:lvl3pPr>
+            <a:lvl4pPr marL="1371600" algn="l" defTabSz="457200" rtl="0" eaLnBrk="1" latinLnBrk="0" hangingPunct="1">
+              <a:defRPr sz="1800" kern="1200">
+                <a:solidFill>
+                  <a:schemeClr val="tx1"/>
+                </a:solidFill>
+                <a:latin typeface="+mn-lt"/>
+                <a:ea typeface="+mn-ea"/>
+                <a:cs typeface="+mn-cs"/>
+              </a:defRPr>
+            </a:lvl4pPr>
+            <a:lvl5pPr marL="1828800" algn="l" defTabSz="457200" rtl="0" eaLnBrk="1" latinLnBrk="0" hangingPunct="1">
+              <a:defRPr sz="1800" kern="1200">
+                <a:solidFill>
+                  <a:schemeClr val="tx1"/>
+                </a:solidFill>
+                <a:latin typeface="+mn-lt"/>
+                <a:ea typeface="+mn-ea"/>
+                <a:cs typeface="+mn-cs"/>
+              </a:defRPr>
+            </a:lvl5pPr>
+            <a:lvl6pPr marL="2286000" algn="l" defTabSz="457200" rtl="0" eaLnBrk="1" latinLnBrk="0" hangingPunct="1">
+              <a:defRPr sz="1800" kern="1200">
+                <a:solidFill>
+                  <a:schemeClr val="tx1"/>
+                </a:solidFill>
+                <a:latin typeface="+mn-lt"/>
+                <a:ea typeface="+mn-ea"/>
+                <a:cs typeface="+mn-cs"/>
+              </a:defRPr>
+            </a:lvl6pPr>
+            <a:lvl7pPr marL="2743200" algn="l" defTabSz="457200" rtl="0" eaLnBrk="1" latinLnBrk="0" hangingPunct="1">
+              <a:defRPr sz="1800" kern="1200">
+                <a:solidFill>
+                  <a:schemeClr val="tx1"/>
+                </a:solidFill>
+                <a:latin typeface="+mn-lt"/>
+                <a:ea typeface="+mn-ea"/>
+                <a:cs typeface="+mn-cs"/>
+              </a:defRPr>
+            </a:lvl7pPr>
+            <a:lvl8pPr marL="3200400" algn="l" defTabSz="457200" rtl="0" eaLnBrk="1" latinLnBrk="0" hangingPunct="1">
+              <a:defRPr sz="1800" kern="1200">
+                <a:solidFill>
+                  <a:schemeClr val="tx1"/>
+                </a:solidFill>
+                <a:latin typeface="+mn-lt"/>
+                <a:ea typeface="+mn-ea"/>
+                <a:cs typeface="+mn-cs"/>
+              </a:defRPr>
+            </a:lvl8pPr>
+            <a:lvl9pPr marL="3657600" algn="l" defTabSz="457200" rtl="0" eaLnBrk="1" latinLnBrk="0" hangingPunct="1">
+              <a:defRPr sz="1800" kern="1200">
+                <a:solidFill>
+                  <a:schemeClr val="tx1"/>
+                </a:solidFill>
+                <a:latin typeface="+mn-lt"/>
+                <a:ea typeface="+mn-ea"/>
+                <a:cs typeface="+mn-cs"/>
+              </a:defRPr>
+            </a:lvl9pPr>
+          </a:lstStyle>
+          <a:p>
+            <a:pPr algn="ctr" rtl="1"/>
+            <a:r>
+              <a:rPr lang="he-IL" sz="3200" dirty="0">
+                <a:solidFill>
+                  <a:schemeClr val="tx1"/>
+                </a:solidFill>
+              </a:rPr>
+              <a:t>סיון תשע"ו - </a:t>
+            </a:r>
+            <a:r>
+              <a:rPr lang="en-US" sz="3200" dirty="0">
+                <a:solidFill>
+                  <a:schemeClr val="tx1"/>
+                </a:solidFill>
+              </a:rPr>
+              <a:t>July 2016</a:t>
+            </a:r>
+          </a:p>
+        </p:txBody>
+      </p:sp>
+      <p:pic>
+        <p:nvPicPr>
+          <p:cNvPr id="2" name="Picture 1"/>
+          <p:cNvPicPr>
+            <a:picLocks noChangeAspect="1"/>
+          </p:cNvPicPr>
+          <p:nvPr/>
+        </p:nvPicPr>
+        <p:blipFill>
+          <a:blip r:embed="rId4">
+            <a:extLst>
+              <a:ext uri="{28A0092B-C50C-407E-A947-70E740481C1C}">
+                <a14:useLocalDpi xmlns:a14="http://schemas.microsoft.com/office/drawing/2010/main" val="0"/>
+              </a:ext>
+            </a:extLst>
+          </a:blip>
+          <a:stretch>
+            <a:fillRect/>
+          </a:stretch>
+        </p:blipFill>
+        <p:spPr>
+          <a:xfrm>
+            <a:off x="11722860" y="6909399"/>
+            <a:ext cx="1065250" cy="1065250"/>
+          </a:xfrm>
+          <a:prstGeom prst="rect">
+            <a:avLst/>
+          </a:prstGeom>
+        </p:spPr>
+      </p:pic>
+      <p:cxnSp>
+        <p:nvCxnSpPr>
+          <p:cNvPr id="7" name="Straight Connector 6"/>
+          <p:cNvCxnSpPr/>
+          <p:nvPr/>
+        </p:nvCxnSpPr>
+        <p:spPr>
+          <a:xfrm>
+            <a:off x="-824" y="8305800"/>
+            <a:ext cx="18001487" cy="0"/>
+          </a:xfrm>
+          <a:prstGeom prst="line">
+            <a:avLst/>
+          </a:prstGeom>
+        </p:spPr>
+        <p:style>
+          <a:lnRef idx="1">
+            <a:schemeClr val="accent1"/>
+          </a:lnRef>
+          <a:fillRef idx="0">
+            <a:schemeClr val="accent1"/>
+          </a:fillRef>
+          <a:effectRef idx="0">
+            <a:schemeClr val="accent1"/>
+          </a:effectRef>
+          <a:fontRef idx="minor">
+            <a:schemeClr val="tx1"/>
+          </a:fontRef>
+        </p:style>
+      </p:cxnSp>
+      <p:pic>
+        <p:nvPicPr>
+          <p:cNvPr id="5" name="Picture 4"/>
+          <p:cNvPicPr>
+            <a:picLocks noChangeAspect="1"/>
+          </p:cNvPicPr>
+          <p:nvPr/>
+        </p:nvPicPr>
+        <p:blipFill>
+          <a:blip r:embed="rId5">
+            <a:extLst>
+              <a:ext uri="{28A0092B-C50C-407E-A947-70E740481C1C}">
+                <a14:useLocalDpi xmlns:a14="http://schemas.microsoft.com/office/drawing/2010/main" val="0"/>
+              </a:ext>
+            </a:extLst>
+          </a:blip>
+          <a:stretch>
+            <a:fillRect/>
+          </a:stretch>
+        </p:blipFill>
+        <p:spPr>
+          <a:xfrm>
+            <a:off x="-824" y="457906"/>
+            <a:ext cx="5166753" cy="980515"/>
+          </a:xfrm>
+          <a:prstGeom prst="rect">
+            <a:avLst/>
+          </a:prstGeom>
+        </p:spPr>
+      </p:pic>
+      <p:grpSp>
+        <p:nvGrpSpPr>
+          <p:cNvPr id="75" name="Group 74"/>
+          <p:cNvGrpSpPr/>
+          <p:nvPr/>
+        </p:nvGrpSpPr>
+        <p:grpSpPr>
+          <a:xfrm>
+            <a:off x="254871" y="8659381"/>
+            <a:ext cx="17490920" cy="7920000"/>
+            <a:chOff x="254871" y="8659381"/>
+            <a:chExt cx="17490920" cy="7920000"/>
+          </a:xfrm>
+        </p:grpSpPr>
+        <p:grpSp>
+          <p:nvGrpSpPr>
+            <p:cNvPr id="73" name="Group 72"/>
+            <p:cNvGrpSpPr/>
+            <p:nvPr/>
+          </p:nvGrpSpPr>
+          <p:grpSpPr>
+            <a:xfrm>
+              <a:off x="254871" y="8659381"/>
+              <a:ext cx="17490920" cy="7920000"/>
+              <a:chOff x="254871" y="8659381"/>
+              <a:chExt cx="17490920" cy="7920000"/>
+            </a:xfrm>
+          </p:grpSpPr>
+          <p:sp>
+            <p:nvSpPr>
+              <p:cNvPr id="59" name="Rectangle 58"/>
+              <p:cNvSpPr/>
+              <p:nvPr/>
+            </p:nvSpPr>
+            <p:spPr>
+              <a:xfrm>
+                <a:off x="254871" y="8659381"/>
+                <a:ext cx="17490920" cy="7920000"/>
+              </a:xfrm>
+              <a:prstGeom prst="rect">
+                <a:avLst/>
+              </a:prstGeom>
+              <a:noFill/>
+            </p:spPr>
+            <p:style>
+              <a:lnRef idx="2">
+                <a:schemeClr val="accent1">
+                  <a:shade val="50000"/>
+                </a:schemeClr>
+              </a:lnRef>
+              <a:fillRef idx="1">
+                <a:schemeClr val="accent1"/>
+              </a:fillRef>
+              <a:effectRef idx="0">
+                <a:schemeClr val="accent1"/>
+              </a:effectRef>
+              <a:fontRef idx="minor">
+                <a:schemeClr val="lt1"/>
+              </a:fontRef>
+            </p:style>
+            <p:txBody>
+              <a:bodyPr rtlCol="1" anchor="ctr"/>
+              <a:lstStyle/>
+              <a:p>
+                <a:pPr algn="ctr"/>
+                <a:endParaRPr lang="he-IL"/>
+              </a:p>
+            </p:txBody>
+          </p:sp>
+          <p:sp>
+            <p:nvSpPr>
+              <p:cNvPr id="68" name="TextBox 67"/>
+              <p:cNvSpPr txBox="1"/>
+              <p:nvPr/>
+            </p:nvSpPr>
+            <p:spPr>
+              <a:xfrm>
+                <a:off x="15867941" y="8659381"/>
+                <a:ext cx="1877438" cy="646331"/>
+              </a:xfrm>
+              <a:prstGeom prst="rect">
+                <a:avLst/>
+              </a:prstGeom>
+              <a:solidFill>
+                <a:schemeClr val="accent1"/>
+              </a:solidFill>
+              <a:ln>
+                <a:noFill/>
+              </a:ln>
+            </p:spPr>
+            <p:style>
+              <a:lnRef idx="0">
+                <a:scrgbClr r="0" g="0" b="0"/>
+              </a:lnRef>
+              <a:fillRef idx="0">
+                <a:scrgbClr r="0" g="0" b="0"/>
+              </a:fillRef>
+              <a:effectRef idx="0">
+                <a:scrgbClr r="0" g="0" b="0"/>
+              </a:effectRef>
+              <a:fontRef idx="minor">
+                <a:schemeClr val="lt1"/>
+              </a:fontRef>
+            </p:style>
+            <p:txBody>
+              <a:bodyPr wrap="none" rtlCol="1">
+                <a:spAutoFit/>
+              </a:bodyPr>
+              <a:lstStyle/>
+              <a:p>
+                <a:pPr algn="r" rtl="1"/>
+                <a:r>
+                  <a:rPr lang="he-IL" sz="3600" dirty="0"/>
+                  <a:t>אלגוריתם</a:t>
+                </a:r>
+              </a:p>
+            </p:txBody>
+          </p:sp>
+        </p:grpSp>
+        <p:pic>
+          <p:nvPicPr>
+            <p:cNvPr id="74" name="Picture 73"/>
+            <p:cNvPicPr>
+              <a:picLocks noChangeAspect="1"/>
+            </p:cNvPicPr>
+            <p:nvPr/>
+          </p:nvPicPr>
+          <p:blipFill>
+            <a:blip r:embed="rId6">
+              <a:extLst>
+                <a:ext uri="{28A0092B-C50C-407E-A947-70E740481C1C}">
+                  <a14:useLocalDpi xmlns:a14="http://schemas.microsoft.com/office/drawing/2010/main" val="0"/>
+                </a:ext>
+              </a:extLst>
+            </a:blip>
+            <a:stretch>
+              <a:fillRect/>
+            </a:stretch>
+          </p:blipFill>
+          <p:spPr>
+            <a:xfrm>
+              <a:off x="938373" y="9520426"/>
+              <a:ext cx="15911551" cy="6835592"/>
+            </a:xfrm>
+            <a:prstGeom prst="rect">
+              <a:avLst/>
+            </a:prstGeom>
+          </p:spPr>
+        </p:pic>
+      </p:grpSp>
+      <p:grpSp>
+        <p:nvGrpSpPr>
+          <p:cNvPr id="104" name="Group 103"/>
+          <p:cNvGrpSpPr/>
+          <p:nvPr/>
+        </p:nvGrpSpPr>
+        <p:grpSpPr>
+          <a:xfrm>
+            <a:off x="254459" y="17040752"/>
+            <a:ext cx="17490920" cy="7920000"/>
+            <a:chOff x="254459" y="17040752"/>
+            <a:chExt cx="17490920" cy="7920000"/>
+          </a:xfrm>
+        </p:grpSpPr>
+        <p:grpSp>
+          <p:nvGrpSpPr>
+            <p:cNvPr id="102" name="Group 101"/>
+            <p:cNvGrpSpPr/>
+            <p:nvPr/>
+          </p:nvGrpSpPr>
+          <p:grpSpPr>
+            <a:xfrm>
+              <a:off x="254459" y="17040752"/>
+              <a:ext cx="17490920" cy="7920000"/>
+              <a:chOff x="254459" y="17040752"/>
+              <a:chExt cx="17490920" cy="7920000"/>
+            </a:xfrm>
+          </p:grpSpPr>
+          <p:sp>
+            <p:nvSpPr>
+              <p:cNvPr id="67" name="Rectangle 66"/>
+              <p:cNvSpPr/>
+              <p:nvPr/>
+            </p:nvSpPr>
+            <p:spPr>
+              <a:xfrm>
+                <a:off x="254459" y="17040752"/>
+                <a:ext cx="17490920" cy="7920000"/>
+              </a:xfrm>
+              <a:prstGeom prst="rect">
+                <a:avLst/>
+              </a:prstGeom>
+              <a:noFill/>
+            </p:spPr>
+            <p:style>
+              <a:lnRef idx="2">
+                <a:schemeClr val="accent1">
+                  <a:shade val="50000"/>
+                </a:schemeClr>
+              </a:lnRef>
+              <a:fillRef idx="1">
+                <a:schemeClr val="accent1"/>
+              </a:fillRef>
+              <a:effectRef idx="0">
+                <a:schemeClr val="accent1"/>
+              </a:effectRef>
+              <a:fontRef idx="minor">
+                <a:schemeClr val="lt1"/>
+              </a:fontRef>
+            </p:style>
+            <p:txBody>
+              <a:bodyPr rtlCol="1" anchor="ctr"/>
+              <a:lstStyle/>
+              <a:p>
+                <a:pPr algn="ctr"/>
+                <a:endParaRPr lang="he-IL"/>
+              </a:p>
+            </p:txBody>
+          </p:sp>
+          <p:sp>
+            <p:nvSpPr>
+              <p:cNvPr id="69" name="TextBox 68"/>
+              <p:cNvSpPr txBox="1"/>
+              <p:nvPr/>
+            </p:nvSpPr>
+            <p:spPr>
+              <a:xfrm>
+                <a:off x="14737824" y="17040752"/>
+                <a:ext cx="3007555" cy="646331"/>
+              </a:xfrm>
+              <a:prstGeom prst="rect">
+                <a:avLst/>
+              </a:prstGeom>
+              <a:solidFill>
+                <a:schemeClr val="accent1"/>
+              </a:solidFill>
+              <a:ln>
+                <a:noFill/>
+              </a:ln>
+            </p:spPr>
+            <p:style>
+              <a:lnRef idx="0">
+                <a:scrgbClr r="0" g="0" b="0"/>
+              </a:lnRef>
+              <a:fillRef idx="0">
+                <a:scrgbClr r="0" g="0" b="0"/>
+              </a:fillRef>
+              <a:effectRef idx="0">
+                <a:scrgbClr r="0" g="0" b="0"/>
+              </a:effectRef>
+              <a:fontRef idx="minor">
+                <a:schemeClr val="lt1"/>
+              </a:fontRef>
+            </p:style>
+            <p:txBody>
+              <a:bodyPr wrap="none" rtlCol="1">
+                <a:spAutoFit/>
+              </a:bodyPr>
+              <a:lstStyle/>
+              <a:p>
+                <a:pPr algn="r" rtl="1"/>
+                <a:r>
+                  <a:rPr lang="he-IL" sz="3600" dirty="0"/>
+                  <a:t>יצירת טרנזקציה</a:t>
+                </a:r>
+              </a:p>
+            </p:txBody>
+          </p:sp>
+        </p:grpSp>
+        <p:pic>
+          <p:nvPicPr>
+            <p:cNvPr id="76" name="Content Placeholder 3"/>
+            <p:cNvPicPr>
+              <a:picLocks noChangeAspect="1"/>
+            </p:cNvPicPr>
+            <p:nvPr/>
+          </p:nvPicPr>
+          <p:blipFill>
+            <a:blip r:embed="rId7">
+              <a:extLst>
+                <a:ext uri="{28A0092B-C50C-407E-A947-70E740481C1C}">
+                  <a14:useLocalDpi xmlns:a14="http://schemas.microsoft.com/office/drawing/2010/main" val="0"/>
+                </a:ext>
+              </a:extLst>
+            </a:blip>
+            <a:stretch>
+              <a:fillRect/>
+            </a:stretch>
+          </p:blipFill>
+          <p:spPr>
+            <a:xfrm>
+              <a:off x="458316" y="17810296"/>
+              <a:ext cx="4248472" cy="6380911"/>
+            </a:xfrm>
+            <a:prstGeom prst="rect">
+              <a:avLst/>
+            </a:prstGeom>
+          </p:spPr>
+        </p:pic>
+        <p:pic>
+          <p:nvPicPr>
+            <p:cNvPr id="77" name="Content Placeholder 3"/>
+            <p:cNvPicPr>
+              <a:picLocks noChangeAspect="1"/>
+            </p:cNvPicPr>
+            <p:nvPr/>
+          </p:nvPicPr>
+          <p:blipFill>
+            <a:blip r:embed="rId8">
+              <a:extLst>
+                <a:ext uri="{28A0092B-C50C-407E-A947-70E740481C1C}">
+                  <a14:useLocalDpi xmlns:a14="http://schemas.microsoft.com/office/drawing/2010/main" val="0"/>
+                </a:ext>
+              </a:extLst>
+            </a:blip>
+            <a:stretch>
+              <a:fillRect/>
+            </a:stretch>
+          </p:blipFill>
+          <p:spPr>
+            <a:xfrm>
+              <a:off x="4910645" y="17810296"/>
+              <a:ext cx="4248472" cy="6380911"/>
+            </a:xfrm>
+            <a:prstGeom prst="rect">
+              <a:avLst/>
+            </a:prstGeom>
+          </p:spPr>
+        </p:pic>
+        <p:grpSp>
+          <p:nvGrpSpPr>
+            <p:cNvPr id="100" name="Group 99"/>
+            <p:cNvGrpSpPr/>
+            <p:nvPr/>
+          </p:nvGrpSpPr>
+          <p:grpSpPr>
+            <a:xfrm>
+              <a:off x="9362547" y="18847655"/>
+              <a:ext cx="4257675" cy="5343552"/>
+              <a:chOff x="9362971" y="18255172"/>
+              <a:chExt cx="4257675" cy="5343552"/>
+            </a:xfrm>
+          </p:grpSpPr>
+          <p:pic>
+            <p:nvPicPr>
+              <p:cNvPr id="81" name="Picture 80"/>
+              <p:cNvPicPr>
+                <a:picLocks noChangeAspect="1"/>
+              </p:cNvPicPr>
+              <p:nvPr/>
+            </p:nvPicPr>
+            <p:blipFill>
+              <a:blip r:embed="rId9"/>
+              <a:stretch>
+                <a:fillRect/>
+              </a:stretch>
+            </p:blipFill>
+            <p:spPr>
+              <a:xfrm>
+                <a:off x="9362971" y="21565175"/>
+                <a:ext cx="4253391" cy="2033549"/>
+              </a:xfrm>
+              <a:prstGeom prst="rect">
+                <a:avLst/>
+              </a:prstGeom>
+            </p:spPr>
+          </p:pic>
+          <p:grpSp>
+            <p:nvGrpSpPr>
+              <p:cNvPr id="99" name="Group 98"/>
+              <p:cNvGrpSpPr/>
+              <p:nvPr/>
+            </p:nvGrpSpPr>
+            <p:grpSpPr>
+              <a:xfrm>
+                <a:off x="9362971" y="18255172"/>
+                <a:ext cx="4257675" cy="3259230"/>
+                <a:chOff x="9362971" y="18255172"/>
+                <a:chExt cx="4257675" cy="3259230"/>
+              </a:xfrm>
+            </p:grpSpPr>
+            <p:grpSp>
+              <p:nvGrpSpPr>
+                <p:cNvPr id="98" name="Group 97"/>
+                <p:cNvGrpSpPr/>
+                <p:nvPr/>
+              </p:nvGrpSpPr>
+              <p:grpSpPr>
+                <a:xfrm>
+                  <a:off x="9362971" y="18255172"/>
+                  <a:ext cx="4257675" cy="2603603"/>
+                  <a:chOff x="9362971" y="18255172"/>
+                  <a:chExt cx="4257675" cy="2603603"/>
+                </a:xfrm>
+              </p:grpSpPr>
+              <p:pic>
+                <p:nvPicPr>
+                  <p:cNvPr id="83" name="Picture 82"/>
+                  <p:cNvPicPr>
+                    <a:picLocks noChangeAspect="1"/>
+                  </p:cNvPicPr>
+                  <p:nvPr/>
+                </p:nvPicPr>
+                <p:blipFill>
+                  <a:blip r:embed="rId10"/>
+                  <a:stretch>
+                    <a:fillRect/>
+                  </a:stretch>
+                </p:blipFill>
+                <p:spPr>
+                  <a:xfrm>
+                    <a:off x="9362971" y="18296550"/>
+                    <a:ext cx="4257675" cy="2562225"/>
+                  </a:xfrm>
+                  <a:prstGeom prst="rect">
+                    <a:avLst/>
+                  </a:prstGeom>
+                </p:spPr>
+              </p:pic>
+              <p:grpSp>
+                <p:nvGrpSpPr>
+                  <p:cNvPr id="97" name="Group 96"/>
+                  <p:cNvGrpSpPr/>
+                  <p:nvPr/>
+                </p:nvGrpSpPr>
+                <p:grpSpPr>
+                  <a:xfrm>
+                    <a:off x="9802768" y="18255172"/>
+                    <a:ext cx="3759002" cy="2137729"/>
+                    <a:chOff x="9802768" y="18255172"/>
+                    <a:chExt cx="3759002" cy="2137729"/>
+                  </a:xfrm>
+                </p:grpSpPr>
+                <p:sp>
+                  <p:nvSpPr>
+                    <p:cNvPr id="85" name="Oval 84"/>
+                    <p:cNvSpPr/>
+                    <p:nvPr/>
+                  </p:nvSpPr>
+                  <p:spPr>
+                    <a:xfrm>
+                      <a:off x="12788110" y="19208094"/>
+                      <a:ext cx="773660" cy="728737"/>
+                    </a:xfrm>
+                    <a:prstGeom prst="ellipse">
+                      <a:avLst/>
+                    </a:prstGeom>
+                    <a:noFill/>
+                    <a:ln w="38100">
+                      <a:solidFill>
+                        <a:schemeClr val="accent1">
+                          <a:lumMod val="75000"/>
+                        </a:schemeClr>
+                      </a:solidFill>
+                    </a:ln>
+                  </p:spPr>
+                  <p:style>
+                    <a:lnRef idx="2">
+                      <a:schemeClr val="accent1">
+                        <a:shade val="50000"/>
+                      </a:schemeClr>
+                    </a:lnRef>
+                    <a:fillRef idx="1">
+                      <a:schemeClr val="accent1"/>
+                    </a:fillRef>
+                    <a:effectRef idx="0">
+                      <a:schemeClr val="accent1"/>
+                    </a:effectRef>
+                    <a:fontRef idx="minor">
+                      <a:schemeClr val="lt1"/>
+                    </a:fontRef>
+                  </p:style>
+                  <p:txBody>
+                    <a:bodyPr rtlCol="1" anchor="ctr"/>
+                    <a:lstStyle/>
+                    <a:p>
+                      <a:pPr algn="ctr"/>
+                      <a:endParaRPr lang="he-IL"/>
+                    </a:p>
+                  </p:txBody>
+                </p:sp>
+                <p:cxnSp>
+                  <p:nvCxnSpPr>
+                    <p:cNvPr id="88" name="Straight Arrow Connector 87"/>
+                    <p:cNvCxnSpPr>
+                      <a:stCxn id="93" idx="4"/>
+                      <a:endCxn id="85" idx="0"/>
+                    </p:cNvCxnSpPr>
+                    <p:nvPr/>
+                  </p:nvCxnSpPr>
+                  <p:spPr>
+                    <a:xfrm flipH="1">
+                      <a:off x="13174940" y="18787506"/>
+                      <a:ext cx="76200" cy="420588"/>
+                    </a:xfrm>
+                    <a:prstGeom prst="straightConnector1">
+                      <a:avLst/>
+                    </a:prstGeom>
+                    <a:ln w="38100">
+                      <a:solidFill>
+                        <a:schemeClr val="accent1">
+                          <a:lumMod val="75000"/>
+                        </a:schemeClr>
+                      </a:solidFill>
+                      <a:tailEnd type="triangle"/>
+                    </a:ln>
+                  </p:spPr>
+                  <p:style>
+                    <a:lnRef idx="1">
+                      <a:schemeClr val="accent1"/>
+                    </a:lnRef>
+                    <a:fillRef idx="0">
+                      <a:schemeClr val="accent1"/>
+                    </a:fillRef>
+                    <a:effectRef idx="0">
+                      <a:schemeClr val="accent1"/>
+                    </a:effectRef>
+                    <a:fontRef idx="minor">
+                      <a:schemeClr val="tx1"/>
+                    </a:fontRef>
+                  </p:style>
+                </p:cxnSp>
+                <p:cxnSp>
+                  <p:nvCxnSpPr>
+                    <p:cNvPr id="90" name="Straight Arrow Connector 89"/>
+                    <p:cNvCxnSpPr>
+                      <a:stCxn id="85" idx="3"/>
+                    </p:cNvCxnSpPr>
+                    <p:nvPr/>
+                  </p:nvCxnSpPr>
+                  <p:spPr>
+                    <a:xfrm flipH="1">
+                      <a:off x="9802768" y="19830110"/>
+                      <a:ext cx="3098642" cy="562791"/>
+                    </a:xfrm>
+                    <a:prstGeom prst="straightConnector1">
+                      <a:avLst/>
+                    </a:prstGeom>
+                    <a:ln w="38100">
+                      <a:solidFill>
+                        <a:schemeClr val="accent1">
+                          <a:lumMod val="75000"/>
+                        </a:schemeClr>
+                      </a:solidFill>
+                      <a:tailEnd type="triangle"/>
+                    </a:ln>
+                  </p:spPr>
+                  <p:style>
+                    <a:lnRef idx="1">
+                      <a:schemeClr val="accent1"/>
+                    </a:lnRef>
+                    <a:fillRef idx="0">
+                      <a:schemeClr val="accent1"/>
+                    </a:fillRef>
+                    <a:effectRef idx="0">
+                      <a:schemeClr val="accent1"/>
+                    </a:effectRef>
+                    <a:fontRef idx="minor">
+                      <a:schemeClr val="tx1"/>
+                    </a:fontRef>
+                  </p:style>
+                </p:cxnSp>
+                <p:sp>
+                  <p:nvSpPr>
+                    <p:cNvPr id="93" name="Oval 92"/>
+                    <p:cNvSpPr/>
+                    <p:nvPr/>
+                  </p:nvSpPr>
+                  <p:spPr>
+                    <a:xfrm>
+                      <a:off x="12940510" y="18255172"/>
+                      <a:ext cx="621260" cy="532334"/>
+                    </a:xfrm>
+                    <a:prstGeom prst="ellipse">
+                      <a:avLst/>
+                    </a:prstGeom>
+                    <a:noFill/>
+                    <a:ln w="38100">
+                      <a:solidFill>
+                        <a:schemeClr val="accent1">
+                          <a:lumMod val="75000"/>
+                        </a:schemeClr>
+                      </a:solidFill>
+                    </a:ln>
+                  </p:spPr>
+                  <p:style>
+                    <a:lnRef idx="2">
+                      <a:schemeClr val="accent1">
+                        <a:shade val="50000"/>
+                      </a:schemeClr>
+                    </a:lnRef>
+                    <a:fillRef idx="1">
+                      <a:schemeClr val="accent1"/>
+                    </a:fillRef>
+                    <a:effectRef idx="0">
+                      <a:schemeClr val="accent1"/>
+                    </a:effectRef>
+                    <a:fontRef idx="minor">
+                      <a:schemeClr val="lt1"/>
+                    </a:fontRef>
+                  </p:style>
+                  <p:txBody>
+                    <a:bodyPr rtlCol="1" anchor="ctr"/>
+                    <a:lstStyle/>
+                    <a:p>
+                      <a:pPr algn="ctr"/>
+                      <a:endParaRPr lang="he-IL"/>
+                    </a:p>
+                  </p:txBody>
+                </p:sp>
+              </p:grpSp>
+            </p:grpSp>
+            <p:sp>
+              <p:nvSpPr>
+                <p:cNvPr id="96" name="Down Arrow 95"/>
+                <p:cNvSpPr/>
+                <p:nvPr/>
+              </p:nvSpPr>
+              <p:spPr>
+                <a:xfrm>
+                  <a:off x="11092554" y="20887882"/>
+                  <a:ext cx="519069" cy="626520"/>
+                </a:xfrm>
+                <a:prstGeom prst="downArrow">
+                  <a:avLst/>
+                </a:prstGeom>
+              </p:spPr>
+              <p:style>
+                <a:lnRef idx="2">
+                  <a:schemeClr val="accent1">
+                    <a:shade val="50000"/>
+                  </a:schemeClr>
+                </a:lnRef>
+                <a:fillRef idx="1">
+                  <a:schemeClr val="accent1"/>
+                </a:fillRef>
+                <a:effectRef idx="0">
+                  <a:schemeClr val="accent1"/>
+                </a:effectRef>
+                <a:fontRef idx="minor">
+                  <a:schemeClr val="lt1"/>
+                </a:fontRef>
+              </p:style>
+              <p:txBody>
+                <a:bodyPr rtlCol="1" anchor="ctr"/>
+                <a:lstStyle/>
+                <a:p>
+                  <a:pPr algn="ctr"/>
+                  <a:endParaRPr lang="he-IL"/>
+                </a:p>
+              </p:txBody>
+            </p:sp>
+          </p:grpSp>
+        </p:grpSp>
+        <p:sp>
+          <p:nvSpPr>
+            <p:cNvPr id="103" name="TextBox 102"/>
+            <p:cNvSpPr txBox="1"/>
+            <p:nvPr/>
+          </p:nvSpPr>
+          <p:spPr>
+            <a:xfrm>
+              <a:off x="9362548" y="17816221"/>
+              <a:ext cx="8350728" cy="923330"/>
+            </a:xfrm>
+            <a:prstGeom prst="rect">
+              <a:avLst/>
+            </a:prstGeom>
+            <a:noFill/>
+          </p:spPr>
+          <p:txBody>
+            <a:bodyPr wrap="square" rtlCol="1">
+              <a:spAutoFit/>
+            </a:bodyPr>
+            <a:lstStyle/>
+            <a:p>
+              <a:pPr marL="285750" indent="-285750" algn="r" rtl="1">
+                <a:buFont typeface="Wingdings" panose="05000000000000000000" pitchFamily="2" charset="2"/>
+                <a:buChar char="v"/>
+              </a:pPr>
+              <a:r>
+                <a:rPr lang="he-IL" b="1" dirty="0"/>
+                <a:t>ניצור טרנזקציה עם החברים לקבוצה, ונקבע את סף הפיענוח על 4</a:t>
+              </a:r>
+            </a:p>
+            <a:p>
+              <a:pPr marL="285750" indent="-285750" algn="r" rtl="1">
+                <a:buFont typeface="Wingdings" panose="05000000000000000000" pitchFamily="2" charset="2"/>
+                <a:buChar char="v"/>
+              </a:pPr>
+              <a:r>
+                <a:rPr lang="he-IL" b="1" dirty="0"/>
+                <a:t>נבקש ממשתתפי הקבוצה את חלקם כך שנוכל לפענח את ההודעה</a:t>
+              </a:r>
+            </a:p>
+            <a:p>
+              <a:pPr marL="285750" indent="-285750" algn="r" rtl="1">
+                <a:buFont typeface="Wingdings" panose="05000000000000000000" pitchFamily="2" charset="2"/>
+                <a:buChar char="v"/>
+              </a:pPr>
+              <a:r>
+                <a:rPr lang="he-IL" b="1" dirty="0"/>
+                <a:t>נפענח את ההודעה</a:t>
+              </a:r>
+            </a:p>
+          </p:txBody>
+        </p:sp>
+      </p:grpSp>
+    </p:spTree>
+    <p:extLst>
+      <p:ext uri="{BB962C8B-B14F-4D97-AF65-F5344CB8AC3E}">
+        <p14:creationId xmlns:p14="http://schemas.microsoft.com/office/powerpoint/2010/main" val="1075902739"/>
+      </p:ext>
+    </p:extLst>
+  </p:cSld>
+  <p:clrMapOvr>
+    <a:masterClrMapping/>
+  </p:clrMapOvr>
+</p:sld>
+</file>
+
 <file path=ppt/theme/theme1.xml><?xml version="1.0" encoding="utf-8"?>
 <a:theme xmlns:a="http://schemas.openxmlformats.org/drawingml/2006/main" name="Office Theme">
   <a:themeElements>

--- a/Poster.pptx
+++ b/Poster.pptx
@@ -2,7 +2,7 @@
 <file path=ppt/presentation.xml><?xml version="1.0" encoding="utf-8"?>
 <p:presentation xmlns:a="http://schemas.openxmlformats.org/drawingml/2006/main" xmlns:r="http://schemas.openxmlformats.org/officeDocument/2006/relationships" xmlns:p="http://schemas.openxmlformats.org/presentationml/2006/main" saveSubsetFonts="1">
   <p:sldMasterIdLst>
-    <p:sldMasterId id="2147483696" r:id="rId1"/>
+    <p:sldMasterId id="2147483720" r:id="rId1"/>
   </p:sldMasterIdLst>
   <p:notesMasterIdLst>
     <p:notesMasterId r:id="rId5"/>
@@ -16,9 +16,9 @@
   <p:notesSz cx="6858000" cy="9144000"/>
   <p:defaultTextStyle>
     <a:defPPr>
-      <a:defRPr lang="en-US"/>
+      <a:defRPr lang="he-IL"/>
     </a:defPPr>
-    <a:lvl1pPr marL="0" algn="l" defTabSz="457200" rtl="0" eaLnBrk="1" latinLnBrk="0" hangingPunct="1">
+    <a:lvl1pPr marL="0" algn="l" defTabSz="914400" rtl="0" eaLnBrk="1" latinLnBrk="0" hangingPunct="1">
       <a:defRPr sz="1800" kern="1200">
         <a:solidFill>
           <a:schemeClr val="tx1"/>
@@ -28,7 +28,7 @@
         <a:cs typeface="+mn-cs"/>
       </a:defRPr>
     </a:lvl1pPr>
-    <a:lvl2pPr marL="457200" algn="l" defTabSz="457200" rtl="0" eaLnBrk="1" latinLnBrk="0" hangingPunct="1">
+    <a:lvl2pPr marL="457200" algn="l" defTabSz="914400" rtl="0" eaLnBrk="1" latinLnBrk="0" hangingPunct="1">
       <a:defRPr sz="1800" kern="1200">
         <a:solidFill>
           <a:schemeClr val="tx1"/>
@@ -38,7 +38,7 @@
         <a:cs typeface="+mn-cs"/>
       </a:defRPr>
     </a:lvl2pPr>
-    <a:lvl3pPr marL="914400" algn="l" defTabSz="457200" rtl="0" eaLnBrk="1" latinLnBrk="0" hangingPunct="1">
+    <a:lvl3pPr marL="914400" algn="l" defTabSz="914400" rtl="0" eaLnBrk="1" latinLnBrk="0" hangingPunct="1">
       <a:defRPr sz="1800" kern="1200">
         <a:solidFill>
           <a:schemeClr val="tx1"/>
@@ -48,7 +48,7 @@
         <a:cs typeface="+mn-cs"/>
       </a:defRPr>
     </a:lvl3pPr>
-    <a:lvl4pPr marL="1371600" algn="l" defTabSz="457200" rtl="0" eaLnBrk="1" latinLnBrk="0" hangingPunct="1">
+    <a:lvl4pPr marL="1371600" algn="l" defTabSz="914400" rtl="0" eaLnBrk="1" latinLnBrk="0" hangingPunct="1">
       <a:defRPr sz="1800" kern="1200">
         <a:solidFill>
           <a:schemeClr val="tx1"/>
@@ -58,7 +58,7 @@
         <a:cs typeface="+mn-cs"/>
       </a:defRPr>
     </a:lvl4pPr>
-    <a:lvl5pPr marL="1828800" algn="l" defTabSz="457200" rtl="0" eaLnBrk="1" latinLnBrk="0" hangingPunct="1">
+    <a:lvl5pPr marL="1828800" algn="l" defTabSz="914400" rtl="0" eaLnBrk="1" latinLnBrk="0" hangingPunct="1">
       <a:defRPr sz="1800" kern="1200">
         <a:solidFill>
           <a:schemeClr val="tx1"/>
@@ -68,7 +68,7 @@
         <a:cs typeface="+mn-cs"/>
       </a:defRPr>
     </a:lvl5pPr>
-    <a:lvl6pPr marL="2286000" algn="l" defTabSz="457200" rtl="0" eaLnBrk="1" latinLnBrk="0" hangingPunct="1">
+    <a:lvl6pPr marL="2286000" algn="l" defTabSz="914400" rtl="0" eaLnBrk="1" latinLnBrk="0" hangingPunct="1">
       <a:defRPr sz="1800" kern="1200">
         <a:solidFill>
           <a:schemeClr val="tx1"/>
@@ -78,7 +78,7 @@
         <a:cs typeface="+mn-cs"/>
       </a:defRPr>
     </a:lvl6pPr>
-    <a:lvl7pPr marL="2743200" algn="l" defTabSz="457200" rtl="0" eaLnBrk="1" latinLnBrk="0" hangingPunct="1">
+    <a:lvl7pPr marL="2743200" algn="l" defTabSz="914400" rtl="0" eaLnBrk="1" latinLnBrk="0" hangingPunct="1">
       <a:defRPr sz="1800" kern="1200">
         <a:solidFill>
           <a:schemeClr val="tx1"/>
@@ -88,7 +88,7 @@
         <a:cs typeface="+mn-cs"/>
       </a:defRPr>
     </a:lvl7pPr>
-    <a:lvl8pPr marL="3200400" algn="l" defTabSz="457200" rtl="0" eaLnBrk="1" latinLnBrk="0" hangingPunct="1">
+    <a:lvl8pPr marL="3200400" algn="l" defTabSz="914400" rtl="0" eaLnBrk="1" latinLnBrk="0" hangingPunct="1">
       <a:defRPr sz="1800" kern="1200">
         <a:solidFill>
           <a:schemeClr val="tx1"/>
@@ -98,7 +98,7 @@
         <a:cs typeface="+mn-cs"/>
       </a:defRPr>
     </a:lvl8pPr>
-    <a:lvl9pPr marL="3657600" algn="l" defTabSz="457200" rtl="0" eaLnBrk="1" latinLnBrk="0" hangingPunct="1">
+    <a:lvl9pPr marL="3657600" algn="l" defTabSz="914400" rtl="0" eaLnBrk="1" latinLnBrk="0" hangingPunct="1">
       <a:defRPr sz="1800" kern="1200">
         <a:solidFill>
           <a:schemeClr val="tx1"/>
@@ -496,15 +496,15 @@
         </p:nvSpPr>
         <p:spPr>
           <a:xfrm>
-            <a:off x="1350050" y="4124164"/>
-            <a:ext cx="15300564" cy="8773325"/>
+            <a:off x="2250083" y="4124164"/>
+            <a:ext cx="13500497" cy="8773325"/>
           </a:xfrm>
         </p:spPr>
         <p:txBody>
           <a:bodyPr anchor="b"/>
           <a:lstStyle>
             <a:lvl1pPr algn="ctr">
-              <a:defRPr sz="11812"/>
+              <a:defRPr sz="8858"/>
             </a:lvl1pPr>
           </a:lstStyle>
           <a:p>
@@ -512,7 +512,7 @@
               <a:rPr lang="en-US"/>
               <a:t>Click to edit Master title style</a:t>
             </a:r>
-            <a:endParaRPr lang="en-US" dirty="0"/>
+            <a:endParaRPr lang="he-IL"/>
           </a:p>
         </p:txBody>
       </p:sp>
@@ -537,39 +537,39 @@
           <a:lstStyle>
             <a:lvl1pPr marL="0" indent="0" algn="ctr">
               <a:buNone/>
-              <a:defRPr sz="4725"/>
+              <a:defRPr sz="3543"/>
             </a:lvl1pPr>
-            <a:lvl2pPr marL="900044" indent="0" algn="ctr">
+            <a:lvl2pPr marL="675010" indent="0" algn="ctr">
               <a:buNone/>
-              <a:defRPr sz="3937"/>
+              <a:defRPr sz="2953"/>
             </a:lvl2pPr>
-            <a:lvl3pPr marL="1800088" indent="0" algn="ctr">
+            <a:lvl3pPr marL="1350020" indent="0" algn="ctr">
               <a:buNone/>
-              <a:defRPr sz="3543"/>
+              <a:defRPr sz="2658"/>
             </a:lvl3pPr>
-            <a:lvl4pPr marL="2700132" indent="0" algn="ctr">
+            <a:lvl4pPr marL="2025030" indent="0" algn="ctr">
               <a:buNone/>
-              <a:defRPr sz="3150"/>
+              <a:defRPr sz="2362"/>
             </a:lvl4pPr>
-            <a:lvl5pPr marL="3600176" indent="0" algn="ctr">
+            <a:lvl5pPr marL="2700040" indent="0" algn="ctr">
               <a:buNone/>
-              <a:defRPr sz="3150"/>
+              <a:defRPr sz="2362"/>
             </a:lvl5pPr>
-            <a:lvl6pPr marL="4500220" indent="0" algn="ctr">
+            <a:lvl6pPr marL="3375050" indent="0" algn="ctr">
               <a:buNone/>
-              <a:defRPr sz="3150"/>
+              <a:defRPr sz="2362"/>
             </a:lvl6pPr>
-            <a:lvl7pPr marL="5400264" indent="0" algn="ctr">
+            <a:lvl7pPr marL="4050060" indent="0" algn="ctr">
               <a:buNone/>
-              <a:defRPr sz="3150"/>
+              <a:defRPr sz="2362"/>
             </a:lvl7pPr>
-            <a:lvl8pPr marL="6300307" indent="0" algn="ctr">
+            <a:lvl8pPr marL="4725071" indent="0" algn="ctr">
               <a:buNone/>
-              <a:defRPr sz="3150"/>
+              <a:defRPr sz="2362"/>
             </a:lvl8pPr>
-            <a:lvl9pPr marL="7200351" indent="0" algn="ctr">
+            <a:lvl9pPr marL="5400081" indent="0" algn="ctr">
               <a:buNone/>
-              <a:defRPr sz="3150"/>
+              <a:defRPr sz="2362"/>
             </a:lvl9pPr>
           </a:lstStyle>
           <a:p>
@@ -577,7 +577,7 @@
               <a:rPr lang="en-US"/>
               <a:t>Click to edit Master subtitle style</a:t>
             </a:r>
-            <a:endParaRPr lang="en-US" dirty="0"/>
+            <a:endParaRPr lang="he-IL"/>
           </a:p>
         </p:txBody>
       </p:sp>
@@ -649,7 +649,7 @@
     </p:spTree>
     <p:extLst>
       <p:ext uri="{BB962C8B-B14F-4D97-AF65-F5344CB8AC3E}">
-        <p14:creationId xmlns:p14="http://schemas.microsoft.com/office/powerpoint/2010/main" val="1581613561"/>
+        <p14:creationId xmlns:p14="http://schemas.microsoft.com/office/powerpoint/2010/main" val="1508927600"/>
       </p:ext>
     </p:extLst>
   </p:cSld>
@@ -695,7 +695,7 @@
               <a:rPr lang="en-US"/>
               <a:t>Click to edit Master title style</a:t>
             </a:r>
-            <a:endParaRPr lang="en-US" dirty="0"/>
+            <a:endParaRPr lang="he-IL"/>
           </a:p>
         </p:txBody>
       </p:sp>
@@ -747,7 +747,7 @@
               <a:rPr lang="en-US"/>
               <a:t>Fifth level</a:t>
             </a:r>
-            <a:endParaRPr lang="en-US" dirty="0"/>
+            <a:endParaRPr lang="he-IL"/>
           </a:p>
         </p:txBody>
       </p:sp>
@@ -819,7 +819,7 @@
     </p:spTree>
     <p:extLst>
       <p:ext uri="{BB962C8B-B14F-4D97-AF65-F5344CB8AC3E}">
-        <p14:creationId xmlns:p14="http://schemas.microsoft.com/office/powerpoint/2010/main" val="2759043538"/>
+        <p14:creationId xmlns:p14="http://schemas.microsoft.com/office/powerpoint/2010/main" val="3465144980"/>
       </p:ext>
     </p:extLst>
   </p:cSld>
@@ -858,7 +858,7 @@
         </p:nvSpPr>
         <p:spPr>
           <a:xfrm>
-            <a:off x="12881725" y="1341665"/>
+            <a:off x="12881724" y="1341665"/>
             <a:ext cx="3881393" cy="21355814"/>
           </a:xfrm>
         </p:spPr>
@@ -870,7 +870,7 @@
               <a:rPr lang="en-US"/>
               <a:t>Click to edit Master title style</a:t>
             </a:r>
-            <a:endParaRPr lang="en-US" dirty="0"/>
+            <a:endParaRPr lang="he-IL"/>
           </a:p>
         </p:txBody>
       </p:sp>
@@ -886,7 +886,7 @@
         </p:nvSpPr>
         <p:spPr>
           <a:xfrm>
-            <a:off x="1237546" y="1341665"/>
+            <a:off x="1237545" y="1341665"/>
             <a:ext cx="11419171" cy="21355814"/>
           </a:xfrm>
         </p:spPr>
@@ -927,7 +927,7 @@
               <a:rPr lang="en-US"/>
               <a:t>Fifth level</a:t>
             </a:r>
-            <a:endParaRPr lang="en-US" dirty="0"/>
+            <a:endParaRPr lang="he-IL"/>
           </a:p>
         </p:txBody>
       </p:sp>
@@ -999,7 +999,7 @@
     </p:spTree>
     <p:extLst>
       <p:ext uri="{BB962C8B-B14F-4D97-AF65-F5344CB8AC3E}">
-        <p14:creationId xmlns:p14="http://schemas.microsoft.com/office/powerpoint/2010/main" val="3161755562"/>
+        <p14:creationId xmlns:p14="http://schemas.microsoft.com/office/powerpoint/2010/main" val="3409394656"/>
       </p:ext>
     </p:extLst>
   </p:cSld>
@@ -1045,7 +1045,7 @@
               <a:rPr lang="en-US"/>
               <a:t>Click to edit Master title style</a:t>
             </a:r>
-            <a:endParaRPr lang="en-US" dirty="0"/>
+            <a:endParaRPr lang="he-IL"/>
           </a:p>
         </p:txBody>
       </p:sp>
@@ -1097,7 +1097,7 @@
               <a:rPr lang="en-US"/>
               <a:t>Fifth level</a:t>
             </a:r>
-            <a:endParaRPr lang="en-US" dirty="0"/>
+            <a:endParaRPr lang="he-IL"/>
           </a:p>
         </p:txBody>
       </p:sp>
@@ -1169,7 +1169,7 @@
     </p:spTree>
     <p:extLst>
       <p:ext uri="{BB962C8B-B14F-4D97-AF65-F5344CB8AC3E}">
-        <p14:creationId xmlns:p14="http://schemas.microsoft.com/office/powerpoint/2010/main" val="2093019228"/>
+        <p14:creationId xmlns:p14="http://schemas.microsoft.com/office/powerpoint/2010/main" val="2409533340"/>
       </p:ext>
     </p:extLst>
   </p:cSld>
@@ -1208,7 +1208,7 @@
         </p:nvSpPr>
         <p:spPr>
           <a:xfrm>
-            <a:off x="1228171" y="6282501"/>
+            <a:off x="1228170" y="6282497"/>
             <a:ext cx="15525572" cy="10482488"/>
           </a:xfrm>
         </p:spPr>
@@ -1216,7 +1216,7 @@
           <a:bodyPr anchor="b"/>
           <a:lstStyle>
             <a:lvl1pPr>
-              <a:defRPr sz="11812"/>
+              <a:defRPr sz="8858"/>
             </a:lvl1pPr>
           </a:lstStyle>
           <a:p>
@@ -1224,7 +1224,7 @@
               <a:rPr lang="en-US"/>
               <a:t>Click to edit Master title style</a:t>
             </a:r>
-            <a:endParaRPr lang="en-US" dirty="0"/>
+            <a:endParaRPr lang="he-IL"/>
           </a:p>
         </p:txBody>
       </p:sp>
@@ -1240,7 +1240,7 @@
         </p:nvSpPr>
         <p:spPr>
           <a:xfrm>
-            <a:off x="1228171" y="16864157"/>
+            <a:off x="1228170" y="16864153"/>
             <a:ext cx="15525572" cy="5512493"/>
           </a:xfrm>
         </p:spPr>
@@ -1249,85 +1249,87 @@
           <a:lstStyle>
             <a:lvl1pPr marL="0" indent="0">
               <a:buNone/>
-              <a:defRPr sz="4725">
-                <a:solidFill>
-                  <a:schemeClr val="tx1"/>
-                </a:solidFill>
-              </a:defRPr>
-            </a:lvl1pPr>
-            <a:lvl2pPr marL="900044" indent="0">
-              <a:buNone/>
-              <a:defRPr sz="3937">
+              <a:defRPr sz="3543">
                 <a:solidFill>
                   <a:schemeClr val="tx1">
                     <a:tint val="75000"/>
                   </a:schemeClr>
                 </a:solidFill>
               </a:defRPr>
-            </a:lvl2pPr>
-            <a:lvl3pPr marL="1800088" indent="0">
+            </a:lvl1pPr>
+            <a:lvl2pPr marL="675010" indent="0">
               <a:buNone/>
-              <a:defRPr sz="3543">
+              <a:defRPr sz="2953">
                 <a:solidFill>
                   <a:schemeClr val="tx1">
                     <a:tint val="75000"/>
                   </a:schemeClr>
                 </a:solidFill>
               </a:defRPr>
-            </a:lvl3pPr>
-            <a:lvl4pPr marL="2700132" indent="0">
+            </a:lvl2pPr>
+            <a:lvl3pPr marL="1350020" indent="0">
               <a:buNone/>
-              <a:defRPr sz="3150">
+              <a:defRPr sz="2658">
                 <a:solidFill>
                   <a:schemeClr val="tx1">
                     <a:tint val="75000"/>
                   </a:schemeClr>
                 </a:solidFill>
               </a:defRPr>
-            </a:lvl4pPr>
-            <a:lvl5pPr marL="3600176" indent="0">
+            </a:lvl3pPr>
+            <a:lvl4pPr marL="2025030" indent="0">
               <a:buNone/>
-              <a:defRPr sz="3150">
+              <a:defRPr sz="2362">
                 <a:solidFill>
                   <a:schemeClr val="tx1">
                     <a:tint val="75000"/>
                   </a:schemeClr>
                 </a:solidFill>
               </a:defRPr>
-            </a:lvl5pPr>
-            <a:lvl6pPr marL="4500220" indent="0">
+            </a:lvl4pPr>
+            <a:lvl5pPr marL="2700040" indent="0">
               <a:buNone/>
-              <a:defRPr sz="3150">
+              <a:defRPr sz="2362">
                 <a:solidFill>
                   <a:schemeClr val="tx1">
                     <a:tint val="75000"/>
                   </a:schemeClr>
                 </a:solidFill>
               </a:defRPr>
-            </a:lvl6pPr>
-            <a:lvl7pPr marL="5400264" indent="0">
+            </a:lvl5pPr>
+            <a:lvl6pPr marL="3375050" indent="0">
               <a:buNone/>
-              <a:defRPr sz="3150">
+              <a:defRPr sz="2362">
                 <a:solidFill>
                   <a:schemeClr val="tx1">
                     <a:tint val="75000"/>
                   </a:schemeClr>
                 </a:solidFill>
               </a:defRPr>
-            </a:lvl7pPr>
-            <a:lvl8pPr marL="6300307" indent="0">
+            </a:lvl6pPr>
+            <a:lvl7pPr marL="4050060" indent="0">
               <a:buNone/>
-              <a:defRPr sz="3150">
+              <a:defRPr sz="2362">
                 <a:solidFill>
                   <a:schemeClr val="tx1">
                     <a:tint val="75000"/>
                   </a:schemeClr>
                 </a:solidFill>
               </a:defRPr>
+            </a:lvl7pPr>
+            <a:lvl8pPr marL="4725071" indent="0">
+              <a:buNone/>
+              <a:defRPr sz="2362">
+                <a:solidFill>
+                  <a:schemeClr val="tx1">
+                    <a:tint val="75000"/>
+                  </a:schemeClr>
+                </a:solidFill>
+              </a:defRPr>
             </a:lvl8pPr>
-            <a:lvl9pPr marL="7200351" indent="0">
+            <a:lvl9pPr marL="5400081" indent="0">
               <a:buNone/>
-              <a:defRPr sz="3150">
+              <a:defRPr sz="2362">
                 <a:solidFill>
                   <a:schemeClr val="tx1">
                     <a:tint val="75000"/>
@@ -1413,7 +1415,7 @@
     </p:spTree>
     <p:extLst>
       <p:ext uri="{BB962C8B-B14F-4D97-AF65-F5344CB8AC3E}">
-        <p14:creationId xmlns:p14="http://schemas.microsoft.com/office/powerpoint/2010/main" val="1973572014"/>
+        <p14:creationId xmlns:p14="http://schemas.microsoft.com/office/powerpoint/2010/main" val="2449532098"/>
       </p:ext>
     </p:extLst>
   </p:cSld>
@@ -1459,7 +1461,7 @@
               <a:rPr lang="en-US"/>
               <a:t>Click to edit Master title style</a:t>
             </a:r>
-            <a:endParaRPr lang="en-US" dirty="0"/>
+            <a:endParaRPr lang="he-IL"/>
           </a:p>
         </p:txBody>
       </p:sp>
@@ -1516,7 +1518,7 @@
               <a:rPr lang="en-US"/>
               <a:t>Fifth level</a:t>
             </a:r>
-            <a:endParaRPr lang="en-US" dirty="0"/>
+            <a:endParaRPr lang="he-IL"/>
           </a:p>
         </p:txBody>
       </p:sp>
@@ -1573,7 +1575,7 @@
               <a:rPr lang="en-US"/>
               <a:t>Fifth level</a:t>
             </a:r>
-            <a:endParaRPr lang="en-US" dirty="0"/>
+            <a:endParaRPr lang="he-IL"/>
           </a:p>
         </p:txBody>
       </p:sp>
@@ -1645,7 +1647,7 @@
     </p:spTree>
     <p:extLst>
       <p:ext uri="{BB962C8B-B14F-4D97-AF65-F5344CB8AC3E}">
-        <p14:creationId xmlns:p14="http://schemas.microsoft.com/office/powerpoint/2010/main" val="1754486603"/>
+        <p14:creationId xmlns:p14="http://schemas.microsoft.com/office/powerpoint/2010/main" val="605762834"/>
       </p:ext>
     </p:extLst>
   </p:cSld>
@@ -1684,7 +1686,7 @@
         </p:nvSpPr>
         <p:spPr>
           <a:xfrm>
-            <a:off x="1239890" y="1341671"/>
+            <a:off x="1239890" y="1341667"/>
             <a:ext cx="15525572" cy="4870830"/>
           </a:xfrm>
         </p:spPr>
@@ -1696,7 +1698,7 @@
               <a:rPr lang="en-US"/>
               <a:t>Click to edit Master title style</a:t>
             </a:r>
-            <a:endParaRPr lang="en-US" dirty="0"/>
+            <a:endParaRPr lang="he-IL"/>
           </a:p>
         </p:txBody>
       </p:sp>
@@ -1712,7 +1714,7 @@
         </p:nvSpPr>
         <p:spPr>
           <a:xfrm>
-            <a:off x="1239892" y="6177496"/>
+            <a:off x="1239891" y="6177496"/>
             <a:ext cx="7615123" cy="3027495"/>
           </a:xfrm>
         </p:spPr>
@@ -1721,39 +1723,39 @@
           <a:lstStyle>
             <a:lvl1pPr marL="0" indent="0">
               <a:buNone/>
-              <a:defRPr sz="4725" b="1"/>
+              <a:defRPr sz="3543" b="1"/>
             </a:lvl1pPr>
-            <a:lvl2pPr marL="900044" indent="0">
+            <a:lvl2pPr marL="675010" indent="0">
               <a:buNone/>
-              <a:defRPr sz="3937" b="1"/>
+              <a:defRPr sz="2953" b="1"/>
             </a:lvl2pPr>
-            <a:lvl3pPr marL="1800088" indent="0">
+            <a:lvl3pPr marL="1350020" indent="0">
               <a:buNone/>
-              <a:defRPr sz="3543" b="1"/>
+              <a:defRPr sz="2658" b="1"/>
             </a:lvl3pPr>
-            <a:lvl4pPr marL="2700132" indent="0">
+            <a:lvl4pPr marL="2025030" indent="0">
               <a:buNone/>
-              <a:defRPr sz="3150" b="1"/>
+              <a:defRPr sz="2362" b="1"/>
             </a:lvl4pPr>
-            <a:lvl5pPr marL="3600176" indent="0">
+            <a:lvl5pPr marL="2700040" indent="0">
               <a:buNone/>
-              <a:defRPr sz="3150" b="1"/>
+              <a:defRPr sz="2362" b="1"/>
             </a:lvl5pPr>
-            <a:lvl6pPr marL="4500220" indent="0">
+            <a:lvl6pPr marL="3375050" indent="0">
               <a:buNone/>
-              <a:defRPr sz="3150" b="1"/>
+              <a:defRPr sz="2362" b="1"/>
             </a:lvl6pPr>
-            <a:lvl7pPr marL="5400264" indent="0">
+            <a:lvl7pPr marL="4050060" indent="0">
               <a:buNone/>
-              <a:defRPr sz="3150" b="1"/>
+              <a:defRPr sz="2362" b="1"/>
             </a:lvl7pPr>
-            <a:lvl8pPr marL="6300307" indent="0">
+            <a:lvl8pPr marL="4725071" indent="0">
               <a:buNone/>
-              <a:defRPr sz="3150" b="1"/>
+              <a:defRPr sz="2362" b="1"/>
             </a:lvl8pPr>
-            <a:lvl9pPr marL="7200351" indent="0">
+            <a:lvl9pPr marL="5400081" indent="0">
               <a:buNone/>
-              <a:defRPr sz="3150" b="1"/>
+              <a:defRPr sz="2362" b="1"/>
             </a:lvl9pPr>
           </a:lstStyle>
           <a:p>
@@ -1777,7 +1779,7 @@
         </p:nvSpPr>
         <p:spPr>
           <a:xfrm>
-            <a:off x="1239892" y="9204991"/>
+            <a:off x="1239891" y="9204991"/>
             <a:ext cx="7615123" cy="13539155"/>
           </a:xfrm>
         </p:spPr>
@@ -1818,7 +1820,7 @@
               <a:rPr lang="en-US"/>
               <a:t>Fifth level</a:t>
             </a:r>
-            <a:endParaRPr lang="en-US" dirty="0"/>
+            <a:endParaRPr lang="he-IL"/>
           </a:p>
         </p:txBody>
       </p:sp>
@@ -1834,7 +1836,7 @@
         </p:nvSpPr>
         <p:spPr>
           <a:xfrm>
-            <a:off x="9112837" y="6177496"/>
+            <a:off x="9112836" y="6177496"/>
             <a:ext cx="7652626" cy="3027495"/>
           </a:xfrm>
         </p:spPr>
@@ -1843,39 +1845,39 @@
           <a:lstStyle>
             <a:lvl1pPr marL="0" indent="0">
               <a:buNone/>
-              <a:defRPr sz="4725" b="1"/>
+              <a:defRPr sz="3543" b="1"/>
             </a:lvl1pPr>
-            <a:lvl2pPr marL="900044" indent="0">
+            <a:lvl2pPr marL="675010" indent="0">
               <a:buNone/>
-              <a:defRPr sz="3937" b="1"/>
+              <a:defRPr sz="2953" b="1"/>
             </a:lvl2pPr>
-            <a:lvl3pPr marL="1800088" indent="0">
+            <a:lvl3pPr marL="1350020" indent="0">
               <a:buNone/>
-              <a:defRPr sz="3543" b="1"/>
+              <a:defRPr sz="2658" b="1"/>
             </a:lvl3pPr>
-            <a:lvl4pPr marL="2700132" indent="0">
+            <a:lvl4pPr marL="2025030" indent="0">
               <a:buNone/>
-              <a:defRPr sz="3150" b="1"/>
+              <a:defRPr sz="2362" b="1"/>
             </a:lvl4pPr>
-            <a:lvl5pPr marL="3600176" indent="0">
+            <a:lvl5pPr marL="2700040" indent="0">
               <a:buNone/>
-              <a:defRPr sz="3150" b="1"/>
+              <a:defRPr sz="2362" b="1"/>
             </a:lvl5pPr>
-            <a:lvl6pPr marL="4500220" indent="0">
+            <a:lvl6pPr marL="3375050" indent="0">
               <a:buNone/>
-              <a:defRPr sz="3150" b="1"/>
+              <a:defRPr sz="2362" b="1"/>
             </a:lvl6pPr>
-            <a:lvl7pPr marL="5400264" indent="0">
+            <a:lvl7pPr marL="4050060" indent="0">
               <a:buNone/>
-              <a:defRPr sz="3150" b="1"/>
+              <a:defRPr sz="2362" b="1"/>
             </a:lvl7pPr>
-            <a:lvl8pPr marL="6300307" indent="0">
+            <a:lvl8pPr marL="4725071" indent="0">
               <a:buNone/>
-              <a:defRPr sz="3150" b="1"/>
+              <a:defRPr sz="2362" b="1"/>
             </a:lvl8pPr>
-            <a:lvl9pPr marL="7200351" indent="0">
+            <a:lvl9pPr marL="5400081" indent="0">
               <a:buNone/>
-              <a:defRPr sz="3150" b="1"/>
+              <a:defRPr sz="2362" b="1"/>
             </a:lvl9pPr>
           </a:lstStyle>
           <a:p>
@@ -1899,7 +1901,7 @@
         </p:nvSpPr>
         <p:spPr>
           <a:xfrm>
-            <a:off x="9112837" y="9204991"/>
+            <a:off x="9112836" y="9204991"/>
             <a:ext cx="7652626" cy="13539155"/>
           </a:xfrm>
         </p:spPr>
@@ -1940,7 +1942,7 @@
               <a:rPr lang="en-US"/>
               <a:t>Fifth level</a:t>
             </a:r>
-            <a:endParaRPr lang="en-US" dirty="0"/>
+            <a:endParaRPr lang="he-IL"/>
           </a:p>
         </p:txBody>
       </p:sp>
@@ -2012,7 +2014,7 @@
     </p:spTree>
     <p:extLst>
       <p:ext uri="{BB962C8B-B14F-4D97-AF65-F5344CB8AC3E}">
-        <p14:creationId xmlns:p14="http://schemas.microsoft.com/office/powerpoint/2010/main" val="2987388473"/>
+        <p14:creationId xmlns:p14="http://schemas.microsoft.com/office/powerpoint/2010/main" val="1748067463"/>
       </p:ext>
     </p:extLst>
   </p:cSld>
@@ -2058,7 +2060,7 @@
               <a:rPr lang="en-US"/>
               <a:t>Click to edit Master title style</a:t>
             </a:r>
-            <a:endParaRPr lang="en-US" dirty="0"/>
+            <a:endParaRPr lang="he-IL"/>
           </a:p>
         </p:txBody>
       </p:sp>
@@ -2130,7 +2132,7 @@
     </p:spTree>
     <p:extLst>
       <p:ext uri="{BB962C8B-B14F-4D97-AF65-F5344CB8AC3E}">
-        <p14:creationId xmlns:p14="http://schemas.microsoft.com/office/powerpoint/2010/main" val="2203901686"/>
+        <p14:creationId xmlns:p14="http://schemas.microsoft.com/office/powerpoint/2010/main" val="1225234688"/>
       </p:ext>
     </p:extLst>
   </p:cSld>
@@ -2225,7 +2227,7 @@
     </p:spTree>
     <p:extLst>
       <p:ext uri="{BB962C8B-B14F-4D97-AF65-F5344CB8AC3E}">
-        <p14:creationId xmlns:p14="http://schemas.microsoft.com/office/powerpoint/2010/main" val="2158538868"/>
+        <p14:creationId xmlns:p14="http://schemas.microsoft.com/office/powerpoint/2010/main" val="4250656939"/>
       </p:ext>
     </p:extLst>
   </p:cSld>
@@ -2264,7 +2266,7 @@
         </p:nvSpPr>
         <p:spPr>
           <a:xfrm>
-            <a:off x="1239890" y="1679998"/>
+            <a:off x="1239891" y="1679998"/>
             <a:ext cx="5805682" cy="5879994"/>
           </a:xfrm>
         </p:spPr>
@@ -2272,7 +2274,7 @@
           <a:bodyPr anchor="b"/>
           <a:lstStyle>
             <a:lvl1pPr>
-              <a:defRPr sz="6300"/>
+              <a:defRPr sz="4724"/>
             </a:lvl1pPr>
           </a:lstStyle>
           <a:p>
@@ -2280,7 +2282,7 @@
               <a:rPr lang="en-US"/>
               <a:t>Click to edit Master title style</a:t>
             </a:r>
-            <a:endParaRPr lang="en-US" dirty="0"/>
+            <a:endParaRPr lang="he-IL"/>
           </a:p>
         </p:txBody>
       </p:sp>
@@ -2296,7 +2298,7 @@
         </p:nvSpPr>
         <p:spPr>
           <a:xfrm>
-            <a:off x="7652626" y="3628335"/>
+            <a:off x="7652626" y="3628331"/>
             <a:ext cx="9112836" cy="17908316"/>
           </a:xfrm>
         </p:spPr>
@@ -2304,31 +2306,31 @@
           <a:bodyPr/>
           <a:lstStyle>
             <a:lvl1pPr>
-              <a:defRPr sz="6300"/>
+              <a:defRPr sz="4724"/>
             </a:lvl1pPr>
             <a:lvl2pPr>
-              <a:defRPr sz="5512"/>
+              <a:defRPr sz="4134"/>
             </a:lvl2pPr>
             <a:lvl3pPr>
-              <a:defRPr sz="4725"/>
+              <a:defRPr sz="3543"/>
             </a:lvl3pPr>
             <a:lvl4pPr>
-              <a:defRPr sz="3937"/>
+              <a:defRPr sz="2953"/>
             </a:lvl4pPr>
             <a:lvl5pPr>
-              <a:defRPr sz="3937"/>
+              <a:defRPr sz="2953"/>
             </a:lvl5pPr>
             <a:lvl6pPr>
-              <a:defRPr sz="3937"/>
+              <a:defRPr sz="2953"/>
             </a:lvl6pPr>
             <a:lvl7pPr>
-              <a:defRPr sz="3937"/>
+              <a:defRPr sz="2953"/>
             </a:lvl7pPr>
             <a:lvl8pPr>
-              <a:defRPr sz="3937"/>
+              <a:defRPr sz="2953"/>
             </a:lvl8pPr>
             <a:lvl9pPr>
-              <a:defRPr sz="3937"/>
+              <a:defRPr sz="2953"/>
             </a:lvl9pPr>
           </a:lstStyle>
           <a:p>
@@ -2365,7 +2367,7 @@
               <a:rPr lang="en-US"/>
               <a:t>Fifth level</a:t>
             </a:r>
-            <a:endParaRPr lang="en-US" dirty="0"/>
+            <a:endParaRPr lang="he-IL"/>
           </a:p>
         </p:txBody>
       </p:sp>
@@ -2381,7 +2383,7 @@
         </p:nvSpPr>
         <p:spPr>
           <a:xfrm>
-            <a:off x="1239890" y="7559993"/>
+            <a:off x="1239891" y="7559993"/>
             <a:ext cx="5805682" cy="14005821"/>
           </a:xfrm>
         </p:spPr>
@@ -2390,39 +2392,39 @@
           <a:lstStyle>
             <a:lvl1pPr marL="0" indent="0">
               <a:buNone/>
-              <a:defRPr sz="3150"/>
+              <a:defRPr sz="2362"/>
             </a:lvl1pPr>
-            <a:lvl2pPr marL="900044" indent="0">
+            <a:lvl2pPr marL="675010" indent="0">
               <a:buNone/>
-              <a:defRPr sz="2756"/>
+              <a:defRPr sz="2067"/>
             </a:lvl2pPr>
-            <a:lvl3pPr marL="1800088" indent="0">
+            <a:lvl3pPr marL="1350020" indent="0">
               <a:buNone/>
-              <a:defRPr sz="2362"/>
+              <a:defRPr sz="1772"/>
             </a:lvl3pPr>
-            <a:lvl4pPr marL="2700132" indent="0">
+            <a:lvl4pPr marL="2025030" indent="0">
               <a:buNone/>
-              <a:defRPr sz="1969"/>
+              <a:defRPr sz="1476"/>
             </a:lvl4pPr>
-            <a:lvl5pPr marL="3600176" indent="0">
+            <a:lvl5pPr marL="2700040" indent="0">
               <a:buNone/>
-              <a:defRPr sz="1969"/>
+              <a:defRPr sz="1476"/>
             </a:lvl5pPr>
-            <a:lvl6pPr marL="4500220" indent="0">
+            <a:lvl6pPr marL="3375050" indent="0">
               <a:buNone/>
-              <a:defRPr sz="1969"/>
+              <a:defRPr sz="1476"/>
             </a:lvl6pPr>
-            <a:lvl7pPr marL="5400264" indent="0">
+            <a:lvl7pPr marL="4050060" indent="0">
               <a:buNone/>
-              <a:defRPr sz="1969"/>
+              <a:defRPr sz="1476"/>
             </a:lvl7pPr>
-            <a:lvl8pPr marL="6300307" indent="0">
+            <a:lvl8pPr marL="4725071" indent="0">
               <a:buNone/>
-              <a:defRPr sz="1969"/>
+              <a:defRPr sz="1476"/>
             </a:lvl8pPr>
-            <a:lvl9pPr marL="7200351" indent="0">
+            <a:lvl9pPr marL="5400081" indent="0">
               <a:buNone/>
-              <a:defRPr sz="1969"/>
+              <a:defRPr sz="1476"/>
             </a:lvl9pPr>
           </a:lstStyle>
           <a:p>
@@ -2502,7 +2504,7 @@
     </p:spTree>
     <p:extLst>
       <p:ext uri="{BB962C8B-B14F-4D97-AF65-F5344CB8AC3E}">
-        <p14:creationId xmlns:p14="http://schemas.microsoft.com/office/powerpoint/2010/main" val="1646004565"/>
+        <p14:creationId xmlns:p14="http://schemas.microsoft.com/office/powerpoint/2010/main" val="2588079804"/>
       </p:ext>
     </p:extLst>
   </p:cSld>
@@ -2541,7 +2543,7 @@
         </p:nvSpPr>
         <p:spPr>
           <a:xfrm>
-            <a:off x="1239890" y="1679998"/>
+            <a:off x="1239891" y="1679998"/>
             <a:ext cx="5805682" cy="5879994"/>
           </a:xfrm>
         </p:spPr>
@@ -2549,7 +2551,7 @@
           <a:bodyPr anchor="b"/>
           <a:lstStyle>
             <a:lvl1pPr>
-              <a:defRPr sz="6300"/>
+              <a:defRPr sz="4724"/>
             </a:lvl1pPr>
           </a:lstStyle>
           <a:p>
@@ -2557,7 +2559,7 @@
               <a:rPr lang="en-US"/>
               <a:t>Click to edit Master title style</a:t>
             </a:r>
-            <a:endParaRPr lang="en-US" dirty="0"/>
+            <a:endParaRPr lang="he-IL"/>
           </a:p>
         </p:txBody>
       </p:sp>
@@ -2565,7 +2567,7 @@
         <p:nvSpPr>
           <p:cNvPr id="3" name="Picture Placeholder 2"/>
           <p:cNvSpPr>
-            <a:spLocks noGrp="1" noChangeAspect="1"/>
+            <a:spLocks noGrp="1"/>
           </p:cNvSpPr>
           <p:nvPr>
             <p:ph type="pic" idx="1"/>
@@ -2573,56 +2575,52 @@
         </p:nvSpPr>
         <p:spPr>
           <a:xfrm>
-            <a:off x="7652626" y="3628335"/>
+            <a:off x="7652626" y="3628331"/>
             <a:ext cx="9112836" cy="17908316"/>
           </a:xfrm>
         </p:spPr>
         <p:txBody>
-          <a:bodyPr anchor="t"/>
+          <a:bodyPr/>
           <a:lstStyle>
             <a:lvl1pPr marL="0" indent="0">
               <a:buNone/>
-              <a:defRPr sz="6300"/>
+              <a:defRPr sz="4724"/>
             </a:lvl1pPr>
-            <a:lvl2pPr marL="900044" indent="0">
+            <a:lvl2pPr marL="675010" indent="0">
               <a:buNone/>
-              <a:defRPr sz="5512"/>
+              <a:defRPr sz="4134"/>
             </a:lvl2pPr>
-            <a:lvl3pPr marL="1800088" indent="0">
+            <a:lvl3pPr marL="1350020" indent="0">
               <a:buNone/>
-              <a:defRPr sz="4725"/>
+              <a:defRPr sz="3543"/>
             </a:lvl3pPr>
-            <a:lvl4pPr marL="2700132" indent="0">
+            <a:lvl4pPr marL="2025030" indent="0">
               <a:buNone/>
-              <a:defRPr sz="3937"/>
+              <a:defRPr sz="2953"/>
             </a:lvl4pPr>
-            <a:lvl5pPr marL="3600176" indent="0">
+            <a:lvl5pPr marL="2700040" indent="0">
               <a:buNone/>
-              <a:defRPr sz="3937"/>
+              <a:defRPr sz="2953"/>
             </a:lvl5pPr>
-            <a:lvl6pPr marL="4500220" indent="0">
+            <a:lvl6pPr marL="3375050" indent="0">
               <a:buNone/>
-              <a:defRPr sz="3937"/>
+              <a:defRPr sz="2953"/>
             </a:lvl6pPr>
-            <a:lvl7pPr marL="5400264" indent="0">
+            <a:lvl7pPr marL="4050060" indent="0">
               <a:buNone/>
-              <a:defRPr sz="3937"/>
+              <a:defRPr sz="2953"/>
             </a:lvl7pPr>
-            <a:lvl8pPr marL="6300307" indent="0">
+            <a:lvl8pPr marL="4725071" indent="0">
               <a:buNone/>
-              <a:defRPr sz="3937"/>
+              <a:defRPr sz="2953"/>
             </a:lvl8pPr>
-            <a:lvl9pPr marL="7200351" indent="0">
+            <a:lvl9pPr marL="5400081" indent="0">
               <a:buNone/>
-              <a:defRPr sz="3937"/>
+              <a:defRPr sz="2953"/>
             </a:lvl9pPr>
           </a:lstStyle>
           <a:p>
-            <a:r>
-              <a:rPr lang="en-US"/>
-              <a:t>Click icon to add picture</a:t>
-            </a:r>
-            <a:endParaRPr lang="en-US" dirty="0"/>
+            <a:endParaRPr lang="he-IL"/>
           </a:p>
         </p:txBody>
       </p:sp>
@@ -2638,7 +2636,7 @@
         </p:nvSpPr>
         <p:spPr>
           <a:xfrm>
-            <a:off x="1239890" y="7559993"/>
+            <a:off x="1239891" y="7559993"/>
             <a:ext cx="5805682" cy="14005821"/>
           </a:xfrm>
         </p:spPr>
@@ -2647,39 +2645,39 @@
           <a:lstStyle>
             <a:lvl1pPr marL="0" indent="0">
               <a:buNone/>
-              <a:defRPr sz="3150"/>
+              <a:defRPr sz="2362"/>
             </a:lvl1pPr>
-            <a:lvl2pPr marL="900044" indent="0">
+            <a:lvl2pPr marL="675010" indent="0">
               <a:buNone/>
-              <a:defRPr sz="2756"/>
+              <a:defRPr sz="2067"/>
             </a:lvl2pPr>
-            <a:lvl3pPr marL="1800088" indent="0">
+            <a:lvl3pPr marL="1350020" indent="0">
               <a:buNone/>
-              <a:defRPr sz="2362"/>
+              <a:defRPr sz="1772"/>
             </a:lvl3pPr>
-            <a:lvl4pPr marL="2700132" indent="0">
+            <a:lvl4pPr marL="2025030" indent="0">
               <a:buNone/>
-              <a:defRPr sz="1969"/>
+              <a:defRPr sz="1476"/>
             </a:lvl4pPr>
-            <a:lvl5pPr marL="3600176" indent="0">
+            <a:lvl5pPr marL="2700040" indent="0">
               <a:buNone/>
-              <a:defRPr sz="1969"/>
+              <a:defRPr sz="1476"/>
             </a:lvl5pPr>
-            <a:lvl6pPr marL="4500220" indent="0">
+            <a:lvl6pPr marL="3375050" indent="0">
               <a:buNone/>
-              <a:defRPr sz="1969"/>
+              <a:defRPr sz="1476"/>
             </a:lvl6pPr>
-            <a:lvl7pPr marL="5400264" indent="0">
+            <a:lvl7pPr marL="4050060" indent="0">
               <a:buNone/>
-              <a:defRPr sz="1969"/>
+              <a:defRPr sz="1476"/>
             </a:lvl7pPr>
-            <a:lvl8pPr marL="6300307" indent="0">
+            <a:lvl8pPr marL="4725071" indent="0">
               <a:buNone/>
-              <a:defRPr sz="1969"/>
+              <a:defRPr sz="1476"/>
             </a:lvl8pPr>
-            <a:lvl9pPr marL="7200351" indent="0">
+            <a:lvl9pPr marL="5400081" indent="0">
               <a:buNone/>
-              <a:defRPr sz="1969"/>
+              <a:defRPr sz="1476"/>
             </a:lvl9pPr>
           </a:lstStyle>
           <a:p>
@@ -2759,7 +2757,7 @@
     </p:spTree>
     <p:extLst>
       <p:ext uri="{BB962C8B-B14F-4D97-AF65-F5344CB8AC3E}">
-        <p14:creationId xmlns:p14="http://schemas.microsoft.com/office/powerpoint/2010/main" val="1840531288"/>
+        <p14:creationId xmlns:p14="http://schemas.microsoft.com/office/powerpoint/2010/main" val="2385473119"/>
       </p:ext>
     </p:extLst>
   </p:cSld>
@@ -2803,7 +2801,7 @@
         </p:nvSpPr>
         <p:spPr>
           <a:xfrm>
-            <a:off x="1237546" y="1341671"/>
+            <a:off x="1237546" y="1341667"/>
             <a:ext cx="15525572" cy="4870830"/>
           </a:xfrm>
           <a:prstGeom prst="rect">
@@ -2820,7 +2818,7 @@
               <a:rPr lang="en-US"/>
               <a:t>Click to edit Master title style</a:t>
             </a:r>
-            <a:endParaRPr lang="en-US" dirty="0"/>
+            <a:endParaRPr lang="he-IL"/>
           </a:p>
         </p:txBody>
       </p:sp>
@@ -2882,7 +2880,7 @@
               <a:rPr lang="en-US"/>
               <a:t>Fifth level</a:t>
             </a:r>
-            <a:endParaRPr lang="en-US" dirty="0"/>
+            <a:endParaRPr lang="he-IL"/>
           </a:p>
         </p:txBody>
       </p:sp>
@@ -2898,7 +2896,7 @@
         </p:nvSpPr>
         <p:spPr>
           <a:xfrm>
-            <a:off x="1237546" y="23356649"/>
+            <a:off x="1237546" y="23356646"/>
             <a:ext cx="4050149" cy="1341665"/>
           </a:xfrm>
           <a:prstGeom prst="rect">
@@ -2908,8 +2906,8 @@
         <p:txBody>
           <a:bodyPr vert="horz" lIns="91440" tIns="45720" rIns="91440" bIns="45720" rtlCol="0" anchor="ctr"/>
           <a:lstStyle>
-            <a:lvl1pPr algn="l">
-              <a:defRPr sz="2362">
+            <a:lvl1pPr algn="r">
+              <a:defRPr sz="1772">
                 <a:solidFill>
                   <a:schemeClr val="tx1">
                     <a:tint val="75000"/>
@@ -2939,7 +2937,7 @@
         </p:nvSpPr>
         <p:spPr>
           <a:xfrm>
-            <a:off x="5962720" y="23356649"/>
+            <a:off x="5962720" y="23356646"/>
             <a:ext cx="6075224" cy="1341665"/>
           </a:xfrm>
           <a:prstGeom prst="rect">
@@ -2950,7 +2948,7 @@
           <a:bodyPr vert="horz" lIns="91440" tIns="45720" rIns="91440" bIns="45720" rtlCol="0" anchor="ctr"/>
           <a:lstStyle>
             <a:lvl1pPr algn="ctr">
-              <a:defRPr sz="2362">
+              <a:defRPr sz="1772">
                 <a:solidFill>
                   <a:schemeClr val="tx1">
                     <a:tint val="75000"/>
@@ -2976,7 +2974,7 @@
         </p:nvSpPr>
         <p:spPr>
           <a:xfrm>
-            <a:off x="12712968" y="23356649"/>
+            <a:off x="12712968" y="23356646"/>
             <a:ext cx="4050149" cy="1341665"/>
           </a:xfrm>
           <a:prstGeom prst="rect">
@@ -2986,8 +2984,8 @@
         <p:txBody>
           <a:bodyPr vert="horz" lIns="91440" tIns="45720" rIns="91440" bIns="45720" rtlCol="0" anchor="ctr"/>
           <a:lstStyle>
-            <a:lvl1pPr algn="r">
-              <a:defRPr sz="2362">
+            <a:lvl1pPr algn="l">
+              <a:defRPr sz="1772">
                 <a:solidFill>
                   <a:schemeClr val="tx1">
                     <a:tint val="75000"/>
@@ -3008,28 +3006,28 @@
     </p:spTree>
     <p:extLst>
       <p:ext uri="{BB962C8B-B14F-4D97-AF65-F5344CB8AC3E}">
-        <p14:creationId xmlns:p14="http://schemas.microsoft.com/office/powerpoint/2010/main" val="2585158252"/>
+        <p14:creationId xmlns:p14="http://schemas.microsoft.com/office/powerpoint/2010/main" val="2426973124"/>
       </p:ext>
     </p:extLst>
   </p:cSld>
   <p:clrMap bg1="lt1" tx1="dk1" bg2="lt2" tx2="dk2" accent1="accent1" accent2="accent2" accent3="accent3" accent4="accent4" accent5="accent5" accent6="accent6" hlink="hlink" folHlink="folHlink"/>
   <p:sldLayoutIdLst>
-    <p:sldLayoutId id="2147483697" r:id="rId1"/>
-    <p:sldLayoutId id="2147483698" r:id="rId2"/>
-    <p:sldLayoutId id="2147483699" r:id="rId3"/>
-    <p:sldLayoutId id="2147483700" r:id="rId4"/>
-    <p:sldLayoutId id="2147483701" r:id="rId5"/>
-    <p:sldLayoutId id="2147483702" r:id="rId6"/>
-    <p:sldLayoutId id="2147483703" r:id="rId7"/>
-    <p:sldLayoutId id="2147483704" r:id="rId8"/>
-    <p:sldLayoutId id="2147483705" r:id="rId9"/>
-    <p:sldLayoutId id="2147483706" r:id="rId10"/>
-    <p:sldLayoutId id="2147483707" r:id="rId11"/>
+    <p:sldLayoutId id="2147483721" r:id="rId1"/>
+    <p:sldLayoutId id="2147483722" r:id="rId2"/>
+    <p:sldLayoutId id="2147483723" r:id="rId3"/>
+    <p:sldLayoutId id="2147483724" r:id="rId4"/>
+    <p:sldLayoutId id="2147483725" r:id="rId5"/>
+    <p:sldLayoutId id="2147483726" r:id="rId6"/>
+    <p:sldLayoutId id="2147483727" r:id="rId7"/>
+    <p:sldLayoutId id="2147483728" r:id="rId8"/>
+    <p:sldLayoutId id="2147483729" r:id="rId9"/>
+    <p:sldLayoutId id="2147483730" r:id="rId10"/>
+    <p:sldLayoutId id="2147483731" r:id="rId11"/>
   </p:sldLayoutIdLst>
   <p:hf sldNum="0" hdr="0" ftr="0"/>
   <p:txStyles>
     <p:titleStyle>
-      <a:lvl1pPr algn="l" defTabSz="1800088" rtl="1" eaLnBrk="1" latinLnBrk="0" hangingPunct="1">
+      <a:lvl1pPr algn="l" defTabSz="1350020" rtl="0" eaLnBrk="1" latinLnBrk="0" hangingPunct="1">
         <a:lnSpc>
           <a:spcPct val="90000"/>
         </a:lnSpc>
@@ -3037,7 +3035,7 @@
           <a:spcPct val="0"/>
         </a:spcBef>
         <a:buNone/>
-        <a:defRPr sz="8662" kern="1200">
+        <a:defRPr sz="6496" kern="1200">
           <a:solidFill>
             <a:schemeClr val="tx1"/>
           </a:solidFill>
@@ -3048,16 +3046,16 @@
       </a:lvl1pPr>
     </p:titleStyle>
     <p:bodyStyle>
-      <a:lvl1pPr marL="450022" indent="-450022" algn="r" defTabSz="1800088" rtl="1" eaLnBrk="1" latinLnBrk="0" hangingPunct="1">
+      <a:lvl1pPr marL="337505" indent="-337505" algn="l" defTabSz="1350020" rtl="0" eaLnBrk="1" latinLnBrk="0" hangingPunct="1">
         <a:lnSpc>
           <a:spcPct val="90000"/>
         </a:lnSpc>
         <a:spcBef>
-          <a:spcPts val="1969"/>
+          <a:spcPts val="1476"/>
         </a:spcBef>
         <a:buFont typeface="Arial" panose="020B0604020202020204" pitchFamily="34" charset="0"/>
         <a:buChar char="•"/>
-        <a:defRPr sz="5512" kern="1200">
+        <a:defRPr sz="4134" kern="1200">
           <a:solidFill>
             <a:schemeClr val="tx1"/>
           </a:solidFill>
@@ -3066,48 +3064,12 @@
           <a:cs typeface="+mn-cs"/>
         </a:defRPr>
       </a:lvl1pPr>
-      <a:lvl2pPr marL="1350066" indent="-450022" algn="r" defTabSz="1800088" rtl="1" eaLnBrk="1" latinLnBrk="0" hangingPunct="1">
+      <a:lvl2pPr marL="1012515" indent="-337505" algn="l" defTabSz="1350020" rtl="0" eaLnBrk="1" latinLnBrk="0" hangingPunct="1">
         <a:lnSpc>
           <a:spcPct val="90000"/>
         </a:lnSpc>
         <a:spcBef>
-          <a:spcPts val="984"/>
-        </a:spcBef>
-        <a:buFont typeface="Arial" panose="020B0604020202020204" pitchFamily="34" charset="0"/>
-        <a:buChar char="•"/>
-        <a:defRPr sz="4725" kern="1200">
-          <a:solidFill>
-            <a:schemeClr val="tx1"/>
-          </a:solidFill>
-          <a:latin typeface="+mn-lt"/>
-          <a:ea typeface="+mn-ea"/>
-          <a:cs typeface="+mn-cs"/>
-        </a:defRPr>
-      </a:lvl2pPr>
-      <a:lvl3pPr marL="2250110" indent="-450022" algn="r" defTabSz="1800088" rtl="1" eaLnBrk="1" latinLnBrk="0" hangingPunct="1">
-        <a:lnSpc>
-          <a:spcPct val="90000"/>
-        </a:lnSpc>
-        <a:spcBef>
-          <a:spcPts val="984"/>
-        </a:spcBef>
-        <a:buFont typeface="Arial" panose="020B0604020202020204" pitchFamily="34" charset="0"/>
-        <a:buChar char="•"/>
-        <a:defRPr sz="3937" kern="1200">
-          <a:solidFill>
-            <a:schemeClr val="tx1"/>
-          </a:solidFill>
-          <a:latin typeface="+mn-lt"/>
-          <a:ea typeface="+mn-ea"/>
-          <a:cs typeface="+mn-cs"/>
-        </a:defRPr>
-      </a:lvl3pPr>
-      <a:lvl4pPr marL="3150154" indent="-450022" algn="r" defTabSz="1800088" rtl="1" eaLnBrk="1" latinLnBrk="0" hangingPunct="1">
-        <a:lnSpc>
-          <a:spcPct val="90000"/>
-        </a:lnSpc>
-        <a:spcBef>
-          <a:spcPts val="984"/>
+          <a:spcPts val="738"/>
         </a:spcBef>
         <a:buFont typeface="Arial" panose="020B0604020202020204" pitchFamily="34" charset="0"/>
         <a:buChar char="•"/>
@@ -3119,17 +3081,53 @@
           <a:ea typeface="+mn-ea"/>
           <a:cs typeface="+mn-cs"/>
         </a:defRPr>
-      </a:lvl4pPr>
-      <a:lvl5pPr marL="4050198" indent="-450022" algn="r" defTabSz="1800088" rtl="1" eaLnBrk="1" latinLnBrk="0" hangingPunct="1">
+      </a:lvl2pPr>
+      <a:lvl3pPr marL="1687525" indent="-337505" algn="l" defTabSz="1350020" rtl="0" eaLnBrk="1" latinLnBrk="0" hangingPunct="1">
         <a:lnSpc>
           <a:spcPct val="90000"/>
         </a:lnSpc>
         <a:spcBef>
-          <a:spcPts val="984"/>
+          <a:spcPts val="738"/>
         </a:spcBef>
         <a:buFont typeface="Arial" panose="020B0604020202020204" pitchFamily="34" charset="0"/>
         <a:buChar char="•"/>
-        <a:defRPr sz="3543" kern="1200">
+        <a:defRPr sz="2953" kern="1200">
+          <a:solidFill>
+            <a:schemeClr val="tx1"/>
+          </a:solidFill>
+          <a:latin typeface="+mn-lt"/>
+          <a:ea typeface="+mn-ea"/>
+          <a:cs typeface="+mn-cs"/>
+        </a:defRPr>
+      </a:lvl3pPr>
+      <a:lvl4pPr marL="2362535" indent="-337505" algn="l" defTabSz="1350020" rtl="0" eaLnBrk="1" latinLnBrk="0" hangingPunct="1">
+        <a:lnSpc>
+          <a:spcPct val="90000"/>
+        </a:lnSpc>
+        <a:spcBef>
+          <a:spcPts val="738"/>
+        </a:spcBef>
+        <a:buFont typeface="Arial" panose="020B0604020202020204" pitchFamily="34" charset="0"/>
+        <a:buChar char="•"/>
+        <a:defRPr sz="2658" kern="1200">
+          <a:solidFill>
+            <a:schemeClr val="tx1"/>
+          </a:solidFill>
+          <a:latin typeface="+mn-lt"/>
+          <a:ea typeface="+mn-ea"/>
+          <a:cs typeface="+mn-cs"/>
+        </a:defRPr>
+      </a:lvl4pPr>
+      <a:lvl5pPr marL="3037545" indent="-337505" algn="l" defTabSz="1350020" rtl="0" eaLnBrk="1" latinLnBrk="0" hangingPunct="1">
+        <a:lnSpc>
+          <a:spcPct val="90000"/>
+        </a:lnSpc>
+        <a:spcBef>
+          <a:spcPts val="738"/>
+        </a:spcBef>
+        <a:buFont typeface="Arial" panose="020B0604020202020204" pitchFamily="34" charset="0"/>
+        <a:buChar char="•"/>
+        <a:defRPr sz="2658" kern="1200">
           <a:solidFill>
             <a:schemeClr val="tx1"/>
           </a:solidFill>
@@ -3138,16 +3136,16 @@
           <a:cs typeface="+mn-cs"/>
         </a:defRPr>
       </a:lvl5pPr>
-      <a:lvl6pPr marL="4950242" indent="-450022" algn="r" defTabSz="1800088" rtl="1" eaLnBrk="1" latinLnBrk="0" hangingPunct="1">
+      <a:lvl6pPr marL="3712555" indent="-337505" algn="l" defTabSz="1350020" rtl="0" eaLnBrk="1" latinLnBrk="0" hangingPunct="1">
         <a:lnSpc>
           <a:spcPct val="90000"/>
         </a:lnSpc>
         <a:spcBef>
-          <a:spcPts val="984"/>
+          <a:spcPts val="738"/>
         </a:spcBef>
         <a:buFont typeface="Arial" panose="020B0604020202020204" pitchFamily="34" charset="0"/>
         <a:buChar char="•"/>
-        <a:defRPr sz="3543" kern="1200">
+        <a:defRPr sz="2658" kern="1200">
           <a:solidFill>
             <a:schemeClr val="tx1"/>
           </a:solidFill>
@@ -3156,16 +3154,16 @@
           <a:cs typeface="+mn-cs"/>
         </a:defRPr>
       </a:lvl6pPr>
-      <a:lvl7pPr marL="5850285" indent="-450022" algn="r" defTabSz="1800088" rtl="1" eaLnBrk="1" latinLnBrk="0" hangingPunct="1">
+      <a:lvl7pPr marL="4387566" indent="-337505" algn="l" defTabSz="1350020" rtl="0" eaLnBrk="1" latinLnBrk="0" hangingPunct="1">
         <a:lnSpc>
           <a:spcPct val="90000"/>
         </a:lnSpc>
         <a:spcBef>
-          <a:spcPts val="984"/>
+          <a:spcPts val="738"/>
         </a:spcBef>
         <a:buFont typeface="Arial" panose="020B0604020202020204" pitchFamily="34" charset="0"/>
         <a:buChar char="•"/>
-        <a:defRPr sz="3543" kern="1200">
+        <a:defRPr sz="2658" kern="1200">
           <a:solidFill>
             <a:schemeClr val="tx1"/>
           </a:solidFill>
@@ -3174,16 +3172,16 @@
           <a:cs typeface="+mn-cs"/>
         </a:defRPr>
       </a:lvl7pPr>
-      <a:lvl8pPr marL="6750329" indent="-450022" algn="r" defTabSz="1800088" rtl="1" eaLnBrk="1" latinLnBrk="0" hangingPunct="1">
+      <a:lvl8pPr marL="5062576" indent="-337505" algn="l" defTabSz="1350020" rtl="0" eaLnBrk="1" latinLnBrk="0" hangingPunct="1">
         <a:lnSpc>
           <a:spcPct val="90000"/>
         </a:lnSpc>
         <a:spcBef>
-          <a:spcPts val="984"/>
+          <a:spcPts val="738"/>
         </a:spcBef>
         <a:buFont typeface="Arial" panose="020B0604020202020204" pitchFamily="34" charset="0"/>
         <a:buChar char="•"/>
-        <a:defRPr sz="3543" kern="1200">
+        <a:defRPr sz="2658" kern="1200">
           <a:solidFill>
             <a:schemeClr val="tx1"/>
           </a:solidFill>
@@ -3192,16 +3190,16 @@
           <a:cs typeface="+mn-cs"/>
         </a:defRPr>
       </a:lvl8pPr>
-      <a:lvl9pPr marL="7650373" indent="-450022" algn="r" defTabSz="1800088" rtl="1" eaLnBrk="1" latinLnBrk="0" hangingPunct="1">
+      <a:lvl9pPr marL="5737586" indent="-337505" algn="l" defTabSz="1350020" rtl="0" eaLnBrk="1" latinLnBrk="0" hangingPunct="1">
         <a:lnSpc>
           <a:spcPct val="90000"/>
         </a:lnSpc>
         <a:spcBef>
-          <a:spcPts val="984"/>
+          <a:spcPts val="738"/>
         </a:spcBef>
         <a:buFont typeface="Arial" panose="020B0604020202020204" pitchFamily="34" charset="0"/>
         <a:buChar char="•"/>
-        <a:defRPr sz="3543" kern="1200">
+        <a:defRPr sz="2658" kern="1200">
           <a:solidFill>
             <a:schemeClr val="tx1"/>
           </a:solidFill>
@@ -3213,10 +3211,10 @@
     </p:bodyStyle>
     <p:otherStyle>
       <a:defPPr>
-        <a:defRPr lang="en-US"/>
+        <a:defRPr lang="he-IL"/>
       </a:defPPr>
-      <a:lvl1pPr marL="0" algn="r" defTabSz="1800088" rtl="1" eaLnBrk="1" latinLnBrk="0" hangingPunct="1">
-        <a:defRPr sz="3543" kern="1200">
+      <a:lvl1pPr marL="0" algn="l" defTabSz="1350020" rtl="0" eaLnBrk="1" latinLnBrk="0" hangingPunct="1">
+        <a:defRPr sz="2658" kern="1200">
           <a:solidFill>
             <a:schemeClr val="tx1"/>
           </a:solidFill>
@@ -3225,8 +3223,8 @@
           <a:cs typeface="+mn-cs"/>
         </a:defRPr>
       </a:lvl1pPr>
-      <a:lvl2pPr marL="900044" algn="r" defTabSz="1800088" rtl="1" eaLnBrk="1" latinLnBrk="0" hangingPunct="1">
-        <a:defRPr sz="3543" kern="1200">
+      <a:lvl2pPr marL="675010" algn="l" defTabSz="1350020" rtl="0" eaLnBrk="1" latinLnBrk="0" hangingPunct="1">
+        <a:defRPr sz="2658" kern="1200">
           <a:solidFill>
             <a:schemeClr val="tx1"/>
           </a:solidFill>
@@ -3235,8 +3233,8 @@
           <a:cs typeface="+mn-cs"/>
         </a:defRPr>
       </a:lvl2pPr>
-      <a:lvl3pPr marL="1800088" algn="r" defTabSz="1800088" rtl="1" eaLnBrk="1" latinLnBrk="0" hangingPunct="1">
-        <a:defRPr sz="3543" kern="1200">
+      <a:lvl3pPr marL="1350020" algn="l" defTabSz="1350020" rtl="0" eaLnBrk="1" latinLnBrk="0" hangingPunct="1">
+        <a:defRPr sz="2658" kern="1200">
           <a:solidFill>
             <a:schemeClr val="tx1"/>
           </a:solidFill>
@@ -3245,8 +3243,8 @@
           <a:cs typeface="+mn-cs"/>
         </a:defRPr>
       </a:lvl3pPr>
-      <a:lvl4pPr marL="2700132" algn="r" defTabSz="1800088" rtl="1" eaLnBrk="1" latinLnBrk="0" hangingPunct="1">
-        <a:defRPr sz="3543" kern="1200">
+      <a:lvl4pPr marL="2025030" algn="l" defTabSz="1350020" rtl="0" eaLnBrk="1" latinLnBrk="0" hangingPunct="1">
+        <a:defRPr sz="2658" kern="1200">
           <a:solidFill>
             <a:schemeClr val="tx1"/>
           </a:solidFill>
@@ -3255,8 +3253,8 @@
           <a:cs typeface="+mn-cs"/>
         </a:defRPr>
       </a:lvl4pPr>
-      <a:lvl5pPr marL="3600176" algn="r" defTabSz="1800088" rtl="1" eaLnBrk="1" latinLnBrk="0" hangingPunct="1">
-        <a:defRPr sz="3543" kern="1200">
+      <a:lvl5pPr marL="2700040" algn="l" defTabSz="1350020" rtl="0" eaLnBrk="1" latinLnBrk="0" hangingPunct="1">
+        <a:defRPr sz="2658" kern="1200">
           <a:solidFill>
             <a:schemeClr val="tx1"/>
           </a:solidFill>
@@ -3265,8 +3263,8 @@
           <a:cs typeface="+mn-cs"/>
         </a:defRPr>
       </a:lvl5pPr>
-      <a:lvl6pPr marL="4500220" algn="r" defTabSz="1800088" rtl="1" eaLnBrk="1" latinLnBrk="0" hangingPunct="1">
-        <a:defRPr sz="3543" kern="1200">
+      <a:lvl6pPr marL="3375050" algn="l" defTabSz="1350020" rtl="0" eaLnBrk="1" latinLnBrk="0" hangingPunct="1">
+        <a:defRPr sz="2658" kern="1200">
           <a:solidFill>
             <a:schemeClr val="tx1"/>
           </a:solidFill>
@@ -3275,8 +3273,8 @@
           <a:cs typeface="+mn-cs"/>
         </a:defRPr>
       </a:lvl6pPr>
-      <a:lvl7pPr marL="5400264" algn="r" defTabSz="1800088" rtl="1" eaLnBrk="1" latinLnBrk="0" hangingPunct="1">
-        <a:defRPr sz="3543" kern="1200">
+      <a:lvl7pPr marL="4050060" algn="l" defTabSz="1350020" rtl="0" eaLnBrk="1" latinLnBrk="0" hangingPunct="1">
+        <a:defRPr sz="2658" kern="1200">
           <a:solidFill>
             <a:schemeClr val="tx1"/>
           </a:solidFill>
@@ -3285,8 +3283,8 @@
           <a:cs typeface="+mn-cs"/>
         </a:defRPr>
       </a:lvl7pPr>
-      <a:lvl8pPr marL="6300307" algn="r" defTabSz="1800088" rtl="1" eaLnBrk="1" latinLnBrk="0" hangingPunct="1">
-        <a:defRPr sz="3543" kern="1200">
+      <a:lvl8pPr marL="4725071" algn="l" defTabSz="1350020" rtl="0" eaLnBrk="1" latinLnBrk="0" hangingPunct="1">
+        <a:defRPr sz="2658" kern="1200">
           <a:solidFill>
             <a:schemeClr val="tx1"/>
           </a:solidFill>
@@ -3295,8 +3293,8 @@
           <a:cs typeface="+mn-cs"/>
         </a:defRPr>
       </a:lvl8pPr>
-      <a:lvl9pPr marL="7200351" algn="r" defTabSz="1800088" rtl="1" eaLnBrk="1" latinLnBrk="0" hangingPunct="1">
-        <a:defRPr sz="3543" kern="1200">
+      <a:lvl9pPr marL="5400081" algn="l" defTabSz="1350020" rtl="0" eaLnBrk="1" latinLnBrk="0" hangingPunct="1">
+        <a:defRPr sz="2658" kern="1200">
           <a:solidFill>
             <a:schemeClr val="tx1"/>
           </a:solidFill>
@@ -6444,8 +6442,8 @@
             </p:nvSpPr>
             <p:spPr>
               <a:xfrm>
-                <a:off x="14737824" y="17040752"/>
-                <a:ext cx="3007555" cy="646331"/>
+                <a:off x="12804603" y="17040752"/>
+                <a:ext cx="4940776" cy="646331"/>
               </a:xfrm>
               <a:prstGeom prst="rect">
                 <a:avLst/>
@@ -6480,7 +6478,7 @@
                 <a:pPr algn="r" rtl="1"/>
                 <a:r>
                   <a:rPr lang="he-IL" sz="3600" dirty="0"/>
-                  <a:t>יצירת טרנזקציה</a:t>
+                  <a:t>יצירה ופענוח של טרנזקציה</a:t>
                 </a:r>
               </a:p>
             </p:txBody>
@@ -7953,8 +7951,8 @@
             </p:nvSpPr>
             <p:spPr>
               <a:xfrm>
-                <a:off x="14737824" y="17040752"/>
-                <a:ext cx="3007555" cy="646331"/>
+                <a:off x="12804603" y="17040752"/>
+                <a:ext cx="4940776" cy="646331"/>
               </a:xfrm>
               <a:prstGeom prst="rect">
                 <a:avLst/>
@@ -7989,7 +7987,7 @@
                 <a:pPr algn="r" rtl="1"/>
                 <a:r>
                   <a:rPr lang="he-IL" sz="3600" dirty="0"/>
-                  <a:t>יצירת טרנזקציה</a:t>
+                  <a:t>יצירה ופענוח של טרנזקציה</a:t>
                 </a:r>
               </a:p>
             </p:txBody>
@@ -8450,7 +8448,7 @@
 <file path=ppt/theme/theme1.xml><?xml version="1.0" encoding="utf-8"?>
 <a:theme xmlns:a="http://schemas.openxmlformats.org/drawingml/2006/main" name="Office Theme">
   <a:themeElements>
-    <a:clrScheme name="Office Theme">
+    <a:clrScheme name="Office">
       <a:dk1>
         <a:sysClr val="windowText" lastClr="000000"/>
       </a:dk1>
@@ -8488,7 +8486,7 @@
         <a:srgbClr val="954F72"/>
       </a:folHlink>
     </a:clrScheme>
-    <a:fontScheme name="Office Theme">
+    <a:fontScheme name="Office">
       <a:majorFont>
         <a:latin typeface="Calibri Light" panose="020F0302020204030204"/>
         <a:ea typeface=""/>
@@ -8523,6 +8521,23 @@
         <a:font script="Viet" typeface="Times New Roman"/>
         <a:font script="Uigh" typeface="Microsoft Uighur"/>
         <a:font script="Geor" typeface="Sylfaen"/>
+        <a:font script="Armn" typeface="Arial"/>
+        <a:font script="Bugi" typeface="Leelawadee UI"/>
+        <a:font script="Bopo" typeface="Microsoft JhengHei"/>
+        <a:font script="Java" typeface="Javanese Text"/>
+        <a:font script="Lisu" typeface="Segoe UI"/>
+        <a:font script="Mymr" typeface="Myanmar Text"/>
+        <a:font script="Nkoo" typeface="Ebrima"/>
+        <a:font script="Olck" typeface="Nirmala UI"/>
+        <a:font script="Osma" typeface="Ebrima"/>
+        <a:font script="Phag" typeface="Phagspa"/>
+        <a:font script="Syrn" typeface="Estrangelo Edessa"/>
+        <a:font script="Syrj" typeface="Estrangelo Edessa"/>
+        <a:font script="Syre" typeface="Estrangelo Edessa"/>
+        <a:font script="Sora" typeface="Nirmala UI"/>
+        <a:font script="Tale" typeface="Microsoft Tai Le"/>
+        <a:font script="Talu" typeface="Microsoft New Tai Lue"/>
+        <a:font script="Tfng" typeface="Ebrima"/>
       </a:majorFont>
       <a:minorFont>
         <a:latin typeface="Calibri" panose="020F0502020204030204"/>
@@ -8558,9 +8573,26 @@
         <a:font script="Viet" typeface="Arial"/>
         <a:font script="Uigh" typeface="Microsoft Uighur"/>
         <a:font script="Geor" typeface="Sylfaen"/>
+        <a:font script="Armn" typeface="Arial"/>
+        <a:font script="Bugi" typeface="Leelawadee UI"/>
+        <a:font script="Bopo" typeface="Microsoft JhengHei"/>
+        <a:font script="Java" typeface="Javanese Text"/>
+        <a:font script="Lisu" typeface="Segoe UI"/>
+        <a:font script="Mymr" typeface="Myanmar Text"/>
+        <a:font script="Nkoo" typeface="Ebrima"/>
+        <a:font script="Olck" typeface="Nirmala UI"/>
+        <a:font script="Osma" typeface="Ebrima"/>
+        <a:font script="Phag" typeface="Phagspa"/>
+        <a:font script="Syrn" typeface="Estrangelo Edessa"/>
+        <a:font script="Syrj" typeface="Estrangelo Edessa"/>
+        <a:font script="Syre" typeface="Estrangelo Edessa"/>
+        <a:font script="Sora" typeface="Nirmala UI"/>
+        <a:font script="Tale" typeface="Microsoft Tai Le"/>
+        <a:font script="Talu" typeface="Microsoft New Tai Lue"/>
+        <a:font script="Tfng" typeface="Ebrima"/>
       </a:minorFont>
     </a:fontScheme>
-    <a:fmtScheme name="Office Theme">
+    <a:fmtScheme name="Office">
       <a:fillStyleLst>
         <a:solidFill>
           <a:schemeClr val="phClr"/>
